--- a/15. Arquitetura de Negócio para cada Cenário.pptx
+++ b/15. Arquitetura de Negócio para cada Cenário.pptx
@@ -11,11 +11,11 @@
     <p:sldId id="259" r:id="rId5"/>
     <p:sldId id="260" r:id="rId6"/>
     <p:sldId id="261" r:id="rId7"/>
-    <p:sldId id="262" r:id="rId8"/>
-    <p:sldId id="263" r:id="rId9"/>
-    <p:sldId id="264" r:id="rId10"/>
-    <p:sldId id="265" r:id="rId11"/>
-    <p:sldId id="266" r:id="rId12"/>
+    <p:sldId id="263" r:id="rId8"/>
+    <p:sldId id="264" r:id="rId9"/>
+    <p:sldId id="265" r:id="rId10"/>
+    <p:sldId id="266" r:id="rId11"/>
+    <p:sldId id="267" r:id="rId12"/>
   </p:sldIdLst>
   <p:sldSz cx="12192000" cy="6858000"/>
   <p:notesSz cx="6858000" cy="9144000"/>
@@ -135,16 +135,24 @@
   <pc:docChgLst>
     <pc:chgData name="Gabriel Galitesi Maldotti" userId="f4049ec46fc161ac" providerId="LiveId" clId="{629DDA6C-8642-4668-B445-4821E18CA2CC}"/>
     <pc:docChg chg="custSel addSld delSld modSld">
-      <pc:chgData name="Gabriel Galitesi Maldotti" userId="f4049ec46fc161ac" providerId="LiveId" clId="{629DDA6C-8642-4668-B445-4821E18CA2CC}" dt="2021-03-05T01:35:28.772" v="37" actId="22"/>
+      <pc:chgData name="Gabriel Galitesi Maldotti" userId="f4049ec46fc161ac" providerId="LiveId" clId="{629DDA6C-8642-4668-B445-4821E18CA2CC}" dt="2021-03-18T13:29:17.377" v="64" actId="22"/>
       <pc:docMkLst>
         <pc:docMk/>
       </pc:docMkLst>
       <pc:sldChg chg="addSp delSp modSp mod">
-        <pc:chgData name="Gabriel Galitesi Maldotti" userId="f4049ec46fc161ac" providerId="LiveId" clId="{629DDA6C-8642-4668-B445-4821E18CA2CC}" dt="2021-03-05T00:19:19.995" v="9" actId="14100"/>
+        <pc:chgData name="Gabriel Galitesi Maldotti" userId="f4049ec46fc161ac" providerId="LiveId" clId="{629DDA6C-8642-4668-B445-4821E18CA2CC}" dt="2021-03-18T13:23:19.557" v="53" actId="14100"/>
         <pc:sldMkLst>
           <pc:docMk/>
           <pc:sldMk cId="4290759109" sldId="256"/>
         </pc:sldMkLst>
+        <pc:picChg chg="add mod">
+          <ac:chgData name="Gabriel Galitesi Maldotti" userId="f4049ec46fc161ac" providerId="LiveId" clId="{629DDA6C-8642-4668-B445-4821E18CA2CC}" dt="2021-03-18T13:23:19.557" v="53" actId="14100"/>
+          <ac:picMkLst>
+            <pc:docMk/>
+            <pc:sldMk cId="4290759109" sldId="256"/>
+            <ac:picMk id="3" creationId="{CC03DBA7-2994-4EA3-9DD2-90DF513BFAB1}"/>
+          </ac:picMkLst>
+        </pc:picChg>
         <pc:picChg chg="add del mod">
           <ac:chgData name="Gabriel Galitesi Maldotti" userId="f4049ec46fc161ac" providerId="LiveId" clId="{629DDA6C-8642-4668-B445-4821E18CA2CC}" dt="2021-03-05T00:16:35.318" v="4" actId="478"/>
           <ac:picMkLst>
@@ -153,8 +161,8 @@
             <ac:picMk id="5" creationId="{E3C2AF42-7D7E-468C-A642-D25BEF8C5087}"/>
           </ac:picMkLst>
         </pc:picChg>
-        <pc:picChg chg="add mod">
-          <ac:chgData name="Gabriel Galitesi Maldotti" userId="f4049ec46fc161ac" providerId="LiveId" clId="{629DDA6C-8642-4668-B445-4821E18CA2CC}" dt="2021-03-05T00:19:19.995" v="9" actId="14100"/>
+        <pc:picChg chg="add del mod">
+          <ac:chgData name="Gabriel Galitesi Maldotti" userId="f4049ec46fc161ac" providerId="LiveId" clId="{629DDA6C-8642-4668-B445-4821E18CA2CC}" dt="2021-03-18T13:20:55.380" v="38" actId="478"/>
           <ac:picMkLst>
             <pc:docMk/>
             <pc:sldMk cId="4290759109" sldId="256"/>
@@ -162,18 +170,26 @@
           </ac:picMkLst>
         </pc:picChg>
       </pc:sldChg>
-      <pc:sldChg chg="addSp new mod">
-        <pc:chgData name="Gabriel Galitesi Maldotti" userId="f4049ec46fc161ac" providerId="LiveId" clId="{629DDA6C-8642-4668-B445-4821E18CA2CC}" dt="2021-03-05T00:20:30.256" v="13" actId="22"/>
+      <pc:sldChg chg="addSp delSp new mod">
+        <pc:chgData name="Gabriel Galitesi Maldotti" userId="f4049ec46fc161ac" providerId="LiveId" clId="{629DDA6C-8642-4668-B445-4821E18CA2CC}" dt="2021-03-18T13:24:01.647" v="54" actId="22"/>
         <pc:sldMkLst>
           <pc:docMk/>
           <pc:sldMk cId="1282979026" sldId="257"/>
         </pc:sldMkLst>
-        <pc:picChg chg="add">
-          <ac:chgData name="Gabriel Galitesi Maldotti" userId="f4049ec46fc161ac" providerId="LiveId" clId="{629DDA6C-8642-4668-B445-4821E18CA2CC}" dt="2021-03-05T00:20:30.256" v="13" actId="22"/>
+        <pc:picChg chg="add del">
+          <ac:chgData name="Gabriel Galitesi Maldotti" userId="f4049ec46fc161ac" providerId="LiveId" clId="{629DDA6C-8642-4668-B445-4821E18CA2CC}" dt="2021-03-18T13:20:58.314" v="39" actId="478"/>
           <ac:picMkLst>
             <pc:docMk/>
             <pc:sldMk cId="1282979026" sldId="257"/>
             <ac:picMk id="3" creationId="{264E5942-BDA4-4C1A-9D01-25215A38C2C6}"/>
+          </ac:picMkLst>
+        </pc:picChg>
+        <pc:picChg chg="add">
+          <ac:chgData name="Gabriel Galitesi Maldotti" userId="f4049ec46fc161ac" providerId="LiveId" clId="{629DDA6C-8642-4668-B445-4821E18CA2CC}" dt="2021-03-18T13:24:01.647" v="54" actId="22"/>
+          <ac:picMkLst>
+            <pc:docMk/>
+            <pc:sldMk cId="1282979026" sldId="257"/>
+            <ac:picMk id="4" creationId="{BFBBB5DF-483C-4400-A187-7779915E05B3}"/>
           </ac:picMkLst>
         </pc:picChg>
       </pc:sldChg>
@@ -184,68 +200,100 @@
           <pc:sldMk cId="2880293786" sldId="257"/>
         </pc:sldMkLst>
       </pc:sldChg>
-      <pc:sldChg chg="addSp new mod">
-        <pc:chgData name="Gabriel Galitesi Maldotti" userId="f4049ec46fc161ac" providerId="LiveId" clId="{629DDA6C-8642-4668-B445-4821E18CA2CC}" dt="2021-03-05T00:21:12.177" v="15" actId="22"/>
+      <pc:sldChg chg="addSp delSp new mod">
+        <pc:chgData name="Gabriel Galitesi Maldotti" userId="f4049ec46fc161ac" providerId="LiveId" clId="{629DDA6C-8642-4668-B445-4821E18CA2CC}" dt="2021-03-18T13:25:03.875" v="55" actId="22"/>
         <pc:sldMkLst>
           <pc:docMk/>
           <pc:sldMk cId="384514359" sldId="258"/>
         </pc:sldMkLst>
-        <pc:picChg chg="add">
-          <ac:chgData name="Gabriel Galitesi Maldotti" userId="f4049ec46fc161ac" providerId="LiveId" clId="{629DDA6C-8642-4668-B445-4821E18CA2CC}" dt="2021-03-05T00:21:12.177" v="15" actId="22"/>
+        <pc:picChg chg="add del">
+          <ac:chgData name="Gabriel Galitesi Maldotti" userId="f4049ec46fc161ac" providerId="LiveId" clId="{629DDA6C-8642-4668-B445-4821E18CA2CC}" dt="2021-03-18T13:21:01.594" v="40" actId="478"/>
           <ac:picMkLst>
             <pc:docMk/>
             <pc:sldMk cId="384514359" sldId="258"/>
             <ac:picMk id="3" creationId="{A3F8426B-104B-4184-95C6-43B954CDE430}"/>
           </ac:picMkLst>
         </pc:picChg>
+        <pc:picChg chg="add">
+          <ac:chgData name="Gabriel Galitesi Maldotti" userId="f4049ec46fc161ac" providerId="LiveId" clId="{629DDA6C-8642-4668-B445-4821E18CA2CC}" dt="2021-03-18T13:25:03.875" v="55" actId="22"/>
+          <ac:picMkLst>
+            <pc:docMk/>
+            <pc:sldMk cId="384514359" sldId="258"/>
+            <ac:picMk id="4" creationId="{7B10699E-1D0F-43F9-A906-10BFBC686BC2}"/>
+          </ac:picMkLst>
+        </pc:picChg>
       </pc:sldChg>
-      <pc:sldChg chg="addSp new mod">
-        <pc:chgData name="Gabriel Galitesi Maldotti" userId="f4049ec46fc161ac" providerId="LiveId" clId="{629DDA6C-8642-4668-B445-4821E18CA2CC}" dt="2021-03-05T00:21:58.895" v="17" actId="22"/>
+      <pc:sldChg chg="addSp delSp new mod">
+        <pc:chgData name="Gabriel Galitesi Maldotti" userId="f4049ec46fc161ac" providerId="LiveId" clId="{629DDA6C-8642-4668-B445-4821E18CA2CC}" dt="2021-03-18T13:25:52.332" v="56" actId="22"/>
         <pc:sldMkLst>
           <pc:docMk/>
           <pc:sldMk cId="250224596" sldId="259"/>
         </pc:sldMkLst>
-        <pc:picChg chg="add">
-          <ac:chgData name="Gabriel Galitesi Maldotti" userId="f4049ec46fc161ac" providerId="LiveId" clId="{629DDA6C-8642-4668-B445-4821E18CA2CC}" dt="2021-03-05T00:21:58.895" v="17" actId="22"/>
+        <pc:picChg chg="add del">
+          <ac:chgData name="Gabriel Galitesi Maldotti" userId="f4049ec46fc161ac" providerId="LiveId" clId="{629DDA6C-8642-4668-B445-4821E18CA2CC}" dt="2021-03-18T13:21:04.129" v="41" actId="478"/>
           <ac:picMkLst>
             <pc:docMk/>
             <pc:sldMk cId="250224596" sldId="259"/>
             <ac:picMk id="3" creationId="{2256A995-0F6E-4B7E-88BE-D56AAC5CC66F}"/>
           </ac:picMkLst>
         </pc:picChg>
+        <pc:picChg chg="add">
+          <ac:chgData name="Gabriel Galitesi Maldotti" userId="f4049ec46fc161ac" providerId="LiveId" clId="{629DDA6C-8642-4668-B445-4821E18CA2CC}" dt="2021-03-18T13:25:52.332" v="56" actId="22"/>
+          <ac:picMkLst>
+            <pc:docMk/>
+            <pc:sldMk cId="250224596" sldId="259"/>
+            <ac:picMk id="4" creationId="{F9B34111-EA45-43CF-812A-3EB51A713654}"/>
+          </ac:picMkLst>
+        </pc:picChg>
       </pc:sldChg>
-      <pc:sldChg chg="addSp new mod">
-        <pc:chgData name="Gabriel Galitesi Maldotti" userId="f4049ec46fc161ac" providerId="LiveId" clId="{629DDA6C-8642-4668-B445-4821E18CA2CC}" dt="2021-03-05T00:22:50.466" v="19" actId="22"/>
+      <pc:sldChg chg="addSp delSp new mod">
+        <pc:chgData name="Gabriel Galitesi Maldotti" userId="f4049ec46fc161ac" providerId="LiveId" clId="{629DDA6C-8642-4668-B445-4821E18CA2CC}" dt="2021-03-18T13:26:25.105" v="57" actId="22"/>
         <pc:sldMkLst>
           <pc:docMk/>
           <pc:sldMk cId="1031129762" sldId="260"/>
         </pc:sldMkLst>
-        <pc:picChg chg="add">
-          <ac:chgData name="Gabriel Galitesi Maldotti" userId="f4049ec46fc161ac" providerId="LiveId" clId="{629DDA6C-8642-4668-B445-4821E18CA2CC}" dt="2021-03-05T00:22:50.466" v="19" actId="22"/>
+        <pc:picChg chg="add del">
+          <ac:chgData name="Gabriel Galitesi Maldotti" userId="f4049ec46fc161ac" providerId="LiveId" clId="{629DDA6C-8642-4668-B445-4821E18CA2CC}" dt="2021-03-18T13:21:09.048" v="42" actId="478"/>
           <ac:picMkLst>
             <pc:docMk/>
             <pc:sldMk cId="1031129762" sldId="260"/>
             <ac:picMk id="3" creationId="{FC6EF57F-3B15-4F3D-9AB8-01E67BDC346C}"/>
           </ac:picMkLst>
         </pc:picChg>
+        <pc:picChg chg="add">
+          <ac:chgData name="Gabriel Galitesi Maldotti" userId="f4049ec46fc161ac" providerId="LiveId" clId="{629DDA6C-8642-4668-B445-4821E18CA2CC}" dt="2021-03-18T13:26:25.105" v="57" actId="22"/>
+          <ac:picMkLst>
+            <pc:docMk/>
+            <pc:sldMk cId="1031129762" sldId="260"/>
+            <ac:picMk id="4" creationId="{F3C1B466-EB1E-46E7-9D21-AFCB243D7982}"/>
+          </ac:picMkLst>
+        </pc:picChg>
       </pc:sldChg>
-      <pc:sldChg chg="addSp modSp new mod">
-        <pc:chgData name="Gabriel Galitesi Maldotti" userId="f4049ec46fc161ac" providerId="LiveId" clId="{629DDA6C-8642-4668-B445-4821E18CA2CC}" dt="2021-03-05T00:24:32.323" v="25" actId="14100"/>
+      <pc:sldChg chg="addSp delSp modSp new mod">
+        <pc:chgData name="Gabriel Galitesi Maldotti" userId="f4049ec46fc161ac" providerId="LiveId" clId="{629DDA6C-8642-4668-B445-4821E18CA2CC}" dt="2021-03-18T13:26:59.502" v="58" actId="22"/>
         <pc:sldMkLst>
           <pc:docMk/>
           <pc:sldMk cId="336339482" sldId="261"/>
         </pc:sldMkLst>
-        <pc:picChg chg="add mod">
-          <ac:chgData name="Gabriel Galitesi Maldotti" userId="f4049ec46fc161ac" providerId="LiveId" clId="{629DDA6C-8642-4668-B445-4821E18CA2CC}" dt="2021-03-05T00:24:32.323" v="25" actId="14100"/>
+        <pc:picChg chg="add del mod">
+          <ac:chgData name="Gabriel Galitesi Maldotti" userId="f4049ec46fc161ac" providerId="LiveId" clId="{629DDA6C-8642-4668-B445-4821E18CA2CC}" dt="2021-03-18T13:21:11.738" v="43" actId="478"/>
           <ac:picMkLst>
             <pc:docMk/>
             <pc:sldMk cId="336339482" sldId="261"/>
             <ac:picMk id="3" creationId="{54066AF5-0DD8-4F46-B580-ED27DEDE19FD}"/>
           </ac:picMkLst>
         </pc:picChg>
+        <pc:picChg chg="add">
+          <ac:chgData name="Gabriel Galitesi Maldotti" userId="f4049ec46fc161ac" providerId="LiveId" clId="{629DDA6C-8642-4668-B445-4821E18CA2CC}" dt="2021-03-18T13:26:59.502" v="58" actId="22"/>
+          <ac:picMkLst>
+            <pc:docMk/>
+            <pc:sldMk cId="336339482" sldId="261"/>
+            <ac:picMk id="4" creationId="{9CF03ACE-0213-4ECE-8093-9F1AC0368B2A}"/>
+          </ac:picMkLst>
+        </pc:picChg>
       </pc:sldChg>
-      <pc:sldChg chg="addSp new mod">
-        <pc:chgData name="Gabriel Galitesi Maldotti" userId="f4049ec46fc161ac" providerId="LiveId" clId="{629DDA6C-8642-4668-B445-4821E18CA2CC}" dt="2021-03-05T00:25:21.205" v="27" actId="22"/>
+      <pc:sldChg chg="addSp new del mod">
+        <pc:chgData name="Gabriel Galitesi Maldotti" userId="f4049ec46fc161ac" providerId="LiveId" clId="{629DDA6C-8642-4668-B445-4821E18CA2CC}" dt="2021-03-18T13:21:14.600" v="44" actId="47"/>
         <pc:sldMkLst>
           <pc:docMk/>
           <pc:sldMk cId="426475193" sldId="262"/>
@@ -259,53 +307,77 @@
           </ac:picMkLst>
         </pc:picChg>
       </pc:sldChg>
-      <pc:sldChg chg="addSp new mod">
-        <pc:chgData name="Gabriel Galitesi Maldotti" userId="f4049ec46fc161ac" providerId="LiveId" clId="{629DDA6C-8642-4668-B445-4821E18CA2CC}" dt="2021-03-05T00:25:51.259" v="29" actId="22"/>
+      <pc:sldChg chg="addSp delSp new mod">
+        <pc:chgData name="Gabriel Galitesi Maldotti" userId="f4049ec46fc161ac" providerId="LiveId" clId="{629DDA6C-8642-4668-B445-4821E18CA2CC}" dt="2021-03-18T13:27:36.659" v="59" actId="22"/>
         <pc:sldMkLst>
           <pc:docMk/>
           <pc:sldMk cId="477494429" sldId="263"/>
         </pc:sldMkLst>
-        <pc:picChg chg="add">
-          <ac:chgData name="Gabriel Galitesi Maldotti" userId="f4049ec46fc161ac" providerId="LiveId" clId="{629DDA6C-8642-4668-B445-4821E18CA2CC}" dt="2021-03-05T00:25:51.259" v="29" actId="22"/>
+        <pc:picChg chg="add del">
+          <ac:chgData name="Gabriel Galitesi Maldotti" userId="f4049ec46fc161ac" providerId="LiveId" clId="{629DDA6C-8642-4668-B445-4821E18CA2CC}" dt="2021-03-18T13:21:19.691" v="45" actId="478"/>
           <ac:picMkLst>
             <pc:docMk/>
             <pc:sldMk cId="477494429" sldId="263"/>
             <ac:picMk id="3" creationId="{49A2B0C9-7042-4D7D-9D3A-3E8239549BED}"/>
           </ac:picMkLst>
         </pc:picChg>
+        <pc:picChg chg="add">
+          <ac:chgData name="Gabriel Galitesi Maldotti" userId="f4049ec46fc161ac" providerId="LiveId" clId="{629DDA6C-8642-4668-B445-4821E18CA2CC}" dt="2021-03-18T13:27:36.659" v="59" actId="22"/>
+          <ac:picMkLst>
+            <pc:docMk/>
+            <pc:sldMk cId="477494429" sldId="263"/>
+            <ac:picMk id="4" creationId="{2993A6E7-9562-413B-ADFB-66D28D05CB49}"/>
+          </ac:picMkLst>
+        </pc:picChg>
       </pc:sldChg>
-      <pc:sldChg chg="addSp new mod">
-        <pc:chgData name="Gabriel Galitesi Maldotti" userId="f4049ec46fc161ac" providerId="LiveId" clId="{629DDA6C-8642-4668-B445-4821E18CA2CC}" dt="2021-03-05T00:26:31.938" v="31" actId="22"/>
+      <pc:sldChg chg="addSp delSp new mod">
+        <pc:chgData name="Gabriel Galitesi Maldotti" userId="f4049ec46fc161ac" providerId="LiveId" clId="{629DDA6C-8642-4668-B445-4821E18CA2CC}" dt="2021-03-18T13:28:05.470" v="60" actId="22"/>
         <pc:sldMkLst>
           <pc:docMk/>
           <pc:sldMk cId="206910053" sldId="264"/>
         </pc:sldMkLst>
-        <pc:picChg chg="add">
-          <ac:chgData name="Gabriel Galitesi Maldotti" userId="f4049ec46fc161ac" providerId="LiveId" clId="{629DDA6C-8642-4668-B445-4821E18CA2CC}" dt="2021-03-05T00:26:31.938" v="31" actId="22"/>
+        <pc:picChg chg="add del">
+          <ac:chgData name="Gabriel Galitesi Maldotti" userId="f4049ec46fc161ac" providerId="LiveId" clId="{629DDA6C-8642-4668-B445-4821E18CA2CC}" dt="2021-03-18T13:21:21.766" v="46" actId="478"/>
           <ac:picMkLst>
             <pc:docMk/>
             <pc:sldMk cId="206910053" sldId="264"/>
             <ac:picMk id="3" creationId="{7339EB5B-89C2-468F-A890-FB58EED9238F}"/>
           </ac:picMkLst>
         </pc:picChg>
+        <pc:picChg chg="add">
+          <ac:chgData name="Gabriel Galitesi Maldotti" userId="f4049ec46fc161ac" providerId="LiveId" clId="{629DDA6C-8642-4668-B445-4821E18CA2CC}" dt="2021-03-18T13:28:05.470" v="60" actId="22"/>
+          <ac:picMkLst>
+            <pc:docMk/>
+            <pc:sldMk cId="206910053" sldId="264"/>
+            <ac:picMk id="4" creationId="{2BB5DCCF-B839-43AC-B9BB-73CF30F2C260}"/>
+          </ac:picMkLst>
+        </pc:picChg>
       </pc:sldChg>
-      <pc:sldChg chg="addSp new mod">
-        <pc:chgData name="Gabriel Galitesi Maldotti" userId="f4049ec46fc161ac" providerId="LiveId" clId="{629DDA6C-8642-4668-B445-4821E18CA2CC}" dt="2021-03-05T00:27:17.718" v="33" actId="22"/>
+      <pc:sldChg chg="addSp delSp new mod">
+        <pc:chgData name="Gabriel Galitesi Maldotti" userId="f4049ec46fc161ac" providerId="LiveId" clId="{629DDA6C-8642-4668-B445-4821E18CA2CC}" dt="2021-03-18T13:28:29.675" v="61" actId="22"/>
         <pc:sldMkLst>
           <pc:docMk/>
           <pc:sldMk cId="516625275" sldId="265"/>
         </pc:sldMkLst>
-        <pc:picChg chg="add">
-          <ac:chgData name="Gabriel Galitesi Maldotti" userId="f4049ec46fc161ac" providerId="LiveId" clId="{629DDA6C-8642-4668-B445-4821E18CA2CC}" dt="2021-03-05T00:27:17.718" v="33" actId="22"/>
+        <pc:picChg chg="add del">
+          <ac:chgData name="Gabriel Galitesi Maldotti" userId="f4049ec46fc161ac" providerId="LiveId" clId="{629DDA6C-8642-4668-B445-4821E18CA2CC}" dt="2021-03-18T13:21:27.274" v="47" actId="478"/>
           <ac:picMkLst>
             <pc:docMk/>
             <pc:sldMk cId="516625275" sldId="265"/>
             <ac:picMk id="3" creationId="{08BBCA83-DA65-43FA-AFCD-553E69194ACB}"/>
           </ac:picMkLst>
         </pc:picChg>
+        <pc:picChg chg="add">
+          <ac:chgData name="Gabriel Galitesi Maldotti" userId="f4049ec46fc161ac" providerId="LiveId" clId="{629DDA6C-8642-4668-B445-4821E18CA2CC}" dt="2021-03-18T13:28:29.675" v="61" actId="22"/>
+          <ac:picMkLst>
+            <pc:docMk/>
+            <pc:sldMk cId="516625275" sldId="265"/>
+            <ac:picMk id="4" creationId="{7FA2C0D2-9247-4C3D-9E9A-876276102F13}"/>
+          </ac:picMkLst>
+        </pc:picChg>
       </pc:sldChg>
       <pc:sldChg chg="addSp delSp new mod">
-        <pc:chgData name="Gabriel Galitesi Maldotti" userId="f4049ec46fc161ac" providerId="LiveId" clId="{629DDA6C-8642-4668-B445-4821E18CA2CC}" dt="2021-03-05T01:35:28.772" v="37" actId="22"/>
+        <pc:chgData name="Gabriel Galitesi Maldotti" userId="f4049ec46fc161ac" providerId="LiveId" clId="{629DDA6C-8642-4668-B445-4821E18CA2CC}" dt="2021-03-18T13:28:53.328" v="62" actId="22"/>
         <pc:sldMkLst>
           <pc:docMk/>
           <pc:sldMk cId="2149670550" sldId="266"/>
@@ -319,11 +391,34 @@
           </ac:picMkLst>
         </pc:picChg>
         <pc:picChg chg="add">
-          <ac:chgData name="Gabriel Galitesi Maldotti" userId="f4049ec46fc161ac" providerId="LiveId" clId="{629DDA6C-8642-4668-B445-4821E18CA2CC}" dt="2021-03-05T01:35:28.772" v="37" actId="22"/>
+          <ac:chgData name="Gabriel Galitesi Maldotti" userId="f4049ec46fc161ac" providerId="LiveId" clId="{629DDA6C-8642-4668-B445-4821E18CA2CC}" dt="2021-03-18T13:28:53.328" v="62" actId="22"/>
+          <ac:picMkLst>
+            <pc:docMk/>
+            <pc:sldMk cId="2149670550" sldId="266"/>
+            <ac:picMk id="3" creationId="{EFF4CB1C-C7D1-4309-84AB-3407FF68AB13}"/>
+          </ac:picMkLst>
+        </pc:picChg>
+        <pc:picChg chg="add del">
+          <ac:chgData name="Gabriel Galitesi Maldotti" userId="f4049ec46fc161ac" providerId="LiveId" clId="{629DDA6C-8642-4668-B445-4821E18CA2CC}" dt="2021-03-18T13:21:30.063" v="48" actId="478"/>
           <ac:picMkLst>
             <pc:docMk/>
             <pc:sldMk cId="2149670550" sldId="266"/>
             <ac:picMk id="4" creationId="{11EC0408-41A1-468E-9CC9-3496E4C5072E}"/>
+          </ac:picMkLst>
+        </pc:picChg>
+      </pc:sldChg>
+      <pc:sldChg chg="addSp new mod">
+        <pc:chgData name="Gabriel Galitesi Maldotti" userId="f4049ec46fc161ac" providerId="LiveId" clId="{629DDA6C-8642-4668-B445-4821E18CA2CC}" dt="2021-03-18T13:29:17.377" v="64" actId="22"/>
+        <pc:sldMkLst>
+          <pc:docMk/>
+          <pc:sldMk cId="2640794827" sldId="267"/>
+        </pc:sldMkLst>
+        <pc:picChg chg="add">
+          <ac:chgData name="Gabriel Galitesi Maldotti" userId="f4049ec46fc161ac" providerId="LiveId" clId="{629DDA6C-8642-4668-B445-4821E18CA2CC}" dt="2021-03-18T13:29:17.377" v="64" actId="22"/>
+          <ac:picMkLst>
+            <pc:docMk/>
+            <pc:sldMk cId="2640794827" sldId="267"/>
+            <ac:picMk id="3" creationId="{50E22167-14EE-4738-AB79-D4B567BF92E7}"/>
           </ac:picMkLst>
         </pc:picChg>
       </pc:sldChg>
@@ -479,7 +574,7 @@
           <a:p>
             <a:fld id="{885A1EB5-47DA-4404-95B8-F00C3EF787DD}" type="datetimeFigureOut">
               <a:rPr lang="pt-BR" smtClean="0"/>
-              <a:t>04/03/2021</a:t>
+              <a:t>18/03/2021</a:t>
             </a:fld>
             <a:endParaRPr lang="pt-BR"/>
           </a:p>
@@ -677,7 +772,7 @@
           <a:p>
             <a:fld id="{885A1EB5-47DA-4404-95B8-F00C3EF787DD}" type="datetimeFigureOut">
               <a:rPr lang="pt-BR" smtClean="0"/>
-              <a:t>04/03/2021</a:t>
+              <a:t>18/03/2021</a:t>
             </a:fld>
             <a:endParaRPr lang="pt-BR"/>
           </a:p>
@@ -885,7 +980,7 @@
           <a:p>
             <a:fld id="{885A1EB5-47DA-4404-95B8-F00C3EF787DD}" type="datetimeFigureOut">
               <a:rPr lang="pt-BR" smtClean="0"/>
-              <a:t>04/03/2021</a:t>
+              <a:t>18/03/2021</a:t>
             </a:fld>
             <a:endParaRPr lang="pt-BR"/>
           </a:p>
@@ -1083,7 +1178,7 @@
           <a:p>
             <a:fld id="{885A1EB5-47DA-4404-95B8-F00C3EF787DD}" type="datetimeFigureOut">
               <a:rPr lang="pt-BR" smtClean="0"/>
-              <a:t>04/03/2021</a:t>
+              <a:t>18/03/2021</a:t>
             </a:fld>
             <a:endParaRPr lang="pt-BR"/>
           </a:p>
@@ -1358,7 +1453,7 @@
           <a:p>
             <a:fld id="{885A1EB5-47DA-4404-95B8-F00C3EF787DD}" type="datetimeFigureOut">
               <a:rPr lang="pt-BR" smtClean="0"/>
-              <a:t>04/03/2021</a:t>
+              <a:t>18/03/2021</a:t>
             </a:fld>
             <a:endParaRPr lang="pt-BR"/>
           </a:p>
@@ -1623,7 +1718,7 @@
           <a:p>
             <a:fld id="{885A1EB5-47DA-4404-95B8-F00C3EF787DD}" type="datetimeFigureOut">
               <a:rPr lang="pt-BR" smtClean="0"/>
-              <a:t>04/03/2021</a:t>
+              <a:t>18/03/2021</a:t>
             </a:fld>
             <a:endParaRPr lang="pt-BR"/>
           </a:p>
@@ -2035,7 +2130,7 @@
           <a:p>
             <a:fld id="{885A1EB5-47DA-4404-95B8-F00C3EF787DD}" type="datetimeFigureOut">
               <a:rPr lang="pt-BR" smtClean="0"/>
-              <a:t>04/03/2021</a:t>
+              <a:t>18/03/2021</a:t>
             </a:fld>
             <a:endParaRPr lang="pt-BR"/>
           </a:p>
@@ -2176,7 +2271,7 @@
           <a:p>
             <a:fld id="{885A1EB5-47DA-4404-95B8-F00C3EF787DD}" type="datetimeFigureOut">
               <a:rPr lang="pt-BR" smtClean="0"/>
-              <a:t>04/03/2021</a:t>
+              <a:t>18/03/2021</a:t>
             </a:fld>
             <a:endParaRPr lang="pt-BR"/>
           </a:p>
@@ -2289,7 +2384,7 @@
           <a:p>
             <a:fld id="{885A1EB5-47DA-4404-95B8-F00C3EF787DD}" type="datetimeFigureOut">
               <a:rPr lang="pt-BR" smtClean="0"/>
-              <a:t>04/03/2021</a:t>
+              <a:t>18/03/2021</a:t>
             </a:fld>
             <a:endParaRPr lang="pt-BR"/>
           </a:p>
@@ -2600,7 +2695,7 @@
           <a:p>
             <a:fld id="{885A1EB5-47DA-4404-95B8-F00C3EF787DD}" type="datetimeFigureOut">
               <a:rPr lang="pt-BR" smtClean="0"/>
-              <a:t>04/03/2021</a:t>
+              <a:t>18/03/2021</a:t>
             </a:fld>
             <a:endParaRPr lang="pt-BR"/>
           </a:p>
@@ -2888,7 +2983,7 @@
           <a:p>
             <a:fld id="{885A1EB5-47DA-4404-95B8-F00C3EF787DD}" type="datetimeFigureOut">
               <a:rPr lang="pt-BR" smtClean="0"/>
-              <a:t>04/03/2021</a:t>
+              <a:t>18/03/2021</a:t>
             </a:fld>
             <a:endParaRPr lang="pt-BR"/>
           </a:p>
@@ -3129,7 +3224,7 @@
           <a:p>
             <a:fld id="{885A1EB5-47DA-4404-95B8-F00C3EF787DD}" type="datetimeFigureOut">
               <a:rPr lang="pt-BR" smtClean="0"/>
-              <a:t>04/03/2021</a:t>
+              <a:t>18/03/2021</a:t>
             </a:fld>
             <a:endParaRPr lang="pt-BR"/>
           </a:p>
@@ -3548,10 +3643,10 @@
       </p:grpSpPr>
       <p:pic>
         <p:nvPicPr>
-          <p:cNvPr id="7" name="Imagem 6">
-            <a:extLst>
-              <a:ext uri="{FF2B5EF4-FFF2-40B4-BE49-F238E27FC236}">
-                <a16:creationId xmlns:a16="http://schemas.microsoft.com/office/drawing/2014/main" id="{19677F46-7B0E-40C9-8D40-E067A23F95C3}"/>
+          <p:cNvPr id="3" name="Imagem 2">
+            <a:extLst>
+              <a:ext uri="{FF2B5EF4-FFF2-40B4-BE49-F238E27FC236}">
+                <a16:creationId xmlns:a16="http://schemas.microsoft.com/office/drawing/2014/main" id="{CC03DBA7-2994-4EA3-9DD2-90DF513BFAB1}"/>
               </a:ext>
             </a:extLst>
           </p:cNvPr>
@@ -3568,8 +3663,8 @@
         </p:blipFill>
         <p:spPr>
           <a:xfrm>
-            <a:off x="1338470" y="450574"/>
-            <a:ext cx="8945217" cy="5976730"/>
+            <a:off x="1696278" y="543339"/>
+            <a:ext cx="8574157" cy="5632174"/>
           </a:xfrm>
           <a:prstGeom prst="rect">
             <a:avLst/>
@@ -3611,7 +3706,7 @@
           <p:cNvPr id="3" name="Imagem 2">
             <a:extLst>
               <a:ext uri="{FF2B5EF4-FFF2-40B4-BE49-F238E27FC236}">
-                <a16:creationId xmlns:a16="http://schemas.microsoft.com/office/drawing/2014/main" id="{08BBCA83-DA65-43FA-AFCD-553E69194ACB}"/>
+                <a16:creationId xmlns:a16="http://schemas.microsoft.com/office/drawing/2014/main" id="{EFF4CB1C-C7D1-4309-84AB-3407FF68AB13}"/>
               </a:ext>
             </a:extLst>
           </p:cNvPr>
@@ -3628,8 +3723,8 @@
         </p:blipFill>
         <p:spPr>
           <a:xfrm>
-            <a:off x="2404547" y="1180786"/>
-            <a:ext cx="7382905" cy="4496427"/>
+            <a:off x="2537916" y="1171260"/>
+            <a:ext cx="7116168" cy="4515480"/>
           </a:xfrm>
           <a:prstGeom prst="rect">
             <a:avLst/>
@@ -3639,7 +3734,7 @@
     </p:spTree>
     <p:extLst>
       <p:ext uri="{BB962C8B-B14F-4D97-AF65-F5344CB8AC3E}">
-        <p14:creationId xmlns:p14="http://schemas.microsoft.com/office/powerpoint/2010/main" val="516625275"/>
+        <p14:creationId xmlns:p14="http://schemas.microsoft.com/office/powerpoint/2010/main" val="2149670550"/>
       </p:ext>
     </p:extLst>
   </p:cSld>
@@ -3668,10 +3763,10 @@
       </p:grpSpPr>
       <p:pic>
         <p:nvPicPr>
-          <p:cNvPr id="4" name="Imagem 3">
-            <a:extLst>
-              <a:ext uri="{FF2B5EF4-FFF2-40B4-BE49-F238E27FC236}">
-                <a16:creationId xmlns:a16="http://schemas.microsoft.com/office/drawing/2014/main" id="{11EC0408-41A1-468E-9CC9-3496E4C5072E}"/>
+          <p:cNvPr id="3" name="Imagem 2">
+            <a:extLst>
+              <a:ext uri="{FF2B5EF4-FFF2-40B4-BE49-F238E27FC236}">
+                <a16:creationId xmlns:a16="http://schemas.microsoft.com/office/drawing/2014/main" id="{50E22167-14EE-4738-AB79-D4B567BF92E7}"/>
               </a:ext>
             </a:extLst>
           </p:cNvPr>
@@ -3688,8 +3783,8 @@
         </p:blipFill>
         <p:spPr>
           <a:xfrm>
-            <a:off x="2528389" y="1114102"/>
-            <a:ext cx="7135221" cy="4629796"/>
+            <a:off x="2475995" y="1133154"/>
+            <a:ext cx="7240010" cy="4591691"/>
           </a:xfrm>
           <a:prstGeom prst="rect">
             <a:avLst/>
@@ -3699,7 +3794,7 @@
     </p:spTree>
     <p:extLst>
       <p:ext uri="{BB962C8B-B14F-4D97-AF65-F5344CB8AC3E}">
-        <p14:creationId xmlns:p14="http://schemas.microsoft.com/office/powerpoint/2010/main" val="2149670550"/>
+        <p14:creationId xmlns:p14="http://schemas.microsoft.com/office/powerpoint/2010/main" val="2640794827"/>
       </p:ext>
     </p:extLst>
   </p:cSld>
@@ -3728,10 +3823,10 @@
       </p:grpSpPr>
       <p:pic>
         <p:nvPicPr>
-          <p:cNvPr id="3" name="Imagem 2">
-            <a:extLst>
-              <a:ext uri="{FF2B5EF4-FFF2-40B4-BE49-F238E27FC236}">
-                <a16:creationId xmlns:a16="http://schemas.microsoft.com/office/drawing/2014/main" id="{264E5942-BDA4-4C1A-9D01-25215A38C2C6}"/>
+          <p:cNvPr id="4" name="Imagem 3">
+            <a:extLst>
+              <a:ext uri="{FF2B5EF4-FFF2-40B4-BE49-F238E27FC236}">
+                <a16:creationId xmlns:a16="http://schemas.microsoft.com/office/drawing/2014/main" id="{BFBBB5DF-483C-4400-A187-7779915E05B3}"/>
               </a:ext>
             </a:extLst>
           </p:cNvPr>
@@ -3748,8 +3843,8 @@
         </p:blipFill>
         <p:spPr>
           <a:xfrm>
-            <a:off x="2380731" y="1090286"/>
-            <a:ext cx="7430537" cy="4677428"/>
+            <a:off x="2542679" y="1071233"/>
+            <a:ext cx="7106642" cy="4715533"/>
           </a:xfrm>
           <a:prstGeom prst="rect">
             <a:avLst/>
@@ -3788,10 +3883,10 @@
       </p:grpSpPr>
       <p:pic>
         <p:nvPicPr>
-          <p:cNvPr id="3" name="Imagem 2">
-            <a:extLst>
-              <a:ext uri="{FF2B5EF4-FFF2-40B4-BE49-F238E27FC236}">
-                <a16:creationId xmlns:a16="http://schemas.microsoft.com/office/drawing/2014/main" id="{A3F8426B-104B-4184-95C6-43B954CDE430}"/>
+          <p:cNvPr id="4" name="Imagem 3">
+            <a:extLst>
+              <a:ext uri="{FF2B5EF4-FFF2-40B4-BE49-F238E27FC236}">
+                <a16:creationId xmlns:a16="http://schemas.microsoft.com/office/drawing/2014/main" id="{7B10699E-1D0F-43F9-A906-10BFBC686BC2}"/>
               </a:ext>
             </a:extLst>
           </p:cNvPr>
@@ -3808,8 +3903,8 @@
         </p:blipFill>
         <p:spPr>
           <a:xfrm>
-            <a:off x="2342626" y="1114102"/>
-            <a:ext cx="7506748" cy="4629796"/>
+            <a:off x="2518863" y="1118865"/>
+            <a:ext cx="7154273" cy="4620270"/>
           </a:xfrm>
           <a:prstGeom prst="rect">
             <a:avLst/>
@@ -3848,10 +3943,10 @@
       </p:grpSpPr>
       <p:pic>
         <p:nvPicPr>
-          <p:cNvPr id="3" name="Imagem 2">
-            <a:extLst>
-              <a:ext uri="{FF2B5EF4-FFF2-40B4-BE49-F238E27FC236}">
-                <a16:creationId xmlns:a16="http://schemas.microsoft.com/office/drawing/2014/main" id="{2256A995-0F6E-4B7E-88BE-D56AAC5CC66F}"/>
+          <p:cNvPr id="4" name="Imagem 3">
+            <a:extLst>
+              <a:ext uri="{FF2B5EF4-FFF2-40B4-BE49-F238E27FC236}">
+                <a16:creationId xmlns:a16="http://schemas.microsoft.com/office/drawing/2014/main" id="{F9B34111-EA45-43CF-812A-3EB51A713654}"/>
               </a:ext>
             </a:extLst>
           </p:cNvPr>
@@ -3868,8 +3963,8 @@
         </p:blipFill>
         <p:spPr>
           <a:xfrm>
-            <a:off x="2356915" y="1123628"/>
-            <a:ext cx="7478169" cy="4610743"/>
+            <a:off x="2561732" y="1142681"/>
+            <a:ext cx="7068536" cy="4572638"/>
           </a:xfrm>
           <a:prstGeom prst="rect">
             <a:avLst/>
@@ -3908,10 +4003,10 @@
       </p:grpSpPr>
       <p:pic>
         <p:nvPicPr>
-          <p:cNvPr id="3" name="Imagem 2">
-            <a:extLst>
-              <a:ext uri="{FF2B5EF4-FFF2-40B4-BE49-F238E27FC236}">
-                <a16:creationId xmlns:a16="http://schemas.microsoft.com/office/drawing/2014/main" id="{FC6EF57F-3B15-4F3D-9AB8-01E67BDC346C}"/>
+          <p:cNvPr id="4" name="Imagem 3">
+            <a:extLst>
+              <a:ext uri="{FF2B5EF4-FFF2-40B4-BE49-F238E27FC236}">
+                <a16:creationId xmlns:a16="http://schemas.microsoft.com/office/drawing/2014/main" id="{F3C1B466-EB1E-46E7-9D21-AFCB243D7982}"/>
               </a:ext>
             </a:extLst>
           </p:cNvPr>
@@ -3928,8 +4023,8 @@
         </p:blipFill>
         <p:spPr>
           <a:xfrm>
-            <a:off x="2437889" y="1099812"/>
-            <a:ext cx="7316221" cy="4658375"/>
+            <a:off x="2585547" y="1114102"/>
+            <a:ext cx="7020905" cy="4629796"/>
           </a:xfrm>
           <a:prstGeom prst="rect">
             <a:avLst/>
@@ -3968,10 +4063,10 @@
       </p:grpSpPr>
       <p:pic>
         <p:nvPicPr>
-          <p:cNvPr id="3" name="Imagem 2">
-            <a:extLst>
-              <a:ext uri="{FF2B5EF4-FFF2-40B4-BE49-F238E27FC236}">
-                <a16:creationId xmlns:a16="http://schemas.microsoft.com/office/drawing/2014/main" id="{54066AF5-0DD8-4F46-B580-ED27DEDE19FD}"/>
+          <p:cNvPr id="4" name="Imagem 3">
+            <a:extLst>
+              <a:ext uri="{FF2B5EF4-FFF2-40B4-BE49-F238E27FC236}">
+                <a16:creationId xmlns:a16="http://schemas.microsoft.com/office/drawing/2014/main" id="{9CF03ACE-0213-4ECE-8093-9F1AC0368B2A}"/>
               </a:ext>
             </a:extLst>
           </p:cNvPr>
@@ -3988,8 +4083,8 @@
         </p:blipFill>
         <p:spPr>
           <a:xfrm>
-            <a:off x="2252869" y="927652"/>
-            <a:ext cx="7262191" cy="4704522"/>
+            <a:off x="2666521" y="1114102"/>
+            <a:ext cx="6858957" cy="4629796"/>
           </a:xfrm>
           <a:prstGeom prst="rect">
             <a:avLst/>
@@ -4028,10 +4123,10 @@
       </p:grpSpPr>
       <p:pic>
         <p:nvPicPr>
-          <p:cNvPr id="3" name="Imagem 2">
-            <a:extLst>
-              <a:ext uri="{FF2B5EF4-FFF2-40B4-BE49-F238E27FC236}">
-                <a16:creationId xmlns:a16="http://schemas.microsoft.com/office/drawing/2014/main" id="{10B784AA-BDB8-484F-BB86-8BF2A55F280E}"/>
+          <p:cNvPr id="4" name="Imagem 3">
+            <a:extLst>
+              <a:ext uri="{FF2B5EF4-FFF2-40B4-BE49-F238E27FC236}">
+                <a16:creationId xmlns:a16="http://schemas.microsoft.com/office/drawing/2014/main" id="{2993A6E7-9562-413B-ADFB-66D28D05CB49}"/>
               </a:ext>
             </a:extLst>
           </p:cNvPr>
@@ -4048,8 +4143,8 @@
         </p:blipFill>
         <p:spPr>
           <a:xfrm>
-            <a:off x="2428363" y="1109339"/>
-            <a:ext cx="7335274" cy="4639322"/>
+            <a:off x="2552205" y="1095049"/>
+            <a:ext cx="7087589" cy="4667901"/>
           </a:xfrm>
           <a:prstGeom prst="rect">
             <a:avLst/>
@@ -4059,7 +4154,7 @@
     </p:spTree>
     <p:extLst>
       <p:ext uri="{BB962C8B-B14F-4D97-AF65-F5344CB8AC3E}">
-        <p14:creationId xmlns:p14="http://schemas.microsoft.com/office/powerpoint/2010/main" val="426475193"/>
+        <p14:creationId xmlns:p14="http://schemas.microsoft.com/office/powerpoint/2010/main" val="477494429"/>
       </p:ext>
     </p:extLst>
   </p:cSld>
@@ -4088,10 +4183,10 @@
       </p:grpSpPr>
       <p:pic>
         <p:nvPicPr>
-          <p:cNvPr id="3" name="Imagem 2">
-            <a:extLst>
-              <a:ext uri="{FF2B5EF4-FFF2-40B4-BE49-F238E27FC236}">
-                <a16:creationId xmlns:a16="http://schemas.microsoft.com/office/drawing/2014/main" id="{49A2B0C9-7042-4D7D-9D3A-3E8239549BED}"/>
+          <p:cNvPr id="4" name="Imagem 3">
+            <a:extLst>
+              <a:ext uri="{FF2B5EF4-FFF2-40B4-BE49-F238E27FC236}">
+                <a16:creationId xmlns:a16="http://schemas.microsoft.com/office/drawing/2014/main" id="{2BB5DCCF-B839-43AC-B9BB-73CF30F2C260}"/>
               </a:ext>
             </a:extLst>
           </p:cNvPr>
@@ -4108,8 +4203,8 @@
         </p:blipFill>
         <p:spPr>
           <a:xfrm>
-            <a:off x="2461705" y="1095049"/>
-            <a:ext cx="7268589" cy="4667901"/>
+            <a:off x="2614126" y="1066470"/>
+            <a:ext cx="6963747" cy="4725059"/>
           </a:xfrm>
           <a:prstGeom prst="rect">
             <a:avLst/>
@@ -4119,7 +4214,7 @@
     </p:spTree>
     <p:extLst>
       <p:ext uri="{BB962C8B-B14F-4D97-AF65-F5344CB8AC3E}">
-        <p14:creationId xmlns:p14="http://schemas.microsoft.com/office/powerpoint/2010/main" val="477494429"/>
+        <p14:creationId xmlns:p14="http://schemas.microsoft.com/office/powerpoint/2010/main" val="206910053"/>
       </p:ext>
     </p:extLst>
   </p:cSld>
@@ -4148,10 +4243,10 @@
       </p:grpSpPr>
       <p:pic>
         <p:nvPicPr>
-          <p:cNvPr id="3" name="Imagem 2">
-            <a:extLst>
-              <a:ext uri="{FF2B5EF4-FFF2-40B4-BE49-F238E27FC236}">
-                <a16:creationId xmlns:a16="http://schemas.microsoft.com/office/drawing/2014/main" id="{7339EB5B-89C2-468F-A890-FB58EED9238F}"/>
+          <p:cNvPr id="4" name="Imagem 3">
+            <a:extLst>
+              <a:ext uri="{FF2B5EF4-FFF2-40B4-BE49-F238E27FC236}">
+                <a16:creationId xmlns:a16="http://schemas.microsoft.com/office/drawing/2014/main" id="{7FA2C0D2-9247-4C3D-9E9A-876276102F13}"/>
               </a:ext>
             </a:extLst>
           </p:cNvPr>
@@ -4168,8 +4263,8 @@
         </p:blipFill>
         <p:spPr>
           <a:xfrm>
-            <a:off x="2452179" y="1237944"/>
-            <a:ext cx="7287642" cy="4382112"/>
+            <a:off x="2628416" y="1195075"/>
+            <a:ext cx="6935168" cy="4467849"/>
           </a:xfrm>
           <a:prstGeom prst="rect">
             <a:avLst/>
@@ -4179,7 +4274,7 @@
     </p:spTree>
     <p:extLst>
       <p:ext uri="{BB962C8B-B14F-4D97-AF65-F5344CB8AC3E}">
-        <p14:creationId xmlns:p14="http://schemas.microsoft.com/office/powerpoint/2010/main" val="206910053"/>
+        <p14:creationId xmlns:p14="http://schemas.microsoft.com/office/powerpoint/2010/main" val="516625275"/>
       </p:ext>
     </p:extLst>
   </p:cSld>

--- a/15. Arquitetura de Negócio para cada Cenário.pptx
+++ b/15. Arquitetura de Negócio para cada Cenário.pptx
@@ -6,16 +6,19 @@
   </p:sldMasterIdLst>
   <p:sldIdLst>
     <p:sldId id="256" r:id="rId2"/>
-    <p:sldId id="257" r:id="rId3"/>
-    <p:sldId id="258" r:id="rId4"/>
-    <p:sldId id="259" r:id="rId5"/>
-    <p:sldId id="260" r:id="rId6"/>
-    <p:sldId id="261" r:id="rId7"/>
+    <p:sldId id="258" r:id="rId3"/>
+    <p:sldId id="259" r:id="rId4"/>
+    <p:sldId id="260" r:id="rId5"/>
+    <p:sldId id="261" r:id="rId6"/>
+    <p:sldId id="262" r:id="rId7"/>
     <p:sldId id="263" r:id="rId8"/>
     <p:sldId id="264" r:id="rId9"/>
     <p:sldId id="265" r:id="rId10"/>
     <p:sldId id="266" r:id="rId11"/>
     <p:sldId id="267" r:id="rId12"/>
+    <p:sldId id="268" r:id="rId13"/>
+    <p:sldId id="269" r:id="rId14"/>
+    <p:sldId id="270" r:id="rId15"/>
   </p:sldIdLst>
   <p:sldSz cx="12192000" cy="6858000"/>
   <p:notesSz cx="6858000" cy="9144000"/>
@@ -122,303 +125,229 @@
 </p:presentation>
 </file>
 
-<file path=ppt/revisionInfo.xml><?xml version="1.0" encoding="utf-8"?>
-<p1510:revInfo xmlns:a="http://schemas.openxmlformats.org/drawingml/2006/main" xmlns:r="http://schemas.openxmlformats.org/officeDocument/2006/relationships" xmlns:p1510="http://schemas.microsoft.com/office/powerpoint/2015/10/main">
-  <p1510:revLst>
-    <p1510:client id="{629DDA6C-8642-4668-B445-4821E18CA2CC}" v="1" dt="2021-03-05T00:16:27.563"/>
-  </p1510:revLst>
-</p1510:revInfo>
-</file>
-
 <file path=ppt/changesInfos/changesInfo1.xml><?xml version="1.0" encoding="utf-8"?>
 <pc:chgInfo xmlns:a="http://schemas.openxmlformats.org/drawingml/2006/main" xmlns:r="http://schemas.openxmlformats.org/officeDocument/2006/relationships" xmlns:ac="http://schemas.microsoft.com/office/drawing/2013/main/command" xmlns:pc="http://schemas.microsoft.com/office/powerpoint/2013/main/command">
   <pc:docChgLst>
-    <pc:chgData name="Gabriel Galitesi Maldotti" userId="f4049ec46fc161ac" providerId="LiveId" clId="{629DDA6C-8642-4668-B445-4821E18CA2CC}"/>
-    <pc:docChg chg="custSel addSld delSld modSld">
-      <pc:chgData name="Gabriel Galitesi Maldotti" userId="f4049ec46fc161ac" providerId="LiveId" clId="{629DDA6C-8642-4668-B445-4821E18CA2CC}" dt="2021-03-18T13:29:17.377" v="64" actId="22"/>
+    <pc:chgData name="Gabriel Galitesi Maldotti" userId="f4049ec46fc161ac" providerId="LiveId" clId="{4C91E9C5-3A0B-42C0-A625-1EC8E3E27885}"/>
+    <pc:docChg chg="addSld delSld modSld">
+      <pc:chgData name="Gabriel Galitesi Maldotti" userId="f4049ec46fc161ac" providerId="LiveId" clId="{4C91E9C5-3A0B-42C0-A625-1EC8E3E27885}" dt="2021-04-26T23:15:44.727" v="31" actId="1076"/>
       <pc:docMkLst>
         <pc:docMk/>
       </pc:docMkLst>
-      <pc:sldChg chg="addSp delSp modSp mod">
-        <pc:chgData name="Gabriel Galitesi Maldotti" userId="f4049ec46fc161ac" providerId="LiveId" clId="{629DDA6C-8642-4668-B445-4821E18CA2CC}" dt="2021-03-18T13:23:19.557" v="53" actId="14100"/>
+      <pc:sldChg chg="modSp mod">
+        <pc:chgData name="Gabriel Galitesi Maldotti" userId="f4049ec46fc161ac" providerId="LiveId" clId="{4C91E9C5-3A0B-42C0-A625-1EC8E3E27885}" dt="2021-04-26T23:10:19.915" v="28" actId="1076"/>
         <pc:sldMkLst>
           <pc:docMk/>
-          <pc:sldMk cId="4290759109" sldId="256"/>
+          <pc:sldMk cId="2488878171" sldId="256"/>
         </pc:sldMkLst>
-        <pc:picChg chg="add mod">
-          <ac:chgData name="Gabriel Galitesi Maldotti" userId="f4049ec46fc161ac" providerId="LiveId" clId="{629DDA6C-8642-4668-B445-4821E18CA2CC}" dt="2021-03-18T13:23:19.557" v="53" actId="14100"/>
+        <pc:picChg chg="mod">
+          <ac:chgData name="Gabriel Galitesi Maldotti" userId="f4049ec46fc161ac" providerId="LiveId" clId="{4C91E9C5-3A0B-42C0-A625-1EC8E3E27885}" dt="2021-04-26T23:10:19.915" v="28" actId="1076"/>
           <ac:picMkLst>
             <pc:docMk/>
-            <pc:sldMk cId="4290759109" sldId="256"/>
-            <ac:picMk id="3" creationId="{CC03DBA7-2994-4EA3-9DD2-90DF513BFAB1}"/>
-          </ac:picMkLst>
-        </pc:picChg>
-        <pc:picChg chg="add del mod">
-          <ac:chgData name="Gabriel Galitesi Maldotti" userId="f4049ec46fc161ac" providerId="LiveId" clId="{629DDA6C-8642-4668-B445-4821E18CA2CC}" dt="2021-03-05T00:16:35.318" v="4" actId="478"/>
-          <ac:picMkLst>
-            <pc:docMk/>
-            <pc:sldMk cId="4290759109" sldId="256"/>
-            <ac:picMk id="5" creationId="{E3C2AF42-7D7E-468C-A642-D25BEF8C5087}"/>
-          </ac:picMkLst>
-        </pc:picChg>
-        <pc:picChg chg="add del mod">
-          <ac:chgData name="Gabriel Galitesi Maldotti" userId="f4049ec46fc161ac" providerId="LiveId" clId="{629DDA6C-8642-4668-B445-4821E18CA2CC}" dt="2021-03-18T13:20:55.380" v="38" actId="478"/>
-          <ac:picMkLst>
-            <pc:docMk/>
-            <pc:sldMk cId="4290759109" sldId="256"/>
-            <ac:picMk id="7" creationId="{19677F46-7B0E-40C9-8D40-E067A23F95C3}"/>
+            <pc:sldMk cId="2488878171" sldId="256"/>
+            <ac:picMk id="5" creationId="{AD6F5FB4-F449-463F-84A0-732179F695E7}"/>
           </ac:picMkLst>
         </pc:picChg>
       </pc:sldChg>
-      <pc:sldChg chg="addSp delSp new mod">
-        <pc:chgData name="Gabriel Galitesi Maldotti" userId="f4049ec46fc161ac" providerId="LiveId" clId="{629DDA6C-8642-4668-B445-4821E18CA2CC}" dt="2021-03-18T13:24:01.647" v="54" actId="22"/>
+      <pc:sldChg chg="addSp mod">
+        <pc:chgData name="Gabriel Galitesi Maldotti" userId="f4049ec46fc161ac" providerId="LiveId" clId="{4C91E9C5-3A0B-42C0-A625-1EC8E3E27885}" dt="2021-04-26T23:02:59.232" v="0" actId="22"/>
         <pc:sldMkLst>
           <pc:docMk/>
-          <pc:sldMk cId="1282979026" sldId="257"/>
+          <pc:sldMk cId="4168731958" sldId="258"/>
         </pc:sldMkLst>
-        <pc:picChg chg="add del">
-          <ac:chgData name="Gabriel Galitesi Maldotti" userId="f4049ec46fc161ac" providerId="LiveId" clId="{629DDA6C-8642-4668-B445-4821E18CA2CC}" dt="2021-03-18T13:20:58.314" v="39" actId="478"/>
+        <pc:picChg chg="add">
+          <ac:chgData name="Gabriel Galitesi Maldotti" userId="f4049ec46fc161ac" providerId="LiveId" clId="{4C91E9C5-3A0B-42C0-A625-1EC8E3E27885}" dt="2021-04-26T23:02:59.232" v="0" actId="22"/>
           <ac:picMkLst>
             <pc:docMk/>
-            <pc:sldMk cId="1282979026" sldId="257"/>
-            <ac:picMk id="3" creationId="{264E5942-BDA4-4C1A-9D01-25215A38C2C6}"/>
+            <pc:sldMk cId="4168731958" sldId="258"/>
+            <ac:picMk id="3" creationId="{A71CD0A3-B673-4FE8-B4C3-1720787EA64E}"/>
           </ac:picMkLst>
         </pc:picChg>
+      </pc:sldChg>
+      <pc:sldChg chg="addSp new mod">
+        <pc:chgData name="Gabriel Galitesi Maldotti" userId="f4049ec46fc161ac" providerId="LiveId" clId="{4C91E9C5-3A0B-42C0-A625-1EC8E3E27885}" dt="2021-04-26T23:03:30.574" v="2" actId="22"/>
+        <pc:sldMkLst>
+          <pc:docMk/>
+          <pc:sldMk cId="2026504361" sldId="259"/>
+        </pc:sldMkLst>
         <pc:picChg chg="add">
-          <ac:chgData name="Gabriel Galitesi Maldotti" userId="f4049ec46fc161ac" providerId="LiveId" clId="{629DDA6C-8642-4668-B445-4821E18CA2CC}" dt="2021-03-18T13:24:01.647" v="54" actId="22"/>
+          <ac:chgData name="Gabriel Galitesi Maldotti" userId="f4049ec46fc161ac" providerId="LiveId" clId="{4C91E9C5-3A0B-42C0-A625-1EC8E3E27885}" dt="2021-04-26T23:03:30.574" v="2" actId="22"/>
           <ac:picMkLst>
             <pc:docMk/>
-            <pc:sldMk cId="1282979026" sldId="257"/>
-            <ac:picMk id="4" creationId="{BFBBB5DF-483C-4400-A187-7779915E05B3}"/>
+            <pc:sldMk cId="2026504361" sldId="259"/>
+            <ac:picMk id="3" creationId="{0E74A3D2-3C80-4C07-90FE-7C2CE89D5943}"/>
+          </ac:picMkLst>
+        </pc:picChg>
+      </pc:sldChg>
+      <pc:sldChg chg="addSp new mod">
+        <pc:chgData name="Gabriel Galitesi Maldotti" userId="f4049ec46fc161ac" providerId="LiveId" clId="{4C91E9C5-3A0B-42C0-A625-1EC8E3E27885}" dt="2021-04-26T23:04:12.170" v="4" actId="22"/>
+        <pc:sldMkLst>
+          <pc:docMk/>
+          <pc:sldMk cId="671569579" sldId="260"/>
+        </pc:sldMkLst>
+        <pc:picChg chg="add">
+          <ac:chgData name="Gabriel Galitesi Maldotti" userId="f4049ec46fc161ac" providerId="LiveId" clId="{4C91E9C5-3A0B-42C0-A625-1EC8E3E27885}" dt="2021-04-26T23:04:12.170" v="4" actId="22"/>
+          <ac:picMkLst>
+            <pc:docMk/>
+            <pc:sldMk cId="671569579" sldId="260"/>
+            <ac:picMk id="3" creationId="{7A756C40-E73E-4F5B-B2CC-417167886791}"/>
+          </ac:picMkLst>
+        </pc:picChg>
+      </pc:sldChg>
+      <pc:sldChg chg="addSp new mod">
+        <pc:chgData name="Gabriel Galitesi Maldotti" userId="f4049ec46fc161ac" providerId="LiveId" clId="{4C91E9C5-3A0B-42C0-A625-1EC8E3E27885}" dt="2021-04-26T23:04:59.854" v="6" actId="22"/>
+        <pc:sldMkLst>
+          <pc:docMk/>
+          <pc:sldMk cId="123587919" sldId="261"/>
+        </pc:sldMkLst>
+        <pc:picChg chg="add">
+          <ac:chgData name="Gabriel Galitesi Maldotti" userId="f4049ec46fc161ac" providerId="LiveId" clId="{4C91E9C5-3A0B-42C0-A625-1EC8E3E27885}" dt="2021-04-26T23:04:59.854" v="6" actId="22"/>
+          <ac:picMkLst>
+            <pc:docMk/>
+            <pc:sldMk cId="123587919" sldId="261"/>
+            <ac:picMk id="3" creationId="{28C11E3F-B92B-49E2-83EB-ADD42462208A}"/>
+          </ac:picMkLst>
+        </pc:picChg>
+      </pc:sldChg>
+      <pc:sldChg chg="addSp new mod">
+        <pc:chgData name="Gabriel Galitesi Maldotti" userId="f4049ec46fc161ac" providerId="LiveId" clId="{4C91E9C5-3A0B-42C0-A625-1EC8E3E27885}" dt="2021-04-26T23:05:31.578" v="8" actId="22"/>
+        <pc:sldMkLst>
+          <pc:docMk/>
+          <pc:sldMk cId="1869228466" sldId="262"/>
+        </pc:sldMkLst>
+        <pc:picChg chg="add">
+          <ac:chgData name="Gabriel Galitesi Maldotti" userId="f4049ec46fc161ac" providerId="LiveId" clId="{4C91E9C5-3A0B-42C0-A625-1EC8E3E27885}" dt="2021-04-26T23:05:31.578" v="8" actId="22"/>
+          <ac:picMkLst>
+            <pc:docMk/>
+            <pc:sldMk cId="1869228466" sldId="262"/>
+            <ac:picMk id="3" creationId="{1A629BCE-7E90-4D59-921A-68536EE12728}"/>
+          </ac:picMkLst>
+        </pc:picChg>
+      </pc:sldChg>
+      <pc:sldChg chg="addSp new mod">
+        <pc:chgData name="Gabriel Galitesi Maldotti" userId="f4049ec46fc161ac" providerId="LiveId" clId="{4C91E9C5-3A0B-42C0-A625-1EC8E3E27885}" dt="2021-04-26T23:05:58.441" v="10" actId="22"/>
+        <pc:sldMkLst>
+          <pc:docMk/>
+          <pc:sldMk cId="1380495612" sldId="263"/>
+        </pc:sldMkLst>
+        <pc:picChg chg="add">
+          <ac:chgData name="Gabriel Galitesi Maldotti" userId="f4049ec46fc161ac" providerId="LiveId" clId="{4C91E9C5-3A0B-42C0-A625-1EC8E3E27885}" dt="2021-04-26T23:05:58.441" v="10" actId="22"/>
+          <ac:picMkLst>
+            <pc:docMk/>
+            <pc:sldMk cId="1380495612" sldId="263"/>
+            <ac:picMk id="3" creationId="{73E3D0F1-8949-4374-AC7F-A8314D0751FB}"/>
+          </ac:picMkLst>
+        </pc:picChg>
+      </pc:sldChg>
+      <pc:sldChg chg="addSp new mod">
+        <pc:chgData name="Gabriel Galitesi Maldotti" userId="f4049ec46fc161ac" providerId="LiveId" clId="{4C91E9C5-3A0B-42C0-A625-1EC8E3E27885}" dt="2021-04-26T23:06:32.084" v="12" actId="22"/>
+        <pc:sldMkLst>
+          <pc:docMk/>
+          <pc:sldMk cId="1356620411" sldId="264"/>
+        </pc:sldMkLst>
+        <pc:picChg chg="add">
+          <ac:chgData name="Gabriel Galitesi Maldotti" userId="f4049ec46fc161ac" providerId="LiveId" clId="{4C91E9C5-3A0B-42C0-A625-1EC8E3E27885}" dt="2021-04-26T23:06:32.084" v="12" actId="22"/>
+          <ac:picMkLst>
+            <pc:docMk/>
+            <pc:sldMk cId="1356620411" sldId="264"/>
+            <ac:picMk id="3" creationId="{5FE3B980-D2FA-4E0A-964C-D844F8D9240E}"/>
           </ac:picMkLst>
         </pc:picChg>
       </pc:sldChg>
       <pc:sldChg chg="new del">
-        <pc:chgData name="Gabriel Galitesi Maldotti" userId="f4049ec46fc161ac" providerId="LiveId" clId="{629DDA6C-8642-4668-B445-4821E18CA2CC}" dt="2021-03-05T00:19:46.779" v="11" actId="2696"/>
+        <pc:chgData name="Gabriel Galitesi Maldotti" userId="f4049ec46fc161ac" providerId="LiveId" clId="{4C91E9C5-3A0B-42C0-A625-1EC8E3E27885}" dt="2021-04-26T23:07:05.296" v="14" actId="2696"/>
         <pc:sldMkLst>
           <pc:docMk/>
-          <pc:sldMk cId="2880293786" sldId="257"/>
+          <pc:sldMk cId="3104307755" sldId="265"/>
         </pc:sldMkLst>
       </pc:sldChg>
-      <pc:sldChg chg="addSp delSp new mod">
-        <pc:chgData name="Gabriel Galitesi Maldotti" userId="f4049ec46fc161ac" providerId="LiveId" clId="{629DDA6C-8642-4668-B445-4821E18CA2CC}" dt="2021-03-18T13:25:03.875" v="55" actId="22"/>
+      <pc:sldChg chg="addSp new mod">
+        <pc:chgData name="Gabriel Galitesi Maldotti" userId="f4049ec46fc161ac" providerId="LiveId" clId="{4C91E9C5-3A0B-42C0-A625-1EC8E3E27885}" dt="2021-04-26T23:07:29.450" v="16" actId="22"/>
         <pc:sldMkLst>
           <pc:docMk/>
-          <pc:sldMk cId="384514359" sldId="258"/>
+          <pc:sldMk cId="3756168739" sldId="265"/>
         </pc:sldMkLst>
-        <pc:picChg chg="add del">
-          <ac:chgData name="Gabriel Galitesi Maldotti" userId="f4049ec46fc161ac" providerId="LiveId" clId="{629DDA6C-8642-4668-B445-4821E18CA2CC}" dt="2021-03-18T13:21:01.594" v="40" actId="478"/>
+        <pc:picChg chg="add">
+          <ac:chgData name="Gabriel Galitesi Maldotti" userId="f4049ec46fc161ac" providerId="LiveId" clId="{4C91E9C5-3A0B-42C0-A625-1EC8E3E27885}" dt="2021-04-26T23:07:29.450" v="16" actId="22"/>
           <ac:picMkLst>
             <pc:docMk/>
-            <pc:sldMk cId="384514359" sldId="258"/>
-            <ac:picMk id="3" creationId="{A3F8426B-104B-4184-95C6-43B954CDE430}"/>
-          </ac:picMkLst>
-        </pc:picChg>
-        <pc:picChg chg="add">
-          <ac:chgData name="Gabriel Galitesi Maldotti" userId="f4049ec46fc161ac" providerId="LiveId" clId="{629DDA6C-8642-4668-B445-4821E18CA2CC}" dt="2021-03-18T13:25:03.875" v="55" actId="22"/>
-          <ac:picMkLst>
-            <pc:docMk/>
-            <pc:sldMk cId="384514359" sldId="258"/>
-            <ac:picMk id="4" creationId="{7B10699E-1D0F-43F9-A906-10BFBC686BC2}"/>
-          </ac:picMkLst>
-        </pc:picChg>
-      </pc:sldChg>
-      <pc:sldChg chg="addSp delSp new mod">
-        <pc:chgData name="Gabriel Galitesi Maldotti" userId="f4049ec46fc161ac" providerId="LiveId" clId="{629DDA6C-8642-4668-B445-4821E18CA2CC}" dt="2021-03-18T13:25:52.332" v="56" actId="22"/>
-        <pc:sldMkLst>
-          <pc:docMk/>
-          <pc:sldMk cId="250224596" sldId="259"/>
-        </pc:sldMkLst>
-        <pc:picChg chg="add del">
-          <ac:chgData name="Gabriel Galitesi Maldotti" userId="f4049ec46fc161ac" providerId="LiveId" clId="{629DDA6C-8642-4668-B445-4821E18CA2CC}" dt="2021-03-18T13:21:04.129" v="41" actId="478"/>
-          <ac:picMkLst>
-            <pc:docMk/>
-            <pc:sldMk cId="250224596" sldId="259"/>
-            <ac:picMk id="3" creationId="{2256A995-0F6E-4B7E-88BE-D56AAC5CC66F}"/>
-          </ac:picMkLst>
-        </pc:picChg>
-        <pc:picChg chg="add">
-          <ac:chgData name="Gabriel Galitesi Maldotti" userId="f4049ec46fc161ac" providerId="LiveId" clId="{629DDA6C-8642-4668-B445-4821E18CA2CC}" dt="2021-03-18T13:25:52.332" v="56" actId="22"/>
-          <ac:picMkLst>
-            <pc:docMk/>
-            <pc:sldMk cId="250224596" sldId="259"/>
-            <ac:picMk id="4" creationId="{F9B34111-EA45-43CF-812A-3EB51A713654}"/>
-          </ac:picMkLst>
-        </pc:picChg>
-      </pc:sldChg>
-      <pc:sldChg chg="addSp delSp new mod">
-        <pc:chgData name="Gabriel Galitesi Maldotti" userId="f4049ec46fc161ac" providerId="LiveId" clId="{629DDA6C-8642-4668-B445-4821E18CA2CC}" dt="2021-03-18T13:26:25.105" v="57" actId="22"/>
-        <pc:sldMkLst>
-          <pc:docMk/>
-          <pc:sldMk cId="1031129762" sldId="260"/>
-        </pc:sldMkLst>
-        <pc:picChg chg="add del">
-          <ac:chgData name="Gabriel Galitesi Maldotti" userId="f4049ec46fc161ac" providerId="LiveId" clId="{629DDA6C-8642-4668-B445-4821E18CA2CC}" dt="2021-03-18T13:21:09.048" v="42" actId="478"/>
-          <ac:picMkLst>
-            <pc:docMk/>
-            <pc:sldMk cId="1031129762" sldId="260"/>
-            <ac:picMk id="3" creationId="{FC6EF57F-3B15-4F3D-9AB8-01E67BDC346C}"/>
-          </ac:picMkLst>
-        </pc:picChg>
-        <pc:picChg chg="add">
-          <ac:chgData name="Gabriel Galitesi Maldotti" userId="f4049ec46fc161ac" providerId="LiveId" clId="{629DDA6C-8642-4668-B445-4821E18CA2CC}" dt="2021-03-18T13:26:25.105" v="57" actId="22"/>
-          <ac:picMkLst>
-            <pc:docMk/>
-            <pc:sldMk cId="1031129762" sldId="260"/>
-            <ac:picMk id="4" creationId="{F3C1B466-EB1E-46E7-9D21-AFCB243D7982}"/>
-          </ac:picMkLst>
-        </pc:picChg>
-      </pc:sldChg>
-      <pc:sldChg chg="addSp delSp modSp new mod">
-        <pc:chgData name="Gabriel Galitesi Maldotti" userId="f4049ec46fc161ac" providerId="LiveId" clId="{629DDA6C-8642-4668-B445-4821E18CA2CC}" dt="2021-03-18T13:26:59.502" v="58" actId="22"/>
-        <pc:sldMkLst>
-          <pc:docMk/>
-          <pc:sldMk cId="336339482" sldId="261"/>
-        </pc:sldMkLst>
-        <pc:picChg chg="add del mod">
-          <ac:chgData name="Gabriel Galitesi Maldotti" userId="f4049ec46fc161ac" providerId="LiveId" clId="{629DDA6C-8642-4668-B445-4821E18CA2CC}" dt="2021-03-18T13:21:11.738" v="43" actId="478"/>
-          <ac:picMkLst>
-            <pc:docMk/>
-            <pc:sldMk cId="336339482" sldId="261"/>
-            <ac:picMk id="3" creationId="{54066AF5-0DD8-4F46-B580-ED27DEDE19FD}"/>
-          </ac:picMkLst>
-        </pc:picChg>
-        <pc:picChg chg="add">
-          <ac:chgData name="Gabriel Galitesi Maldotti" userId="f4049ec46fc161ac" providerId="LiveId" clId="{629DDA6C-8642-4668-B445-4821E18CA2CC}" dt="2021-03-18T13:26:59.502" v="58" actId="22"/>
-          <ac:picMkLst>
-            <pc:docMk/>
-            <pc:sldMk cId="336339482" sldId="261"/>
-            <ac:picMk id="4" creationId="{9CF03ACE-0213-4ECE-8093-9F1AC0368B2A}"/>
-          </ac:picMkLst>
-        </pc:picChg>
-      </pc:sldChg>
-      <pc:sldChg chg="addSp new del mod">
-        <pc:chgData name="Gabriel Galitesi Maldotti" userId="f4049ec46fc161ac" providerId="LiveId" clId="{629DDA6C-8642-4668-B445-4821E18CA2CC}" dt="2021-03-18T13:21:14.600" v="44" actId="47"/>
-        <pc:sldMkLst>
-          <pc:docMk/>
-          <pc:sldMk cId="426475193" sldId="262"/>
-        </pc:sldMkLst>
-        <pc:picChg chg="add">
-          <ac:chgData name="Gabriel Galitesi Maldotti" userId="f4049ec46fc161ac" providerId="LiveId" clId="{629DDA6C-8642-4668-B445-4821E18CA2CC}" dt="2021-03-05T00:25:21.205" v="27" actId="22"/>
-          <ac:picMkLst>
-            <pc:docMk/>
-            <pc:sldMk cId="426475193" sldId="262"/>
-            <ac:picMk id="3" creationId="{10B784AA-BDB8-484F-BB86-8BF2A55F280E}"/>
-          </ac:picMkLst>
-        </pc:picChg>
-      </pc:sldChg>
-      <pc:sldChg chg="addSp delSp new mod">
-        <pc:chgData name="Gabriel Galitesi Maldotti" userId="f4049ec46fc161ac" providerId="LiveId" clId="{629DDA6C-8642-4668-B445-4821E18CA2CC}" dt="2021-03-18T13:27:36.659" v="59" actId="22"/>
-        <pc:sldMkLst>
-          <pc:docMk/>
-          <pc:sldMk cId="477494429" sldId="263"/>
-        </pc:sldMkLst>
-        <pc:picChg chg="add del">
-          <ac:chgData name="Gabriel Galitesi Maldotti" userId="f4049ec46fc161ac" providerId="LiveId" clId="{629DDA6C-8642-4668-B445-4821E18CA2CC}" dt="2021-03-18T13:21:19.691" v="45" actId="478"/>
-          <ac:picMkLst>
-            <pc:docMk/>
-            <pc:sldMk cId="477494429" sldId="263"/>
-            <ac:picMk id="3" creationId="{49A2B0C9-7042-4D7D-9D3A-3E8239549BED}"/>
-          </ac:picMkLst>
-        </pc:picChg>
-        <pc:picChg chg="add">
-          <ac:chgData name="Gabriel Galitesi Maldotti" userId="f4049ec46fc161ac" providerId="LiveId" clId="{629DDA6C-8642-4668-B445-4821E18CA2CC}" dt="2021-03-18T13:27:36.659" v="59" actId="22"/>
-          <ac:picMkLst>
-            <pc:docMk/>
-            <pc:sldMk cId="477494429" sldId="263"/>
-            <ac:picMk id="4" creationId="{2993A6E7-9562-413B-ADFB-66D28D05CB49}"/>
-          </ac:picMkLst>
-        </pc:picChg>
-      </pc:sldChg>
-      <pc:sldChg chg="addSp delSp new mod">
-        <pc:chgData name="Gabriel Galitesi Maldotti" userId="f4049ec46fc161ac" providerId="LiveId" clId="{629DDA6C-8642-4668-B445-4821E18CA2CC}" dt="2021-03-18T13:28:05.470" v="60" actId="22"/>
-        <pc:sldMkLst>
-          <pc:docMk/>
-          <pc:sldMk cId="206910053" sldId="264"/>
-        </pc:sldMkLst>
-        <pc:picChg chg="add del">
-          <ac:chgData name="Gabriel Galitesi Maldotti" userId="f4049ec46fc161ac" providerId="LiveId" clId="{629DDA6C-8642-4668-B445-4821E18CA2CC}" dt="2021-03-18T13:21:21.766" v="46" actId="478"/>
-          <ac:picMkLst>
-            <pc:docMk/>
-            <pc:sldMk cId="206910053" sldId="264"/>
-            <ac:picMk id="3" creationId="{7339EB5B-89C2-468F-A890-FB58EED9238F}"/>
-          </ac:picMkLst>
-        </pc:picChg>
-        <pc:picChg chg="add">
-          <ac:chgData name="Gabriel Galitesi Maldotti" userId="f4049ec46fc161ac" providerId="LiveId" clId="{629DDA6C-8642-4668-B445-4821E18CA2CC}" dt="2021-03-18T13:28:05.470" v="60" actId="22"/>
-          <ac:picMkLst>
-            <pc:docMk/>
-            <pc:sldMk cId="206910053" sldId="264"/>
-            <ac:picMk id="4" creationId="{2BB5DCCF-B839-43AC-B9BB-73CF30F2C260}"/>
-          </ac:picMkLst>
-        </pc:picChg>
-      </pc:sldChg>
-      <pc:sldChg chg="addSp delSp new mod">
-        <pc:chgData name="Gabriel Galitesi Maldotti" userId="f4049ec46fc161ac" providerId="LiveId" clId="{629DDA6C-8642-4668-B445-4821E18CA2CC}" dt="2021-03-18T13:28:29.675" v="61" actId="22"/>
-        <pc:sldMkLst>
-          <pc:docMk/>
-          <pc:sldMk cId="516625275" sldId="265"/>
-        </pc:sldMkLst>
-        <pc:picChg chg="add del">
-          <ac:chgData name="Gabriel Galitesi Maldotti" userId="f4049ec46fc161ac" providerId="LiveId" clId="{629DDA6C-8642-4668-B445-4821E18CA2CC}" dt="2021-03-18T13:21:27.274" v="47" actId="478"/>
-          <ac:picMkLst>
-            <pc:docMk/>
-            <pc:sldMk cId="516625275" sldId="265"/>
-            <ac:picMk id="3" creationId="{08BBCA83-DA65-43FA-AFCD-553E69194ACB}"/>
-          </ac:picMkLst>
-        </pc:picChg>
-        <pc:picChg chg="add">
-          <ac:chgData name="Gabriel Galitesi Maldotti" userId="f4049ec46fc161ac" providerId="LiveId" clId="{629DDA6C-8642-4668-B445-4821E18CA2CC}" dt="2021-03-18T13:28:29.675" v="61" actId="22"/>
-          <ac:picMkLst>
-            <pc:docMk/>
-            <pc:sldMk cId="516625275" sldId="265"/>
-            <ac:picMk id="4" creationId="{7FA2C0D2-9247-4C3D-9E9A-876276102F13}"/>
-          </ac:picMkLst>
-        </pc:picChg>
-      </pc:sldChg>
-      <pc:sldChg chg="addSp delSp new mod">
-        <pc:chgData name="Gabriel Galitesi Maldotti" userId="f4049ec46fc161ac" providerId="LiveId" clId="{629DDA6C-8642-4668-B445-4821E18CA2CC}" dt="2021-03-18T13:28:53.328" v="62" actId="22"/>
-        <pc:sldMkLst>
-          <pc:docMk/>
-          <pc:sldMk cId="2149670550" sldId="266"/>
-        </pc:sldMkLst>
-        <pc:picChg chg="add del">
-          <ac:chgData name="Gabriel Galitesi Maldotti" userId="f4049ec46fc161ac" providerId="LiveId" clId="{629DDA6C-8642-4668-B445-4821E18CA2CC}" dt="2021-03-05T01:34:12.833" v="36" actId="478"/>
-          <ac:picMkLst>
-            <pc:docMk/>
-            <pc:sldMk cId="2149670550" sldId="266"/>
-            <ac:picMk id="3" creationId="{EFE38608-7A3E-45CD-ABE9-6BBED7442CC7}"/>
-          </ac:picMkLst>
-        </pc:picChg>
-        <pc:picChg chg="add">
-          <ac:chgData name="Gabriel Galitesi Maldotti" userId="f4049ec46fc161ac" providerId="LiveId" clId="{629DDA6C-8642-4668-B445-4821E18CA2CC}" dt="2021-03-18T13:28:53.328" v="62" actId="22"/>
-          <ac:picMkLst>
-            <pc:docMk/>
-            <pc:sldMk cId="2149670550" sldId="266"/>
-            <ac:picMk id="3" creationId="{EFF4CB1C-C7D1-4309-84AB-3407FF68AB13}"/>
-          </ac:picMkLst>
-        </pc:picChg>
-        <pc:picChg chg="add del">
-          <ac:chgData name="Gabriel Galitesi Maldotti" userId="f4049ec46fc161ac" providerId="LiveId" clId="{629DDA6C-8642-4668-B445-4821E18CA2CC}" dt="2021-03-18T13:21:30.063" v="48" actId="478"/>
-          <ac:picMkLst>
-            <pc:docMk/>
-            <pc:sldMk cId="2149670550" sldId="266"/>
-            <ac:picMk id="4" creationId="{11EC0408-41A1-468E-9CC9-3496E4C5072E}"/>
+            <pc:sldMk cId="3756168739" sldId="265"/>
+            <ac:picMk id="3" creationId="{E3221B9E-D728-49BD-BA82-8AFD11DCC22D}"/>
           </ac:picMkLst>
         </pc:picChg>
       </pc:sldChg>
       <pc:sldChg chg="addSp new mod">
-        <pc:chgData name="Gabriel Galitesi Maldotti" userId="f4049ec46fc161ac" providerId="LiveId" clId="{629DDA6C-8642-4668-B445-4821E18CA2CC}" dt="2021-03-18T13:29:17.377" v="64" actId="22"/>
+        <pc:chgData name="Gabriel Galitesi Maldotti" userId="f4049ec46fc161ac" providerId="LiveId" clId="{4C91E9C5-3A0B-42C0-A625-1EC8E3E27885}" dt="2021-04-26T23:07:54.775" v="18" actId="22"/>
         <pc:sldMkLst>
           <pc:docMk/>
-          <pc:sldMk cId="2640794827" sldId="267"/>
+          <pc:sldMk cId="3713336375" sldId="266"/>
         </pc:sldMkLst>
         <pc:picChg chg="add">
-          <ac:chgData name="Gabriel Galitesi Maldotti" userId="f4049ec46fc161ac" providerId="LiveId" clId="{629DDA6C-8642-4668-B445-4821E18CA2CC}" dt="2021-03-18T13:29:17.377" v="64" actId="22"/>
+          <ac:chgData name="Gabriel Galitesi Maldotti" userId="f4049ec46fc161ac" providerId="LiveId" clId="{4C91E9C5-3A0B-42C0-A625-1EC8E3E27885}" dt="2021-04-26T23:07:54.775" v="18" actId="22"/>
           <ac:picMkLst>
             <pc:docMk/>
-            <pc:sldMk cId="2640794827" sldId="267"/>
-            <ac:picMk id="3" creationId="{50E22167-14EE-4738-AB79-D4B567BF92E7}"/>
+            <pc:sldMk cId="3713336375" sldId="266"/>
+            <ac:picMk id="3" creationId="{F60A0B68-7F67-4328-A6E2-59A97D1E1C25}"/>
+          </ac:picMkLst>
+        </pc:picChg>
+      </pc:sldChg>
+      <pc:sldChg chg="addSp new mod">
+        <pc:chgData name="Gabriel Galitesi Maldotti" userId="f4049ec46fc161ac" providerId="LiveId" clId="{4C91E9C5-3A0B-42C0-A625-1EC8E3E27885}" dt="2021-04-26T23:08:25.146" v="20" actId="22"/>
+        <pc:sldMkLst>
+          <pc:docMk/>
+          <pc:sldMk cId="3552760798" sldId="267"/>
+        </pc:sldMkLst>
+        <pc:picChg chg="add">
+          <ac:chgData name="Gabriel Galitesi Maldotti" userId="f4049ec46fc161ac" providerId="LiveId" clId="{4C91E9C5-3A0B-42C0-A625-1EC8E3E27885}" dt="2021-04-26T23:08:25.146" v="20" actId="22"/>
+          <ac:picMkLst>
+            <pc:docMk/>
+            <pc:sldMk cId="3552760798" sldId="267"/>
+            <ac:picMk id="3" creationId="{07EE2292-DBD6-47FC-86C8-E5A610AB2032}"/>
+          </ac:picMkLst>
+        </pc:picChg>
+      </pc:sldChg>
+      <pc:sldChg chg="addSp new mod">
+        <pc:chgData name="Gabriel Galitesi Maldotti" userId="f4049ec46fc161ac" providerId="LiveId" clId="{4C91E9C5-3A0B-42C0-A625-1EC8E3E27885}" dt="2021-04-26T23:08:49.144" v="22" actId="22"/>
+        <pc:sldMkLst>
+          <pc:docMk/>
+          <pc:sldMk cId="1836442153" sldId="268"/>
+        </pc:sldMkLst>
+        <pc:picChg chg="add">
+          <ac:chgData name="Gabriel Galitesi Maldotti" userId="f4049ec46fc161ac" providerId="LiveId" clId="{4C91E9C5-3A0B-42C0-A625-1EC8E3E27885}" dt="2021-04-26T23:08:49.144" v="22" actId="22"/>
+          <ac:picMkLst>
+            <pc:docMk/>
+            <pc:sldMk cId="1836442153" sldId="268"/>
+            <ac:picMk id="3" creationId="{536C8A9C-9EFC-4DE0-9504-43EFB22AB4E6}"/>
+          </ac:picMkLst>
+        </pc:picChg>
+      </pc:sldChg>
+      <pc:sldChg chg="addSp new mod">
+        <pc:chgData name="Gabriel Galitesi Maldotti" userId="f4049ec46fc161ac" providerId="LiveId" clId="{4C91E9C5-3A0B-42C0-A625-1EC8E3E27885}" dt="2021-04-26T23:09:10.238" v="24" actId="22"/>
+        <pc:sldMkLst>
+          <pc:docMk/>
+          <pc:sldMk cId="3138128980" sldId="269"/>
+        </pc:sldMkLst>
+        <pc:picChg chg="add">
+          <ac:chgData name="Gabriel Galitesi Maldotti" userId="f4049ec46fc161ac" providerId="LiveId" clId="{4C91E9C5-3A0B-42C0-A625-1EC8E3E27885}" dt="2021-04-26T23:09:10.238" v="24" actId="22"/>
+          <ac:picMkLst>
+            <pc:docMk/>
+            <pc:sldMk cId="3138128980" sldId="269"/>
+            <ac:picMk id="3" creationId="{F6973707-83F0-410B-90BF-AA084DAA6797}"/>
+          </ac:picMkLst>
+        </pc:picChg>
+      </pc:sldChg>
+      <pc:sldChg chg="addSp modSp new mod">
+        <pc:chgData name="Gabriel Galitesi Maldotti" userId="f4049ec46fc161ac" providerId="LiveId" clId="{4C91E9C5-3A0B-42C0-A625-1EC8E3E27885}" dt="2021-04-26T23:15:44.727" v="31" actId="1076"/>
+        <pc:sldMkLst>
+          <pc:docMk/>
+          <pc:sldMk cId="1962836564" sldId="270"/>
+        </pc:sldMkLst>
+        <pc:picChg chg="add mod">
+          <ac:chgData name="Gabriel Galitesi Maldotti" userId="f4049ec46fc161ac" providerId="LiveId" clId="{4C91E9C5-3A0B-42C0-A625-1EC8E3E27885}" dt="2021-04-26T23:15:44.727" v="31" actId="1076"/>
+          <ac:picMkLst>
+            <pc:docMk/>
+            <pc:sldMk cId="1962836564" sldId="270"/>
+            <ac:picMk id="3" creationId="{3DBE0D0A-8B1A-4F95-A78D-59E1E3595AB7}"/>
           </ac:picMkLst>
         </pc:picChg>
       </pc:sldChg>
@@ -449,7 +378,7 @@
           <p:cNvPr id="2" name="Título 1">
             <a:extLst>
               <a:ext uri="{FF2B5EF4-FFF2-40B4-BE49-F238E27FC236}">
-                <a16:creationId xmlns:a16="http://schemas.microsoft.com/office/drawing/2014/main" id="{3EFD8AA3-4BD2-4DE4-9F1E-DBCEDFD6B319}"/>
+                <a16:creationId xmlns:a16="http://schemas.microsoft.com/office/drawing/2014/main" id="{9090CF8F-2CBA-4CF7-B9E4-0A150B8ACCD0}"/>
               </a:ext>
             </a:extLst>
           </p:cNvPr>
@@ -486,7 +415,7 @@
           <p:cNvPr id="3" name="Subtítulo 2">
             <a:extLst>
               <a:ext uri="{FF2B5EF4-FFF2-40B4-BE49-F238E27FC236}">
-                <a16:creationId xmlns:a16="http://schemas.microsoft.com/office/drawing/2014/main" id="{AFD16B68-FFB6-4F29-B510-F87FB4F4B901}"/>
+                <a16:creationId xmlns:a16="http://schemas.microsoft.com/office/drawing/2014/main" id="{D938008B-35A4-40BA-AEF2-5F7B7C29896D}"/>
               </a:ext>
             </a:extLst>
           </p:cNvPr>
@@ -556,7 +485,7 @@
           <p:cNvPr id="4" name="Espaço Reservado para Data 3">
             <a:extLst>
               <a:ext uri="{FF2B5EF4-FFF2-40B4-BE49-F238E27FC236}">
-                <a16:creationId xmlns:a16="http://schemas.microsoft.com/office/drawing/2014/main" id="{C1947A5A-F424-4F21-8ABD-D50CEA42FAA6}"/>
+                <a16:creationId xmlns:a16="http://schemas.microsoft.com/office/drawing/2014/main" id="{87FFF1BC-83B3-47F2-A66E-1B7FB4B498B4}"/>
               </a:ext>
             </a:extLst>
           </p:cNvPr>
@@ -572,9 +501,9 @@
           <a:bodyPr/>
           <a:lstStyle/>
           <a:p>
-            <a:fld id="{885A1EB5-47DA-4404-95B8-F00C3EF787DD}" type="datetimeFigureOut">
+            <a:fld id="{48AD8ADD-60C6-46E8-8A1E-D4FFAF373B58}" type="datetimeFigureOut">
               <a:rPr lang="pt-BR" smtClean="0"/>
-              <a:t>18/03/2021</a:t>
+              <a:t>26/04/2021</a:t>
             </a:fld>
             <a:endParaRPr lang="pt-BR"/>
           </a:p>
@@ -585,7 +514,7 @@
           <p:cNvPr id="5" name="Espaço Reservado para Rodapé 4">
             <a:extLst>
               <a:ext uri="{FF2B5EF4-FFF2-40B4-BE49-F238E27FC236}">
-                <a16:creationId xmlns:a16="http://schemas.microsoft.com/office/drawing/2014/main" id="{9BBE4FA4-8FE4-4B5C-A9CD-E8AABB5F37EC}"/>
+                <a16:creationId xmlns:a16="http://schemas.microsoft.com/office/drawing/2014/main" id="{9798E5B5-55C9-4507-A4F7-14A99BED4C89}"/>
               </a:ext>
             </a:extLst>
           </p:cNvPr>
@@ -610,7 +539,7 @@
           <p:cNvPr id="6" name="Espaço Reservado para Número de Slide 5">
             <a:extLst>
               <a:ext uri="{FF2B5EF4-FFF2-40B4-BE49-F238E27FC236}">
-                <a16:creationId xmlns:a16="http://schemas.microsoft.com/office/drawing/2014/main" id="{D25B0053-2661-47CA-B5F8-53B0531634A8}"/>
+                <a16:creationId xmlns:a16="http://schemas.microsoft.com/office/drawing/2014/main" id="{FCB8B80E-0ABC-4E73-B75B-826846D69AC3}"/>
               </a:ext>
             </a:extLst>
           </p:cNvPr>
@@ -626,7 +555,7 @@
           <a:bodyPr/>
           <a:lstStyle/>
           <a:p>
-            <a:fld id="{EE57F14E-95F8-4AE7-B670-416F0ED8009C}" type="slidenum">
+            <a:fld id="{1A566420-9390-4428-8CD0-DC8BDEBA8799}" type="slidenum">
               <a:rPr lang="pt-BR" smtClean="0"/>
               <a:t>‹nº›</a:t>
             </a:fld>
@@ -637,7 +566,7 @@
     </p:spTree>
     <p:extLst>
       <p:ext uri="{BB962C8B-B14F-4D97-AF65-F5344CB8AC3E}">
-        <p14:creationId xmlns:p14="http://schemas.microsoft.com/office/powerpoint/2010/main" val="3074027246"/>
+        <p14:creationId xmlns:p14="http://schemas.microsoft.com/office/powerpoint/2010/main" val="1055691784"/>
       </p:ext>
     </p:extLst>
   </p:cSld>
@@ -669,7 +598,7 @@
           <p:cNvPr id="2" name="Título 1">
             <a:extLst>
               <a:ext uri="{FF2B5EF4-FFF2-40B4-BE49-F238E27FC236}">
-                <a16:creationId xmlns:a16="http://schemas.microsoft.com/office/drawing/2014/main" id="{26A0F0BB-FB07-4D3F-B5E3-02D20D8AB0FF}"/>
+                <a16:creationId xmlns:a16="http://schemas.microsoft.com/office/drawing/2014/main" id="{C1AA7F53-943A-4A5A-972B-13CEEF698395}"/>
               </a:ext>
             </a:extLst>
           </p:cNvPr>
@@ -697,7 +626,7 @@
           <p:cNvPr id="3" name="Espaço Reservado para Texto Vertical 2">
             <a:extLst>
               <a:ext uri="{FF2B5EF4-FFF2-40B4-BE49-F238E27FC236}">
-                <a16:creationId xmlns:a16="http://schemas.microsoft.com/office/drawing/2014/main" id="{8E1D5D85-05DB-4F68-B856-B1AF8F967825}"/>
+                <a16:creationId xmlns:a16="http://schemas.microsoft.com/office/drawing/2014/main" id="{8D6035EE-52F0-4E00-A3BF-351E70E83BA1}"/>
               </a:ext>
             </a:extLst>
           </p:cNvPr>
@@ -754,7 +683,7 @@
           <p:cNvPr id="4" name="Espaço Reservado para Data 3">
             <a:extLst>
               <a:ext uri="{FF2B5EF4-FFF2-40B4-BE49-F238E27FC236}">
-                <a16:creationId xmlns:a16="http://schemas.microsoft.com/office/drawing/2014/main" id="{CF2A622E-0A4C-487A-AE04-A84987A317C5}"/>
+                <a16:creationId xmlns:a16="http://schemas.microsoft.com/office/drawing/2014/main" id="{B0B04798-8622-46DB-88DB-6E9298E32E9C}"/>
               </a:ext>
             </a:extLst>
           </p:cNvPr>
@@ -770,9 +699,9 @@
           <a:bodyPr/>
           <a:lstStyle/>
           <a:p>
-            <a:fld id="{885A1EB5-47DA-4404-95B8-F00C3EF787DD}" type="datetimeFigureOut">
+            <a:fld id="{48AD8ADD-60C6-46E8-8A1E-D4FFAF373B58}" type="datetimeFigureOut">
               <a:rPr lang="pt-BR" smtClean="0"/>
-              <a:t>18/03/2021</a:t>
+              <a:t>26/04/2021</a:t>
             </a:fld>
             <a:endParaRPr lang="pt-BR"/>
           </a:p>
@@ -783,7 +712,7 @@
           <p:cNvPr id="5" name="Espaço Reservado para Rodapé 4">
             <a:extLst>
               <a:ext uri="{FF2B5EF4-FFF2-40B4-BE49-F238E27FC236}">
-                <a16:creationId xmlns:a16="http://schemas.microsoft.com/office/drawing/2014/main" id="{A4FDBDB0-8273-4773-A489-462D5E3B3437}"/>
+                <a16:creationId xmlns:a16="http://schemas.microsoft.com/office/drawing/2014/main" id="{25F31331-BD30-414B-9CC2-0A5C0304565C}"/>
               </a:ext>
             </a:extLst>
           </p:cNvPr>
@@ -808,7 +737,7 @@
           <p:cNvPr id="6" name="Espaço Reservado para Número de Slide 5">
             <a:extLst>
               <a:ext uri="{FF2B5EF4-FFF2-40B4-BE49-F238E27FC236}">
-                <a16:creationId xmlns:a16="http://schemas.microsoft.com/office/drawing/2014/main" id="{33FBC518-5C1A-467C-85A2-1AB0AE09DE86}"/>
+                <a16:creationId xmlns:a16="http://schemas.microsoft.com/office/drawing/2014/main" id="{B46658D6-85AB-432F-A1BD-FAA554796966}"/>
               </a:ext>
             </a:extLst>
           </p:cNvPr>
@@ -824,7 +753,7 @@
           <a:bodyPr/>
           <a:lstStyle/>
           <a:p>
-            <a:fld id="{EE57F14E-95F8-4AE7-B670-416F0ED8009C}" type="slidenum">
+            <a:fld id="{1A566420-9390-4428-8CD0-DC8BDEBA8799}" type="slidenum">
               <a:rPr lang="pt-BR" smtClean="0"/>
               <a:t>‹nº›</a:t>
             </a:fld>
@@ -835,7 +764,7 @@
     </p:spTree>
     <p:extLst>
       <p:ext uri="{BB962C8B-B14F-4D97-AF65-F5344CB8AC3E}">
-        <p14:creationId xmlns:p14="http://schemas.microsoft.com/office/powerpoint/2010/main" val="3361710217"/>
+        <p14:creationId xmlns:p14="http://schemas.microsoft.com/office/powerpoint/2010/main" val="508424645"/>
       </p:ext>
     </p:extLst>
   </p:cSld>
@@ -867,7 +796,7 @@
           <p:cNvPr id="2" name="Título Vertical 1">
             <a:extLst>
               <a:ext uri="{FF2B5EF4-FFF2-40B4-BE49-F238E27FC236}">
-                <a16:creationId xmlns:a16="http://schemas.microsoft.com/office/drawing/2014/main" id="{2A1C785E-B21B-4BBE-9ADB-B328F9CB351C}"/>
+                <a16:creationId xmlns:a16="http://schemas.microsoft.com/office/drawing/2014/main" id="{9A33D037-9CCD-4DDA-A0F8-C14EDCB46303}"/>
               </a:ext>
             </a:extLst>
           </p:cNvPr>
@@ -900,7 +829,7 @@
           <p:cNvPr id="3" name="Espaço Reservado para Texto Vertical 2">
             <a:extLst>
               <a:ext uri="{FF2B5EF4-FFF2-40B4-BE49-F238E27FC236}">
-                <a16:creationId xmlns:a16="http://schemas.microsoft.com/office/drawing/2014/main" id="{1044DBC8-6160-42C1-962C-982C471FBECB}"/>
+                <a16:creationId xmlns:a16="http://schemas.microsoft.com/office/drawing/2014/main" id="{A1B89E5F-2AB7-47C5-B31A-9A100B0B8271}"/>
               </a:ext>
             </a:extLst>
           </p:cNvPr>
@@ -962,7 +891,7 @@
           <p:cNvPr id="4" name="Espaço Reservado para Data 3">
             <a:extLst>
               <a:ext uri="{FF2B5EF4-FFF2-40B4-BE49-F238E27FC236}">
-                <a16:creationId xmlns:a16="http://schemas.microsoft.com/office/drawing/2014/main" id="{A8B6888D-9402-41BA-AA12-B49EE0B5D6CA}"/>
+                <a16:creationId xmlns:a16="http://schemas.microsoft.com/office/drawing/2014/main" id="{CAF10724-D5C3-4B0F-BDA0-4FD7C7E5EB0B}"/>
               </a:ext>
             </a:extLst>
           </p:cNvPr>
@@ -978,9 +907,9 @@
           <a:bodyPr/>
           <a:lstStyle/>
           <a:p>
-            <a:fld id="{885A1EB5-47DA-4404-95B8-F00C3EF787DD}" type="datetimeFigureOut">
+            <a:fld id="{48AD8ADD-60C6-46E8-8A1E-D4FFAF373B58}" type="datetimeFigureOut">
               <a:rPr lang="pt-BR" smtClean="0"/>
-              <a:t>18/03/2021</a:t>
+              <a:t>26/04/2021</a:t>
             </a:fld>
             <a:endParaRPr lang="pt-BR"/>
           </a:p>
@@ -991,7 +920,7 @@
           <p:cNvPr id="5" name="Espaço Reservado para Rodapé 4">
             <a:extLst>
               <a:ext uri="{FF2B5EF4-FFF2-40B4-BE49-F238E27FC236}">
-                <a16:creationId xmlns:a16="http://schemas.microsoft.com/office/drawing/2014/main" id="{E7402BE7-FC89-4F43-806C-9C45372A6C64}"/>
+                <a16:creationId xmlns:a16="http://schemas.microsoft.com/office/drawing/2014/main" id="{0368EB38-10F7-41B0-BA57-9686333455CE}"/>
               </a:ext>
             </a:extLst>
           </p:cNvPr>
@@ -1016,7 +945,7 @@
           <p:cNvPr id="6" name="Espaço Reservado para Número de Slide 5">
             <a:extLst>
               <a:ext uri="{FF2B5EF4-FFF2-40B4-BE49-F238E27FC236}">
-                <a16:creationId xmlns:a16="http://schemas.microsoft.com/office/drawing/2014/main" id="{7650C401-B6FC-4846-A79E-0D83D12F521B}"/>
+                <a16:creationId xmlns:a16="http://schemas.microsoft.com/office/drawing/2014/main" id="{EB7148B2-F030-4DDB-83E0-E301AE783B54}"/>
               </a:ext>
             </a:extLst>
           </p:cNvPr>
@@ -1032,7 +961,7 @@
           <a:bodyPr/>
           <a:lstStyle/>
           <a:p>
-            <a:fld id="{EE57F14E-95F8-4AE7-B670-416F0ED8009C}" type="slidenum">
+            <a:fld id="{1A566420-9390-4428-8CD0-DC8BDEBA8799}" type="slidenum">
               <a:rPr lang="pt-BR" smtClean="0"/>
               <a:t>‹nº›</a:t>
             </a:fld>
@@ -1043,7 +972,7 @@
     </p:spTree>
     <p:extLst>
       <p:ext uri="{BB962C8B-B14F-4D97-AF65-F5344CB8AC3E}">
-        <p14:creationId xmlns:p14="http://schemas.microsoft.com/office/powerpoint/2010/main" val="599197271"/>
+        <p14:creationId xmlns:p14="http://schemas.microsoft.com/office/powerpoint/2010/main" val="10599576"/>
       </p:ext>
     </p:extLst>
   </p:cSld>
@@ -1075,7 +1004,7 @@
           <p:cNvPr id="2" name="Título 1">
             <a:extLst>
               <a:ext uri="{FF2B5EF4-FFF2-40B4-BE49-F238E27FC236}">
-                <a16:creationId xmlns:a16="http://schemas.microsoft.com/office/drawing/2014/main" id="{7044E13B-310E-499F-95B0-5F0DF0B84544}"/>
+                <a16:creationId xmlns:a16="http://schemas.microsoft.com/office/drawing/2014/main" id="{D1351D92-1F16-4551-B95B-623B4FE3735F}"/>
               </a:ext>
             </a:extLst>
           </p:cNvPr>
@@ -1103,7 +1032,7 @@
           <p:cNvPr id="3" name="Espaço Reservado para Conteúdo 2">
             <a:extLst>
               <a:ext uri="{FF2B5EF4-FFF2-40B4-BE49-F238E27FC236}">
-                <a16:creationId xmlns:a16="http://schemas.microsoft.com/office/drawing/2014/main" id="{10084FCF-1DA3-45EA-93E7-89C11C6054E3}"/>
+                <a16:creationId xmlns:a16="http://schemas.microsoft.com/office/drawing/2014/main" id="{03312ADD-15F5-45B2-AB53-54E077A3FC7D}"/>
               </a:ext>
             </a:extLst>
           </p:cNvPr>
@@ -1160,7 +1089,7 @@
           <p:cNvPr id="4" name="Espaço Reservado para Data 3">
             <a:extLst>
               <a:ext uri="{FF2B5EF4-FFF2-40B4-BE49-F238E27FC236}">
-                <a16:creationId xmlns:a16="http://schemas.microsoft.com/office/drawing/2014/main" id="{EB7F021F-4429-4478-AC64-BCFB663734D0}"/>
+                <a16:creationId xmlns:a16="http://schemas.microsoft.com/office/drawing/2014/main" id="{54A5C9EA-D42F-4C39-BB19-EB6451B16E40}"/>
               </a:ext>
             </a:extLst>
           </p:cNvPr>
@@ -1176,9 +1105,9 @@
           <a:bodyPr/>
           <a:lstStyle/>
           <a:p>
-            <a:fld id="{885A1EB5-47DA-4404-95B8-F00C3EF787DD}" type="datetimeFigureOut">
+            <a:fld id="{48AD8ADD-60C6-46E8-8A1E-D4FFAF373B58}" type="datetimeFigureOut">
               <a:rPr lang="pt-BR" smtClean="0"/>
-              <a:t>18/03/2021</a:t>
+              <a:t>26/04/2021</a:t>
             </a:fld>
             <a:endParaRPr lang="pt-BR"/>
           </a:p>
@@ -1189,7 +1118,7 @@
           <p:cNvPr id="5" name="Espaço Reservado para Rodapé 4">
             <a:extLst>
               <a:ext uri="{FF2B5EF4-FFF2-40B4-BE49-F238E27FC236}">
-                <a16:creationId xmlns:a16="http://schemas.microsoft.com/office/drawing/2014/main" id="{D96A3ACC-726B-4F90-9966-2F0892675E73}"/>
+                <a16:creationId xmlns:a16="http://schemas.microsoft.com/office/drawing/2014/main" id="{18246B50-A17E-48D4-A188-0BA30C9650D6}"/>
               </a:ext>
             </a:extLst>
           </p:cNvPr>
@@ -1214,7 +1143,7 @@
           <p:cNvPr id="6" name="Espaço Reservado para Número de Slide 5">
             <a:extLst>
               <a:ext uri="{FF2B5EF4-FFF2-40B4-BE49-F238E27FC236}">
-                <a16:creationId xmlns:a16="http://schemas.microsoft.com/office/drawing/2014/main" id="{75A07670-4ACD-4C51-8FC9-1B074614FD4C}"/>
+                <a16:creationId xmlns:a16="http://schemas.microsoft.com/office/drawing/2014/main" id="{ABF0AAC1-8F5F-40D6-B481-43D868B8BD01}"/>
               </a:ext>
             </a:extLst>
           </p:cNvPr>
@@ -1230,7 +1159,7 @@
           <a:bodyPr/>
           <a:lstStyle/>
           <a:p>
-            <a:fld id="{EE57F14E-95F8-4AE7-B670-416F0ED8009C}" type="slidenum">
+            <a:fld id="{1A566420-9390-4428-8CD0-DC8BDEBA8799}" type="slidenum">
               <a:rPr lang="pt-BR" smtClean="0"/>
               <a:t>‹nº›</a:t>
             </a:fld>
@@ -1241,7 +1170,7 @@
     </p:spTree>
     <p:extLst>
       <p:ext uri="{BB962C8B-B14F-4D97-AF65-F5344CB8AC3E}">
-        <p14:creationId xmlns:p14="http://schemas.microsoft.com/office/powerpoint/2010/main" val="4050411357"/>
+        <p14:creationId xmlns:p14="http://schemas.microsoft.com/office/powerpoint/2010/main" val="3252499043"/>
       </p:ext>
     </p:extLst>
   </p:cSld>
@@ -1273,7 +1202,7 @@
           <p:cNvPr id="2" name="Título 1">
             <a:extLst>
               <a:ext uri="{FF2B5EF4-FFF2-40B4-BE49-F238E27FC236}">
-                <a16:creationId xmlns:a16="http://schemas.microsoft.com/office/drawing/2014/main" id="{ECD98E1B-5A10-4C94-BEDA-C6BF40FBB36B}"/>
+                <a16:creationId xmlns:a16="http://schemas.microsoft.com/office/drawing/2014/main" id="{3ACB71A2-66A5-491F-B64F-99CB4F8029F9}"/>
               </a:ext>
             </a:extLst>
           </p:cNvPr>
@@ -1310,7 +1239,7 @@
           <p:cNvPr id="3" name="Espaço Reservado para Texto 2">
             <a:extLst>
               <a:ext uri="{FF2B5EF4-FFF2-40B4-BE49-F238E27FC236}">
-                <a16:creationId xmlns:a16="http://schemas.microsoft.com/office/drawing/2014/main" id="{19841EDB-0526-4115-B755-CDF0E1F3DDB1}"/>
+                <a16:creationId xmlns:a16="http://schemas.microsoft.com/office/drawing/2014/main" id="{ADF4C5F2-DEE0-4C17-877A-3D2F6BBACE77}"/>
               </a:ext>
             </a:extLst>
           </p:cNvPr>
@@ -1435,7 +1364,7 @@
           <p:cNvPr id="4" name="Espaço Reservado para Data 3">
             <a:extLst>
               <a:ext uri="{FF2B5EF4-FFF2-40B4-BE49-F238E27FC236}">
-                <a16:creationId xmlns:a16="http://schemas.microsoft.com/office/drawing/2014/main" id="{A0473909-A800-4994-9249-B73A49DDC069}"/>
+                <a16:creationId xmlns:a16="http://schemas.microsoft.com/office/drawing/2014/main" id="{0EB4CF06-C460-4E9A-99E3-92E5D4EA3F5F}"/>
               </a:ext>
             </a:extLst>
           </p:cNvPr>
@@ -1451,9 +1380,9 @@
           <a:bodyPr/>
           <a:lstStyle/>
           <a:p>
-            <a:fld id="{885A1EB5-47DA-4404-95B8-F00C3EF787DD}" type="datetimeFigureOut">
+            <a:fld id="{48AD8ADD-60C6-46E8-8A1E-D4FFAF373B58}" type="datetimeFigureOut">
               <a:rPr lang="pt-BR" smtClean="0"/>
-              <a:t>18/03/2021</a:t>
+              <a:t>26/04/2021</a:t>
             </a:fld>
             <a:endParaRPr lang="pt-BR"/>
           </a:p>
@@ -1464,7 +1393,7 @@
           <p:cNvPr id="5" name="Espaço Reservado para Rodapé 4">
             <a:extLst>
               <a:ext uri="{FF2B5EF4-FFF2-40B4-BE49-F238E27FC236}">
-                <a16:creationId xmlns:a16="http://schemas.microsoft.com/office/drawing/2014/main" id="{7E1BC1E5-DBA8-43D3-A053-F9293509E027}"/>
+                <a16:creationId xmlns:a16="http://schemas.microsoft.com/office/drawing/2014/main" id="{3D9878FD-F41E-41D0-A125-29142414F670}"/>
               </a:ext>
             </a:extLst>
           </p:cNvPr>
@@ -1489,7 +1418,7 @@
           <p:cNvPr id="6" name="Espaço Reservado para Número de Slide 5">
             <a:extLst>
               <a:ext uri="{FF2B5EF4-FFF2-40B4-BE49-F238E27FC236}">
-                <a16:creationId xmlns:a16="http://schemas.microsoft.com/office/drawing/2014/main" id="{C69EA1EA-6797-4376-9D62-A19414A766BE}"/>
+                <a16:creationId xmlns:a16="http://schemas.microsoft.com/office/drawing/2014/main" id="{14AE5DF5-5D3E-48B0-930E-43C3E362F758}"/>
               </a:ext>
             </a:extLst>
           </p:cNvPr>
@@ -1505,7 +1434,7 @@
           <a:bodyPr/>
           <a:lstStyle/>
           <a:p>
-            <a:fld id="{EE57F14E-95F8-4AE7-B670-416F0ED8009C}" type="slidenum">
+            <a:fld id="{1A566420-9390-4428-8CD0-DC8BDEBA8799}" type="slidenum">
               <a:rPr lang="pt-BR" smtClean="0"/>
               <a:t>‹nº›</a:t>
             </a:fld>
@@ -1516,7 +1445,7 @@
     </p:spTree>
     <p:extLst>
       <p:ext uri="{BB962C8B-B14F-4D97-AF65-F5344CB8AC3E}">
-        <p14:creationId xmlns:p14="http://schemas.microsoft.com/office/powerpoint/2010/main" val="526524058"/>
+        <p14:creationId xmlns:p14="http://schemas.microsoft.com/office/powerpoint/2010/main" val="1254692569"/>
       </p:ext>
     </p:extLst>
   </p:cSld>
@@ -1548,7 +1477,7 @@
           <p:cNvPr id="2" name="Título 1">
             <a:extLst>
               <a:ext uri="{FF2B5EF4-FFF2-40B4-BE49-F238E27FC236}">
-                <a16:creationId xmlns:a16="http://schemas.microsoft.com/office/drawing/2014/main" id="{FA2C3F2E-1FDB-4CBC-84CD-848A7BE6DE17}"/>
+                <a16:creationId xmlns:a16="http://schemas.microsoft.com/office/drawing/2014/main" id="{7D00BC19-9FDB-4DF0-880E-BD2ADF193456}"/>
               </a:ext>
             </a:extLst>
           </p:cNvPr>
@@ -1576,7 +1505,7 @@
           <p:cNvPr id="3" name="Espaço Reservado para Conteúdo 2">
             <a:extLst>
               <a:ext uri="{FF2B5EF4-FFF2-40B4-BE49-F238E27FC236}">
-                <a16:creationId xmlns:a16="http://schemas.microsoft.com/office/drawing/2014/main" id="{251FF35E-E6C4-445D-9F32-C29B3FC25FA9}"/>
+                <a16:creationId xmlns:a16="http://schemas.microsoft.com/office/drawing/2014/main" id="{34EDA522-C6C3-45A4-A96B-027216F0A7CA}"/>
               </a:ext>
             </a:extLst>
           </p:cNvPr>
@@ -1638,7 +1567,7 @@
           <p:cNvPr id="4" name="Espaço Reservado para Conteúdo 3">
             <a:extLst>
               <a:ext uri="{FF2B5EF4-FFF2-40B4-BE49-F238E27FC236}">
-                <a16:creationId xmlns:a16="http://schemas.microsoft.com/office/drawing/2014/main" id="{0101F7A3-C0A4-447C-80A5-767680AF6BFD}"/>
+                <a16:creationId xmlns:a16="http://schemas.microsoft.com/office/drawing/2014/main" id="{8F0A7553-2B9A-4D81-8BE7-E5AA2B4FD9E9}"/>
               </a:ext>
             </a:extLst>
           </p:cNvPr>
@@ -1700,7 +1629,7 @@
           <p:cNvPr id="5" name="Espaço Reservado para Data 4">
             <a:extLst>
               <a:ext uri="{FF2B5EF4-FFF2-40B4-BE49-F238E27FC236}">
-                <a16:creationId xmlns:a16="http://schemas.microsoft.com/office/drawing/2014/main" id="{7F41E011-93A7-4F58-AEE3-FE05E61FB21F}"/>
+                <a16:creationId xmlns:a16="http://schemas.microsoft.com/office/drawing/2014/main" id="{B0C30E81-A78C-40E5-8C5D-1D6C755F2168}"/>
               </a:ext>
             </a:extLst>
           </p:cNvPr>
@@ -1716,9 +1645,9 @@
           <a:bodyPr/>
           <a:lstStyle/>
           <a:p>
-            <a:fld id="{885A1EB5-47DA-4404-95B8-F00C3EF787DD}" type="datetimeFigureOut">
+            <a:fld id="{48AD8ADD-60C6-46E8-8A1E-D4FFAF373B58}" type="datetimeFigureOut">
               <a:rPr lang="pt-BR" smtClean="0"/>
-              <a:t>18/03/2021</a:t>
+              <a:t>26/04/2021</a:t>
             </a:fld>
             <a:endParaRPr lang="pt-BR"/>
           </a:p>
@@ -1729,7 +1658,7 @@
           <p:cNvPr id="6" name="Espaço Reservado para Rodapé 5">
             <a:extLst>
               <a:ext uri="{FF2B5EF4-FFF2-40B4-BE49-F238E27FC236}">
-                <a16:creationId xmlns:a16="http://schemas.microsoft.com/office/drawing/2014/main" id="{AC15AC51-6CA7-4FC1-9BB5-C0411AAFEE1A}"/>
+                <a16:creationId xmlns:a16="http://schemas.microsoft.com/office/drawing/2014/main" id="{6871FEC6-10C1-4152-B88A-3D158480ED68}"/>
               </a:ext>
             </a:extLst>
           </p:cNvPr>
@@ -1754,7 +1683,7 @@
           <p:cNvPr id="7" name="Espaço Reservado para Número de Slide 6">
             <a:extLst>
               <a:ext uri="{FF2B5EF4-FFF2-40B4-BE49-F238E27FC236}">
-                <a16:creationId xmlns:a16="http://schemas.microsoft.com/office/drawing/2014/main" id="{A874A1BB-1B96-4B32-9534-A6A2195156EE}"/>
+                <a16:creationId xmlns:a16="http://schemas.microsoft.com/office/drawing/2014/main" id="{2985C6C8-0EDE-4926-BD39-DC9F4B377FEB}"/>
               </a:ext>
             </a:extLst>
           </p:cNvPr>
@@ -1770,7 +1699,7 @@
           <a:bodyPr/>
           <a:lstStyle/>
           <a:p>
-            <a:fld id="{EE57F14E-95F8-4AE7-B670-416F0ED8009C}" type="slidenum">
+            <a:fld id="{1A566420-9390-4428-8CD0-DC8BDEBA8799}" type="slidenum">
               <a:rPr lang="pt-BR" smtClean="0"/>
               <a:t>‹nº›</a:t>
             </a:fld>
@@ -1781,7 +1710,7 @@
     </p:spTree>
     <p:extLst>
       <p:ext uri="{BB962C8B-B14F-4D97-AF65-F5344CB8AC3E}">
-        <p14:creationId xmlns:p14="http://schemas.microsoft.com/office/powerpoint/2010/main" val="2595356934"/>
+        <p14:creationId xmlns:p14="http://schemas.microsoft.com/office/powerpoint/2010/main" val="335988363"/>
       </p:ext>
     </p:extLst>
   </p:cSld>
@@ -1813,7 +1742,7 @@
           <p:cNvPr id="2" name="Título 1">
             <a:extLst>
               <a:ext uri="{FF2B5EF4-FFF2-40B4-BE49-F238E27FC236}">
-                <a16:creationId xmlns:a16="http://schemas.microsoft.com/office/drawing/2014/main" id="{F1258A2F-D3F6-4E81-A858-AE0055839C63}"/>
+                <a16:creationId xmlns:a16="http://schemas.microsoft.com/office/drawing/2014/main" id="{4963CD01-903A-445A-A74A-068964134B2A}"/>
               </a:ext>
             </a:extLst>
           </p:cNvPr>
@@ -1846,7 +1775,7 @@
           <p:cNvPr id="3" name="Espaço Reservado para Texto 2">
             <a:extLst>
               <a:ext uri="{FF2B5EF4-FFF2-40B4-BE49-F238E27FC236}">
-                <a16:creationId xmlns:a16="http://schemas.microsoft.com/office/drawing/2014/main" id="{A603E992-B56C-4678-9850-D6C7CC19C91E}"/>
+                <a16:creationId xmlns:a16="http://schemas.microsoft.com/office/drawing/2014/main" id="{49F44231-99B0-4F60-93A3-416CC0FA44E2}"/>
               </a:ext>
             </a:extLst>
           </p:cNvPr>
@@ -1917,7 +1846,7 @@
           <p:cNvPr id="4" name="Espaço Reservado para Conteúdo 3">
             <a:extLst>
               <a:ext uri="{FF2B5EF4-FFF2-40B4-BE49-F238E27FC236}">
-                <a16:creationId xmlns:a16="http://schemas.microsoft.com/office/drawing/2014/main" id="{D0337518-66FD-47A2-BE5D-1BA0DF3B86AC}"/>
+                <a16:creationId xmlns:a16="http://schemas.microsoft.com/office/drawing/2014/main" id="{64F587C5-13CD-4CF5-9455-D7F2642E3642}"/>
               </a:ext>
             </a:extLst>
           </p:cNvPr>
@@ -1979,7 +1908,7 @@
           <p:cNvPr id="5" name="Espaço Reservado para Texto 4">
             <a:extLst>
               <a:ext uri="{FF2B5EF4-FFF2-40B4-BE49-F238E27FC236}">
-                <a16:creationId xmlns:a16="http://schemas.microsoft.com/office/drawing/2014/main" id="{F41DBD5B-E22C-4944-806A-723E269EBB05}"/>
+                <a16:creationId xmlns:a16="http://schemas.microsoft.com/office/drawing/2014/main" id="{E69FE04F-35EF-4A91-BE25-7323B0FBA446}"/>
               </a:ext>
             </a:extLst>
           </p:cNvPr>
@@ -2050,7 +1979,7 @@
           <p:cNvPr id="6" name="Espaço Reservado para Conteúdo 5">
             <a:extLst>
               <a:ext uri="{FF2B5EF4-FFF2-40B4-BE49-F238E27FC236}">
-                <a16:creationId xmlns:a16="http://schemas.microsoft.com/office/drawing/2014/main" id="{56BC9916-63EF-4E09-9146-09B405492F8D}"/>
+                <a16:creationId xmlns:a16="http://schemas.microsoft.com/office/drawing/2014/main" id="{70646311-2F47-4AD5-ABE1-DCC27B4523A9}"/>
               </a:ext>
             </a:extLst>
           </p:cNvPr>
@@ -2112,7 +2041,7 @@
           <p:cNvPr id="7" name="Espaço Reservado para Data 6">
             <a:extLst>
               <a:ext uri="{FF2B5EF4-FFF2-40B4-BE49-F238E27FC236}">
-                <a16:creationId xmlns:a16="http://schemas.microsoft.com/office/drawing/2014/main" id="{CEC147BD-10ED-429F-9026-FBEEDA2D33A8}"/>
+                <a16:creationId xmlns:a16="http://schemas.microsoft.com/office/drawing/2014/main" id="{B7FDB2C6-C99E-4C36-909B-87D20DE4BCD5}"/>
               </a:ext>
             </a:extLst>
           </p:cNvPr>
@@ -2128,9 +2057,9 @@
           <a:bodyPr/>
           <a:lstStyle/>
           <a:p>
-            <a:fld id="{885A1EB5-47DA-4404-95B8-F00C3EF787DD}" type="datetimeFigureOut">
+            <a:fld id="{48AD8ADD-60C6-46E8-8A1E-D4FFAF373B58}" type="datetimeFigureOut">
               <a:rPr lang="pt-BR" smtClean="0"/>
-              <a:t>18/03/2021</a:t>
+              <a:t>26/04/2021</a:t>
             </a:fld>
             <a:endParaRPr lang="pt-BR"/>
           </a:p>
@@ -2141,7 +2070,7 @@
           <p:cNvPr id="8" name="Espaço Reservado para Rodapé 7">
             <a:extLst>
               <a:ext uri="{FF2B5EF4-FFF2-40B4-BE49-F238E27FC236}">
-                <a16:creationId xmlns:a16="http://schemas.microsoft.com/office/drawing/2014/main" id="{97778B49-2B48-4D23-B775-E9FDDEE359AE}"/>
+                <a16:creationId xmlns:a16="http://schemas.microsoft.com/office/drawing/2014/main" id="{7F18D4AC-1429-48F0-9A41-E2BAAF520C72}"/>
               </a:ext>
             </a:extLst>
           </p:cNvPr>
@@ -2166,7 +2095,7 @@
           <p:cNvPr id="9" name="Espaço Reservado para Número de Slide 8">
             <a:extLst>
               <a:ext uri="{FF2B5EF4-FFF2-40B4-BE49-F238E27FC236}">
-                <a16:creationId xmlns:a16="http://schemas.microsoft.com/office/drawing/2014/main" id="{D77F10D6-AB33-4B33-B91F-052420C3B944}"/>
+                <a16:creationId xmlns:a16="http://schemas.microsoft.com/office/drawing/2014/main" id="{190F2BC2-2715-4F86-964C-ACB1E948AA97}"/>
               </a:ext>
             </a:extLst>
           </p:cNvPr>
@@ -2182,7 +2111,7 @@
           <a:bodyPr/>
           <a:lstStyle/>
           <a:p>
-            <a:fld id="{EE57F14E-95F8-4AE7-B670-416F0ED8009C}" type="slidenum">
+            <a:fld id="{1A566420-9390-4428-8CD0-DC8BDEBA8799}" type="slidenum">
               <a:rPr lang="pt-BR" smtClean="0"/>
               <a:t>‹nº›</a:t>
             </a:fld>
@@ -2193,7 +2122,7 @@
     </p:spTree>
     <p:extLst>
       <p:ext uri="{BB962C8B-B14F-4D97-AF65-F5344CB8AC3E}">
-        <p14:creationId xmlns:p14="http://schemas.microsoft.com/office/powerpoint/2010/main" val="4088826405"/>
+        <p14:creationId xmlns:p14="http://schemas.microsoft.com/office/powerpoint/2010/main" val="1315409741"/>
       </p:ext>
     </p:extLst>
   </p:cSld>
@@ -2225,7 +2154,7 @@
           <p:cNvPr id="2" name="Título 1">
             <a:extLst>
               <a:ext uri="{FF2B5EF4-FFF2-40B4-BE49-F238E27FC236}">
-                <a16:creationId xmlns:a16="http://schemas.microsoft.com/office/drawing/2014/main" id="{7E44922A-627E-40D5-8AAC-71C2E0B9B3F7}"/>
+                <a16:creationId xmlns:a16="http://schemas.microsoft.com/office/drawing/2014/main" id="{07D24E74-9ECF-43FD-910F-081E8790966F}"/>
               </a:ext>
             </a:extLst>
           </p:cNvPr>
@@ -2253,7 +2182,7 @@
           <p:cNvPr id="3" name="Espaço Reservado para Data 2">
             <a:extLst>
               <a:ext uri="{FF2B5EF4-FFF2-40B4-BE49-F238E27FC236}">
-                <a16:creationId xmlns:a16="http://schemas.microsoft.com/office/drawing/2014/main" id="{6BF7090A-32DE-4257-B5B2-D1F52CDC84E8}"/>
+                <a16:creationId xmlns:a16="http://schemas.microsoft.com/office/drawing/2014/main" id="{CE2150AE-5BD2-45C6-9F65-417AF90A11E8}"/>
               </a:ext>
             </a:extLst>
           </p:cNvPr>
@@ -2269,9 +2198,9 @@
           <a:bodyPr/>
           <a:lstStyle/>
           <a:p>
-            <a:fld id="{885A1EB5-47DA-4404-95B8-F00C3EF787DD}" type="datetimeFigureOut">
+            <a:fld id="{48AD8ADD-60C6-46E8-8A1E-D4FFAF373B58}" type="datetimeFigureOut">
               <a:rPr lang="pt-BR" smtClean="0"/>
-              <a:t>18/03/2021</a:t>
+              <a:t>26/04/2021</a:t>
             </a:fld>
             <a:endParaRPr lang="pt-BR"/>
           </a:p>
@@ -2282,7 +2211,7 @@
           <p:cNvPr id="4" name="Espaço Reservado para Rodapé 3">
             <a:extLst>
               <a:ext uri="{FF2B5EF4-FFF2-40B4-BE49-F238E27FC236}">
-                <a16:creationId xmlns:a16="http://schemas.microsoft.com/office/drawing/2014/main" id="{5035400F-D6FE-49A5-9E40-751255D3E0B3}"/>
+                <a16:creationId xmlns:a16="http://schemas.microsoft.com/office/drawing/2014/main" id="{DD8FC0DE-BE83-4AAD-9640-1248FE78E763}"/>
               </a:ext>
             </a:extLst>
           </p:cNvPr>
@@ -2307,7 +2236,7 @@
           <p:cNvPr id="5" name="Espaço Reservado para Número de Slide 4">
             <a:extLst>
               <a:ext uri="{FF2B5EF4-FFF2-40B4-BE49-F238E27FC236}">
-                <a16:creationId xmlns:a16="http://schemas.microsoft.com/office/drawing/2014/main" id="{781EF6E7-3429-4A79-9E18-86EC7DFB212F}"/>
+                <a16:creationId xmlns:a16="http://schemas.microsoft.com/office/drawing/2014/main" id="{5D670185-808A-497C-ADF1-D8DEDB9D4D34}"/>
               </a:ext>
             </a:extLst>
           </p:cNvPr>
@@ -2323,7 +2252,7 @@
           <a:bodyPr/>
           <a:lstStyle/>
           <a:p>
-            <a:fld id="{EE57F14E-95F8-4AE7-B670-416F0ED8009C}" type="slidenum">
+            <a:fld id="{1A566420-9390-4428-8CD0-DC8BDEBA8799}" type="slidenum">
               <a:rPr lang="pt-BR" smtClean="0"/>
               <a:t>‹nº›</a:t>
             </a:fld>
@@ -2334,7 +2263,7 @@
     </p:spTree>
     <p:extLst>
       <p:ext uri="{BB962C8B-B14F-4D97-AF65-F5344CB8AC3E}">
-        <p14:creationId xmlns:p14="http://schemas.microsoft.com/office/powerpoint/2010/main" val="553606214"/>
+        <p14:creationId xmlns:p14="http://schemas.microsoft.com/office/powerpoint/2010/main" val="2544958929"/>
       </p:ext>
     </p:extLst>
   </p:cSld>
@@ -2366,7 +2295,7 @@
           <p:cNvPr id="2" name="Espaço Reservado para Data 1">
             <a:extLst>
               <a:ext uri="{FF2B5EF4-FFF2-40B4-BE49-F238E27FC236}">
-                <a16:creationId xmlns:a16="http://schemas.microsoft.com/office/drawing/2014/main" id="{4C1C5F01-4AE1-4BBC-8085-DF7C1F21A824}"/>
+                <a16:creationId xmlns:a16="http://schemas.microsoft.com/office/drawing/2014/main" id="{A7CB68FD-8698-4337-A1E9-9B1A82B8F837}"/>
               </a:ext>
             </a:extLst>
           </p:cNvPr>
@@ -2382,9 +2311,9 @@
           <a:bodyPr/>
           <a:lstStyle/>
           <a:p>
-            <a:fld id="{885A1EB5-47DA-4404-95B8-F00C3EF787DD}" type="datetimeFigureOut">
+            <a:fld id="{48AD8ADD-60C6-46E8-8A1E-D4FFAF373B58}" type="datetimeFigureOut">
               <a:rPr lang="pt-BR" smtClean="0"/>
-              <a:t>18/03/2021</a:t>
+              <a:t>26/04/2021</a:t>
             </a:fld>
             <a:endParaRPr lang="pt-BR"/>
           </a:p>
@@ -2395,7 +2324,7 @@
           <p:cNvPr id="3" name="Espaço Reservado para Rodapé 2">
             <a:extLst>
               <a:ext uri="{FF2B5EF4-FFF2-40B4-BE49-F238E27FC236}">
-                <a16:creationId xmlns:a16="http://schemas.microsoft.com/office/drawing/2014/main" id="{6D70A330-F532-43FE-8C9B-FA42DD681EA0}"/>
+                <a16:creationId xmlns:a16="http://schemas.microsoft.com/office/drawing/2014/main" id="{66CB4763-7232-4189-B6DC-46D5FAEC278D}"/>
               </a:ext>
             </a:extLst>
           </p:cNvPr>
@@ -2420,7 +2349,7 @@
           <p:cNvPr id="4" name="Espaço Reservado para Número de Slide 3">
             <a:extLst>
               <a:ext uri="{FF2B5EF4-FFF2-40B4-BE49-F238E27FC236}">
-                <a16:creationId xmlns:a16="http://schemas.microsoft.com/office/drawing/2014/main" id="{D3684264-C8A1-4B73-91A1-F67C7399BBE1}"/>
+                <a16:creationId xmlns:a16="http://schemas.microsoft.com/office/drawing/2014/main" id="{48A5051D-1C50-4753-AE59-AAD547D58E20}"/>
               </a:ext>
             </a:extLst>
           </p:cNvPr>
@@ -2436,7 +2365,7 @@
           <a:bodyPr/>
           <a:lstStyle/>
           <a:p>
-            <a:fld id="{EE57F14E-95F8-4AE7-B670-416F0ED8009C}" type="slidenum">
+            <a:fld id="{1A566420-9390-4428-8CD0-DC8BDEBA8799}" type="slidenum">
               <a:rPr lang="pt-BR" smtClean="0"/>
               <a:t>‹nº›</a:t>
             </a:fld>
@@ -2447,7 +2376,7 @@
     </p:spTree>
     <p:extLst>
       <p:ext uri="{BB962C8B-B14F-4D97-AF65-F5344CB8AC3E}">
-        <p14:creationId xmlns:p14="http://schemas.microsoft.com/office/powerpoint/2010/main" val="1678399430"/>
+        <p14:creationId xmlns:p14="http://schemas.microsoft.com/office/powerpoint/2010/main" val="2161851362"/>
       </p:ext>
     </p:extLst>
   </p:cSld>
@@ -2479,7 +2408,7 @@
           <p:cNvPr id="2" name="Título 1">
             <a:extLst>
               <a:ext uri="{FF2B5EF4-FFF2-40B4-BE49-F238E27FC236}">
-                <a16:creationId xmlns:a16="http://schemas.microsoft.com/office/drawing/2014/main" id="{F539064B-4FB6-4058-9EF4-CE4221B30189}"/>
+                <a16:creationId xmlns:a16="http://schemas.microsoft.com/office/drawing/2014/main" id="{499C4A42-388E-4389-B434-3AC5635F98BA}"/>
               </a:ext>
             </a:extLst>
           </p:cNvPr>
@@ -2516,7 +2445,7 @@
           <p:cNvPr id="3" name="Espaço Reservado para Conteúdo 2">
             <a:extLst>
               <a:ext uri="{FF2B5EF4-FFF2-40B4-BE49-F238E27FC236}">
-                <a16:creationId xmlns:a16="http://schemas.microsoft.com/office/drawing/2014/main" id="{7518E8A6-8278-4F94-A007-F913DD452872}"/>
+                <a16:creationId xmlns:a16="http://schemas.microsoft.com/office/drawing/2014/main" id="{8733E657-15A7-44C5-99E3-D725113E1957}"/>
               </a:ext>
             </a:extLst>
           </p:cNvPr>
@@ -2606,7 +2535,7 @@
           <p:cNvPr id="4" name="Espaço Reservado para Texto 3">
             <a:extLst>
               <a:ext uri="{FF2B5EF4-FFF2-40B4-BE49-F238E27FC236}">
-                <a16:creationId xmlns:a16="http://schemas.microsoft.com/office/drawing/2014/main" id="{973FD21C-C689-4F64-9280-7DF6CAEF21B1}"/>
+                <a16:creationId xmlns:a16="http://schemas.microsoft.com/office/drawing/2014/main" id="{43B37D4F-48AF-4070-9070-117BE35B01A4}"/>
               </a:ext>
             </a:extLst>
           </p:cNvPr>
@@ -2677,7 +2606,7 @@
           <p:cNvPr id="5" name="Espaço Reservado para Data 4">
             <a:extLst>
               <a:ext uri="{FF2B5EF4-FFF2-40B4-BE49-F238E27FC236}">
-                <a16:creationId xmlns:a16="http://schemas.microsoft.com/office/drawing/2014/main" id="{44BC5839-E5AE-4F5D-868D-AF9800E74EEE}"/>
+                <a16:creationId xmlns:a16="http://schemas.microsoft.com/office/drawing/2014/main" id="{A5FFF477-7956-45E5-9ED9-58BA8A4D191C}"/>
               </a:ext>
             </a:extLst>
           </p:cNvPr>
@@ -2693,9 +2622,9 @@
           <a:bodyPr/>
           <a:lstStyle/>
           <a:p>
-            <a:fld id="{885A1EB5-47DA-4404-95B8-F00C3EF787DD}" type="datetimeFigureOut">
+            <a:fld id="{48AD8ADD-60C6-46E8-8A1E-D4FFAF373B58}" type="datetimeFigureOut">
               <a:rPr lang="pt-BR" smtClean="0"/>
-              <a:t>18/03/2021</a:t>
+              <a:t>26/04/2021</a:t>
             </a:fld>
             <a:endParaRPr lang="pt-BR"/>
           </a:p>
@@ -2706,7 +2635,7 @@
           <p:cNvPr id="6" name="Espaço Reservado para Rodapé 5">
             <a:extLst>
               <a:ext uri="{FF2B5EF4-FFF2-40B4-BE49-F238E27FC236}">
-                <a16:creationId xmlns:a16="http://schemas.microsoft.com/office/drawing/2014/main" id="{DD72EC8F-D1F6-4CE5-858A-86F8113CD91B}"/>
+                <a16:creationId xmlns:a16="http://schemas.microsoft.com/office/drawing/2014/main" id="{528C8838-A553-409B-A28F-2E4DA384034B}"/>
               </a:ext>
             </a:extLst>
           </p:cNvPr>
@@ -2731,7 +2660,7 @@
           <p:cNvPr id="7" name="Espaço Reservado para Número de Slide 6">
             <a:extLst>
               <a:ext uri="{FF2B5EF4-FFF2-40B4-BE49-F238E27FC236}">
-                <a16:creationId xmlns:a16="http://schemas.microsoft.com/office/drawing/2014/main" id="{2F5BBA6C-D072-4E09-8A28-18F4AD313959}"/>
+                <a16:creationId xmlns:a16="http://schemas.microsoft.com/office/drawing/2014/main" id="{47AFF01C-DCF0-43BC-A788-D0A424B43852}"/>
               </a:ext>
             </a:extLst>
           </p:cNvPr>
@@ -2747,7 +2676,7 @@
           <a:bodyPr/>
           <a:lstStyle/>
           <a:p>
-            <a:fld id="{EE57F14E-95F8-4AE7-B670-416F0ED8009C}" type="slidenum">
+            <a:fld id="{1A566420-9390-4428-8CD0-DC8BDEBA8799}" type="slidenum">
               <a:rPr lang="pt-BR" smtClean="0"/>
               <a:t>‹nº›</a:t>
             </a:fld>
@@ -2758,7 +2687,7 @@
     </p:spTree>
     <p:extLst>
       <p:ext uri="{BB962C8B-B14F-4D97-AF65-F5344CB8AC3E}">
-        <p14:creationId xmlns:p14="http://schemas.microsoft.com/office/powerpoint/2010/main" val="1372901298"/>
+        <p14:creationId xmlns:p14="http://schemas.microsoft.com/office/powerpoint/2010/main" val="3287897762"/>
       </p:ext>
     </p:extLst>
   </p:cSld>
@@ -2790,7 +2719,7 @@
           <p:cNvPr id="2" name="Título 1">
             <a:extLst>
               <a:ext uri="{FF2B5EF4-FFF2-40B4-BE49-F238E27FC236}">
-                <a16:creationId xmlns:a16="http://schemas.microsoft.com/office/drawing/2014/main" id="{C6037A30-5D9E-44C8-80DF-A714D5B9D6F1}"/>
+                <a16:creationId xmlns:a16="http://schemas.microsoft.com/office/drawing/2014/main" id="{77287038-B53A-42C6-BB11-F670A637324F}"/>
               </a:ext>
             </a:extLst>
           </p:cNvPr>
@@ -2827,7 +2756,7 @@
           <p:cNvPr id="3" name="Espaço Reservado para Imagem 2">
             <a:extLst>
               <a:ext uri="{FF2B5EF4-FFF2-40B4-BE49-F238E27FC236}">
-                <a16:creationId xmlns:a16="http://schemas.microsoft.com/office/drawing/2014/main" id="{94EE2CEE-11A3-4B96-8CC1-071A5D2AB15B}"/>
+                <a16:creationId xmlns:a16="http://schemas.microsoft.com/office/drawing/2014/main" id="{4FB21E43-445A-41E6-8101-108010E86257}"/>
               </a:ext>
             </a:extLst>
           </p:cNvPr>
@@ -2894,7 +2823,7 @@
           <p:cNvPr id="4" name="Espaço Reservado para Texto 3">
             <a:extLst>
               <a:ext uri="{FF2B5EF4-FFF2-40B4-BE49-F238E27FC236}">
-                <a16:creationId xmlns:a16="http://schemas.microsoft.com/office/drawing/2014/main" id="{8958AEDE-B79F-4192-A324-8EAD2B1B9DD5}"/>
+                <a16:creationId xmlns:a16="http://schemas.microsoft.com/office/drawing/2014/main" id="{2C7F4035-76BC-4E84-A024-A7342B40B409}"/>
               </a:ext>
             </a:extLst>
           </p:cNvPr>
@@ -2965,7 +2894,7 @@
           <p:cNvPr id="5" name="Espaço Reservado para Data 4">
             <a:extLst>
               <a:ext uri="{FF2B5EF4-FFF2-40B4-BE49-F238E27FC236}">
-                <a16:creationId xmlns:a16="http://schemas.microsoft.com/office/drawing/2014/main" id="{894B77AE-42CF-4108-9381-78897735027E}"/>
+                <a16:creationId xmlns:a16="http://schemas.microsoft.com/office/drawing/2014/main" id="{8D72B965-7DE1-4F16-9812-1F26759FF4B0}"/>
               </a:ext>
             </a:extLst>
           </p:cNvPr>
@@ -2981,9 +2910,9 @@
           <a:bodyPr/>
           <a:lstStyle/>
           <a:p>
-            <a:fld id="{885A1EB5-47DA-4404-95B8-F00C3EF787DD}" type="datetimeFigureOut">
+            <a:fld id="{48AD8ADD-60C6-46E8-8A1E-D4FFAF373B58}" type="datetimeFigureOut">
               <a:rPr lang="pt-BR" smtClean="0"/>
-              <a:t>18/03/2021</a:t>
+              <a:t>26/04/2021</a:t>
             </a:fld>
             <a:endParaRPr lang="pt-BR"/>
           </a:p>
@@ -2994,7 +2923,7 @@
           <p:cNvPr id="6" name="Espaço Reservado para Rodapé 5">
             <a:extLst>
               <a:ext uri="{FF2B5EF4-FFF2-40B4-BE49-F238E27FC236}">
-                <a16:creationId xmlns:a16="http://schemas.microsoft.com/office/drawing/2014/main" id="{FEE73379-EBC4-4A35-A94A-460B716A1BE0}"/>
+                <a16:creationId xmlns:a16="http://schemas.microsoft.com/office/drawing/2014/main" id="{E5552CC2-DE84-4B22-A587-3917184CB092}"/>
               </a:ext>
             </a:extLst>
           </p:cNvPr>
@@ -3019,7 +2948,7 @@
           <p:cNvPr id="7" name="Espaço Reservado para Número de Slide 6">
             <a:extLst>
               <a:ext uri="{FF2B5EF4-FFF2-40B4-BE49-F238E27FC236}">
-                <a16:creationId xmlns:a16="http://schemas.microsoft.com/office/drawing/2014/main" id="{AAD847AC-18F1-4DEB-8E2D-4F74FABBEB55}"/>
+                <a16:creationId xmlns:a16="http://schemas.microsoft.com/office/drawing/2014/main" id="{754038A3-E016-4C3D-A377-3FF5D10D8B59}"/>
               </a:ext>
             </a:extLst>
           </p:cNvPr>
@@ -3035,7 +2964,7 @@
           <a:bodyPr/>
           <a:lstStyle/>
           <a:p>
-            <a:fld id="{EE57F14E-95F8-4AE7-B670-416F0ED8009C}" type="slidenum">
+            <a:fld id="{1A566420-9390-4428-8CD0-DC8BDEBA8799}" type="slidenum">
               <a:rPr lang="pt-BR" smtClean="0"/>
               <a:t>‹nº›</a:t>
             </a:fld>
@@ -3046,7 +2975,7 @@
     </p:spTree>
     <p:extLst>
       <p:ext uri="{BB962C8B-B14F-4D97-AF65-F5344CB8AC3E}">
-        <p14:creationId xmlns:p14="http://schemas.microsoft.com/office/powerpoint/2010/main" val="394833109"/>
+        <p14:creationId xmlns:p14="http://schemas.microsoft.com/office/powerpoint/2010/main" val="586480367"/>
       </p:ext>
     </p:extLst>
   </p:cSld>
@@ -3083,7 +3012,7 @@
           <p:cNvPr id="2" name="Espaço Reservado para Título 1">
             <a:extLst>
               <a:ext uri="{FF2B5EF4-FFF2-40B4-BE49-F238E27FC236}">
-                <a16:creationId xmlns:a16="http://schemas.microsoft.com/office/drawing/2014/main" id="{1C5D9FCB-C79E-4E1C-BF61-CE2ECFA22582}"/>
+                <a16:creationId xmlns:a16="http://schemas.microsoft.com/office/drawing/2014/main" id="{81612960-3983-4854-980B-FAE1F740B720}"/>
               </a:ext>
             </a:extLst>
           </p:cNvPr>
@@ -3121,7 +3050,7 @@
           <p:cNvPr id="3" name="Espaço Reservado para Texto 2">
             <a:extLst>
               <a:ext uri="{FF2B5EF4-FFF2-40B4-BE49-F238E27FC236}">
-                <a16:creationId xmlns:a16="http://schemas.microsoft.com/office/drawing/2014/main" id="{474BEDE1-9866-40C4-B60F-4700C77D90BB}"/>
+                <a16:creationId xmlns:a16="http://schemas.microsoft.com/office/drawing/2014/main" id="{6A2CC7B1-A8DB-4A61-BD13-DAE235B34299}"/>
               </a:ext>
             </a:extLst>
           </p:cNvPr>
@@ -3188,7 +3117,7 @@
           <p:cNvPr id="4" name="Espaço Reservado para Data 3">
             <a:extLst>
               <a:ext uri="{FF2B5EF4-FFF2-40B4-BE49-F238E27FC236}">
-                <a16:creationId xmlns:a16="http://schemas.microsoft.com/office/drawing/2014/main" id="{27F2DA29-B2FB-4D0C-BF84-559EB1511D9B}"/>
+                <a16:creationId xmlns:a16="http://schemas.microsoft.com/office/drawing/2014/main" id="{3AE6FFE8-59D2-40BC-B1A9-34D227E60227}"/>
               </a:ext>
             </a:extLst>
           </p:cNvPr>
@@ -3222,9 +3151,9 @@
             </a:lvl1pPr>
           </a:lstStyle>
           <a:p>
-            <a:fld id="{885A1EB5-47DA-4404-95B8-F00C3EF787DD}" type="datetimeFigureOut">
+            <a:fld id="{48AD8ADD-60C6-46E8-8A1E-D4FFAF373B58}" type="datetimeFigureOut">
               <a:rPr lang="pt-BR" smtClean="0"/>
-              <a:t>18/03/2021</a:t>
+              <a:t>26/04/2021</a:t>
             </a:fld>
             <a:endParaRPr lang="pt-BR"/>
           </a:p>
@@ -3235,7 +3164,7 @@
           <p:cNvPr id="5" name="Espaço Reservado para Rodapé 4">
             <a:extLst>
               <a:ext uri="{FF2B5EF4-FFF2-40B4-BE49-F238E27FC236}">
-                <a16:creationId xmlns:a16="http://schemas.microsoft.com/office/drawing/2014/main" id="{215F57DC-AA12-4026-AD1F-1DD70DC33DFB}"/>
+                <a16:creationId xmlns:a16="http://schemas.microsoft.com/office/drawing/2014/main" id="{3AF662AC-FDCB-4393-B525-E4D17C945CCE}"/>
               </a:ext>
             </a:extLst>
           </p:cNvPr>
@@ -3278,7 +3207,7 @@
           <p:cNvPr id="6" name="Espaço Reservado para Número de Slide 5">
             <a:extLst>
               <a:ext uri="{FF2B5EF4-FFF2-40B4-BE49-F238E27FC236}">
-                <a16:creationId xmlns:a16="http://schemas.microsoft.com/office/drawing/2014/main" id="{F2A43EA6-8BA2-4456-852D-8C651B4863C5}"/>
+                <a16:creationId xmlns:a16="http://schemas.microsoft.com/office/drawing/2014/main" id="{37B99D70-489D-40FD-BA30-24A4C19EBBFD}"/>
               </a:ext>
             </a:extLst>
           </p:cNvPr>
@@ -3312,7 +3241,7 @@
             </a:lvl1pPr>
           </a:lstStyle>
           <a:p>
-            <a:fld id="{EE57F14E-95F8-4AE7-B670-416F0ED8009C}" type="slidenum">
+            <a:fld id="{1A566420-9390-4428-8CD0-DC8BDEBA8799}" type="slidenum">
               <a:rPr lang="pt-BR" smtClean="0"/>
               <a:t>‹nº›</a:t>
             </a:fld>
@@ -3323,7 +3252,7 @@
     </p:spTree>
     <p:extLst>
       <p:ext uri="{BB962C8B-B14F-4D97-AF65-F5344CB8AC3E}">
-        <p14:creationId xmlns:p14="http://schemas.microsoft.com/office/powerpoint/2010/main" val="1584118132"/>
+        <p14:creationId xmlns:p14="http://schemas.microsoft.com/office/powerpoint/2010/main" val="1580651127"/>
       </p:ext>
     </p:extLst>
   </p:cSld>
@@ -3643,10 +3572,10 @@
       </p:grpSpPr>
       <p:pic>
         <p:nvPicPr>
-          <p:cNvPr id="3" name="Imagem 2">
-            <a:extLst>
-              <a:ext uri="{FF2B5EF4-FFF2-40B4-BE49-F238E27FC236}">
-                <a16:creationId xmlns:a16="http://schemas.microsoft.com/office/drawing/2014/main" id="{CC03DBA7-2994-4EA3-9DD2-90DF513BFAB1}"/>
+          <p:cNvPr id="5" name="Imagem 4">
+            <a:extLst>
+              <a:ext uri="{FF2B5EF4-FFF2-40B4-BE49-F238E27FC236}">
+                <a16:creationId xmlns:a16="http://schemas.microsoft.com/office/drawing/2014/main" id="{AD6F5FB4-F449-463F-84A0-732179F695E7}"/>
               </a:ext>
             </a:extLst>
           </p:cNvPr>
@@ -3663,8 +3592,8 @@
         </p:blipFill>
         <p:spPr>
           <a:xfrm>
-            <a:off x="1696278" y="543339"/>
-            <a:ext cx="8574157" cy="5632174"/>
+            <a:off x="1327053" y="833510"/>
+            <a:ext cx="9537894" cy="5190979"/>
           </a:xfrm>
           <a:prstGeom prst="rect">
             <a:avLst/>
@@ -3674,7 +3603,7 @@
     </p:spTree>
     <p:extLst>
       <p:ext uri="{BB962C8B-B14F-4D97-AF65-F5344CB8AC3E}">
-        <p14:creationId xmlns:p14="http://schemas.microsoft.com/office/powerpoint/2010/main" val="4290759109"/>
+        <p14:creationId xmlns:p14="http://schemas.microsoft.com/office/powerpoint/2010/main" val="2488878171"/>
       </p:ext>
     </p:extLst>
   </p:cSld>
@@ -3706,7 +3635,7 @@
           <p:cNvPr id="3" name="Imagem 2">
             <a:extLst>
               <a:ext uri="{FF2B5EF4-FFF2-40B4-BE49-F238E27FC236}">
-                <a16:creationId xmlns:a16="http://schemas.microsoft.com/office/drawing/2014/main" id="{EFF4CB1C-C7D1-4309-84AB-3407FF68AB13}"/>
+                <a16:creationId xmlns:a16="http://schemas.microsoft.com/office/drawing/2014/main" id="{F60A0B68-7F67-4328-A6E2-59A97D1E1C25}"/>
               </a:ext>
             </a:extLst>
           </p:cNvPr>
@@ -3723,8 +3652,8 @@
         </p:blipFill>
         <p:spPr>
           <a:xfrm>
-            <a:off x="2537916" y="1171260"/>
-            <a:ext cx="7116168" cy="4515480"/>
+            <a:off x="2656995" y="1233181"/>
+            <a:ext cx="6878010" cy="4391638"/>
           </a:xfrm>
           <a:prstGeom prst="rect">
             <a:avLst/>
@@ -3734,7 +3663,7 @@
     </p:spTree>
     <p:extLst>
       <p:ext uri="{BB962C8B-B14F-4D97-AF65-F5344CB8AC3E}">
-        <p14:creationId xmlns:p14="http://schemas.microsoft.com/office/powerpoint/2010/main" val="2149670550"/>
+        <p14:creationId xmlns:p14="http://schemas.microsoft.com/office/powerpoint/2010/main" val="3713336375"/>
       </p:ext>
     </p:extLst>
   </p:cSld>
@@ -3766,7 +3695,7 @@
           <p:cNvPr id="3" name="Imagem 2">
             <a:extLst>
               <a:ext uri="{FF2B5EF4-FFF2-40B4-BE49-F238E27FC236}">
-                <a16:creationId xmlns:a16="http://schemas.microsoft.com/office/drawing/2014/main" id="{50E22167-14EE-4738-AB79-D4B567BF92E7}"/>
+                <a16:creationId xmlns:a16="http://schemas.microsoft.com/office/drawing/2014/main" id="{07EE2292-DBD6-47FC-86C8-E5A610AB2032}"/>
               </a:ext>
             </a:extLst>
           </p:cNvPr>
@@ -3783,8 +3712,8 @@
         </p:blipFill>
         <p:spPr>
           <a:xfrm>
-            <a:off x="2475995" y="1133154"/>
-            <a:ext cx="7240010" cy="4591691"/>
+            <a:off x="2666521" y="1185549"/>
+            <a:ext cx="6858957" cy="4486901"/>
           </a:xfrm>
           <a:prstGeom prst="rect">
             <a:avLst/>
@@ -3794,7 +3723,187 @@
     </p:spTree>
     <p:extLst>
       <p:ext uri="{BB962C8B-B14F-4D97-AF65-F5344CB8AC3E}">
-        <p14:creationId xmlns:p14="http://schemas.microsoft.com/office/powerpoint/2010/main" val="2640794827"/>
+        <p14:creationId xmlns:p14="http://schemas.microsoft.com/office/powerpoint/2010/main" val="3552760798"/>
+      </p:ext>
+    </p:extLst>
+  </p:cSld>
+  <p:clrMapOvr>
+    <a:masterClrMapping/>
+  </p:clrMapOvr>
+</p:sld>
+</file>
+
+<file path=ppt/slides/slide12.xml><?xml version="1.0" encoding="utf-8"?>
+<p:sld xmlns:a="http://schemas.openxmlformats.org/drawingml/2006/main" xmlns:r="http://schemas.openxmlformats.org/officeDocument/2006/relationships" xmlns:p="http://schemas.openxmlformats.org/presentationml/2006/main">
+  <p:cSld>
+    <p:spTree>
+      <p:nvGrpSpPr>
+        <p:cNvPr id="1" name=""/>
+        <p:cNvGrpSpPr/>
+        <p:nvPr/>
+      </p:nvGrpSpPr>
+      <p:grpSpPr>
+        <a:xfrm>
+          <a:off x="0" y="0"/>
+          <a:ext cx="0" cy="0"/>
+          <a:chOff x="0" y="0"/>
+          <a:chExt cx="0" cy="0"/>
+        </a:xfrm>
+      </p:grpSpPr>
+      <p:pic>
+        <p:nvPicPr>
+          <p:cNvPr id="3" name="Imagem 2">
+            <a:extLst>
+              <a:ext uri="{FF2B5EF4-FFF2-40B4-BE49-F238E27FC236}">
+                <a16:creationId xmlns:a16="http://schemas.microsoft.com/office/drawing/2014/main" id="{536C8A9C-9EFC-4DE0-9504-43EFB22AB4E6}"/>
+              </a:ext>
+            </a:extLst>
+          </p:cNvPr>
+          <p:cNvPicPr>
+            <a:picLocks noChangeAspect="1"/>
+          </p:cNvPicPr>
+          <p:nvPr/>
+        </p:nvPicPr>
+        <p:blipFill>
+          <a:blip r:embed="rId2"/>
+          <a:stretch>
+            <a:fillRect/>
+          </a:stretch>
+        </p:blipFill>
+        <p:spPr>
+          <a:xfrm>
+            <a:off x="2518863" y="1133154"/>
+            <a:ext cx="7154273" cy="4591691"/>
+          </a:xfrm>
+          <a:prstGeom prst="rect">
+            <a:avLst/>
+          </a:prstGeom>
+        </p:spPr>
+      </p:pic>
+    </p:spTree>
+    <p:extLst>
+      <p:ext uri="{BB962C8B-B14F-4D97-AF65-F5344CB8AC3E}">
+        <p14:creationId xmlns:p14="http://schemas.microsoft.com/office/powerpoint/2010/main" val="1836442153"/>
+      </p:ext>
+    </p:extLst>
+  </p:cSld>
+  <p:clrMapOvr>
+    <a:masterClrMapping/>
+  </p:clrMapOvr>
+</p:sld>
+</file>
+
+<file path=ppt/slides/slide13.xml><?xml version="1.0" encoding="utf-8"?>
+<p:sld xmlns:a="http://schemas.openxmlformats.org/drawingml/2006/main" xmlns:r="http://schemas.openxmlformats.org/officeDocument/2006/relationships" xmlns:p="http://schemas.openxmlformats.org/presentationml/2006/main">
+  <p:cSld>
+    <p:spTree>
+      <p:nvGrpSpPr>
+        <p:cNvPr id="1" name=""/>
+        <p:cNvGrpSpPr/>
+        <p:nvPr/>
+      </p:nvGrpSpPr>
+      <p:grpSpPr>
+        <a:xfrm>
+          <a:off x="0" y="0"/>
+          <a:ext cx="0" cy="0"/>
+          <a:chOff x="0" y="0"/>
+          <a:chExt cx="0" cy="0"/>
+        </a:xfrm>
+      </p:grpSpPr>
+      <p:pic>
+        <p:nvPicPr>
+          <p:cNvPr id="3" name="Imagem 2">
+            <a:extLst>
+              <a:ext uri="{FF2B5EF4-FFF2-40B4-BE49-F238E27FC236}">
+                <a16:creationId xmlns:a16="http://schemas.microsoft.com/office/drawing/2014/main" id="{F6973707-83F0-410B-90BF-AA084DAA6797}"/>
+              </a:ext>
+            </a:extLst>
+          </p:cNvPr>
+          <p:cNvPicPr>
+            <a:picLocks noChangeAspect="1"/>
+          </p:cNvPicPr>
+          <p:nvPr/>
+        </p:nvPicPr>
+        <p:blipFill>
+          <a:blip r:embed="rId2"/>
+          <a:stretch>
+            <a:fillRect/>
+          </a:stretch>
+        </p:blipFill>
+        <p:spPr>
+          <a:xfrm>
+            <a:off x="2452179" y="1228418"/>
+            <a:ext cx="7287642" cy="4401164"/>
+          </a:xfrm>
+          <a:prstGeom prst="rect">
+            <a:avLst/>
+          </a:prstGeom>
+        </p:spPr>
+      </p:pic>
+    </p:spTree>
+    <p:extLst>
+      <p:ext uri="{BB962C8B-B14F-4D97-AF65-F5344CB8AC3E}">
+        <p14:creationId xmlns:p14="http://schemas.microsoft.com/office/powerpoint/2010/main" val="3138128980"/>
+      </p:ext>
+    </p:extLst>
+  </p:cSld>
+  <p:clrMapOvr>
+    <a:masterClrMapping/>
+  </p:clrMapOvr>
+</p:sld>
+</file>
+
+<file path=ppt/slides/slide14.xml><?xml version="1.0" encoding="utf-8"?>
+<p:sld xmlns:a="http://schemas.openxmlformats.org/drawingml/2006/main" xmlns:r="http://schemas.openxmlformats.org/officeDocument/2006/relationships" xmlns:p="http://schemas.openxmlformats.org/presentationml/2006/main">
+  <p:cSld>
+    <p:spTree>
+      <p:nvGrpSpPr>
+        <p:cNvPr id="1" name=""/>
+        <p:cNvGrpSpPr/>
+        <p:nvPr/>
+      </p:nvGrpSpPr>
+      <p:grpSpPr>
+        <a:xfrm>
+          <a:off x="0" y="0"/>
+          <a:ext cx="0" cy="0"/>
+          <a:chOff x="0" y="0"/>
+          <a:chExt cx="0" cy="0"/>
+        </a:xfrm>
+      </p:grpSpPr>
+      <p:pic>
+        <p:nvPicPr>
+          <p:cNvPr id="3" name="Imagem 2">
+            <a:extLst>
+              <a:ext uri="{FF2B5EF4-FFF2-40B4-BE49-F238E27FC236}">
+                <a16:creationId xmlns:a16="http://schemas.microsoft.com/office/drawing/2014/main" id="{3DBE0D0A-8B1A-4F95-A78D-59E1E3595AB7}"/>
+              </a:ext>
+            </a:extLst>
+          </p:cNvPr>
+          <p:cNvPicPr>
+            <a:picLocks noChangeAspect="1"/>
+          </p:cNvPicPr>
+          <p:nvPr/>
+        </p:nvPicPr>
+        <p:blipFill>
+          <a:blip r:embed="rId2"/>
+          <a:stretch>
+            <a:fillRect/>
+          </a:stretch>
+        </p:blipFill>
+        <p:spPr>
+          <a:xfrm>
+            <a:off x="2523626" y="1237944"/>
+            <a:ext cx="7144747" cy="4382112"/>
+          </a:xfrm>
+          <a:prstGeom prst="rect">
+            <a:avLst/>
+          </a:prstGeom>
+        </p:spPr>
+      </p:pic>
+    </p:spTree>
+    <p:extLst>
+      <p:ext uri="{BB962C8B-B14F-4D97-AF65-F5344CB8AC3E}">
+        <p14:creationId xmlns:p14="http://schemas.microsoft.com/office/powerpoint/2010/main" val="1962836564"/>
       </p:ext>
     </p:extLst>
   </p:cSld>
@@ -3823,10 +3932,10 @@
       </p:grpSpPr>
       <p:pic>
         <p:nvPicPr>
-          <p:cNvPr id="4" name="Imagem 3">
-            <a:extLst>
-              <a:ext uri="{FF2B5EF4-FFF2-40B4-BE49-F238E27FC236}">
-                <a16:creationId xmlns:a16="http://schemas.microsoft.com/office/drawing/2014/main" id="{BFBBB5DF-483C-4400-A187-7779915E05B3}"/>
+          <p:cNvPr id="3" name="Imagem 2">
+            <a:extLst>
+              <a:ext uri="{FF2B5EF4-FFF2-40B4-BE49-F238E27FC236}">
+                <a16:creationId xmlns:a16="http://schemas.microsoft.com/office/drawing/2014/main" id="{A71CD0A3-B673-4FE8-B4C3-1720787EA64E}"/>
               </a:ext>
             </a:extLst>
           </p:cNvPr>
@@ -3843,8 +3952,8 @@
         </p:blipFill>
         <p:spPr>
           <a:xfrm>
-            <a:off x="2542679" y="1071233"/>
-            <a:ext cx="7106642" cy="4715533"/>
+            <a:off x="2399784" y="1052181"/>
+            <a:ext cx="7392432" cy="4753638"/>
           </a:xfrm>
           <a:prstGeom prst="rect">
             <a:avLst/>
@@ -3854,7 +3963,7 @@
     </p:spTree>
     <p:extLst>
       <p:ext uri="{BB962C8B-B14F-4D97-AF65-F5344CB8AC3E}">
-        <p14:creationId xmlns:p14="http://schemas.microsoft.com/office/powerpoint/2010/main" val="1282979026"/>
+        <p14:creationId xmlns:p14="http://schemas.microsoft.com/office/powerpoint/2010/main" val="4168731958"/>
       </p:ext>
     </p:extLst>
   </p:cSld>
@@ -3883,10 +3992,10 @@
       </p:grpSpPr>
       <p:pic>
         <p:nvPicPr>
-          <p:cNvPr id="4" name="Imagem 3">
-            <a:extLst>
-              <a:ext uri="{FF2B5EF4-FFF2-40B4-BE49-F238E27FC236}">
-                <a16:creationId xmlns:a16="http://schemas.microsoft.com/office/drawing/2014/main" id="{7B10699E-1D0F-43F9-A906-10BFBC686BC2}"/>
+          <p:cNvPr id="3" name="Imagem 2">
+            <a:extLst>
+              <a:ext uri="{FF2B5EF4-FFF2-40B4-BE49-F238E27FC236}">
+                <a16:creationId xmlns:a16="http://schemas.microsoft.com/office/drawing/2014/main" id="{0E74A3D2-3C80-4C07-90FE-7C2CE89D5943}"/>
               </a:ext>
             </a:extLst>
           </p:cNvPr>
@@ -3903,8 +4012,8 @@
         </p:blipFill>
         <p:spPr>
           <a:xfrm>
-            <a:off x="2518863" y="1118865"/>
-            <a:ext cx="7154273" cy="4620270"/>
+            <a:off x="2499810" y="1161733"/>
+            <a:ext cx="7192379" cy="4534533"/>
           </a:xfrm>
           <a:prstGeom prst="rect">
             <a:avLst/>
@@ -3914,7 +4023,7 @@
     </p:spTree>
     <p:extLst>
       <p:ext uri="{BB962C8B-B14F-4D97-AF65-F5344CB8AC3E}">
-        <p14:creationId xmlns:p14="http://schemas.microsoft.com/office/powerpoint/2010/main" val="384514359"/>
+        <p14:creationId xmlns:p14="http://schemas.microsoft.com/office/powerpoint/2010/main" val="2026504361"/>
       </p:ext>
     </p:extLst>
   </p:cSld>
@@ -3943,10 +4052,10 @@
       </p:grpSpPr>
       <p:pic>
         <p:nvPicPr>
-          <p:cNvPr id="4" name="Imagem 3">
-            <a:extLst>
-              <a:ext uri="{FF2B5EF4-FFF2-40B4-BE49-F238E27FC236}">
-                <a16:creationId xmlns:a16="http://schemas.microsoft.com/office/drawing/2014/main" id="{F9B34111-EA45-43CF-812A-3EB51A713654}"/>
+          <p:cNvPr id="3" name="Imagem 2">
+            <a:extLst>
+              <a:ext uri="{FF2B5EF4-FFF2-40B4-BE49-F238E27FC236}">
+                <a16:creationId xmlns:a16="http://schemas.microsoft.com/office/drawing/2014/main" id="{7A756C40-E73E-4F5B-B2CC-417167886791}"/>
               </a:ext>
             </a:extLst>
           </p:cNvPr>
@@ -3963,8 +4072,8 @@
         </p:blipFill>
         <p:spPr>
           <a:xfrm>
-            <a:off x="2561732" y="1142681"/>
-            <a:ext cx="7068536" cy="4572638"/>
+            <a:off x="2271178" y="1142681"/>
+            <a:ext cx="7649643" cy="4572638"/>
           </a:xfrm>
           <a:prstGeom prst="rect">
             <a:avLst/>
@@ -3974,7 +4083,7 @@
     </p:spTree>
     <p:extLst>
       <p:ext uri="{BB962C8B-B14F-4D97-AF65-F5344CB8AC3E}">
-        <p14:creationId xmlns:p14="http://schemas.microsoft.com/office/powerpoint/2010/main" val="250224596"/>
+        <p14:creationId xmlns:p14="http://schemas.microsoft.com/office/powerpoint/2010/main" val="671569579"/>
       </p:ext>
     </p:extLst>
   </p:cSld>
@@ -4003,10 +4112,10 @@
       </p:grpSpPr>
       <p:pic>
         <p:nvPicPr>
-          <p:cNvPr id="4" name="Imagem 3">
-            <a:extLst>
-              <a:ext uri="{FF2B5EF4-FFF2-40B4-BE49-F238E27FC236}">
-                <a16:creationId xmlns:a16="http://schemas.microsoft.com/office/drawing/2014/main" id="{F3C1B466-EB1E-46E7-9D21-AFCB243D7982}"/>
+          <p:cNvPr id="3" name="Imagem 2">
+            <a:extLst>
+              <a:ext uri="{FF2B5EF4-FFF2-40B4-BE49-F238E27FC236}">
+                <a16:creationId xmlns:a16="http://schemas.microsoft.com/office/drawing/2014/main" id="{28C11E3F-B92B-49E2-83EB-ADD42462208A}"/>
               </a:ext>
             </a:extLst>
           </p:cNvPr>
@@ -4023,8 +4132,8 @@
         </p:blipFill>
         <p:spPr>
           <a:xfrm>
-            <a:off x="2585547" y="1114102"/>
-            <a:ext cx="7020905" cy="4629796"/>
+            <a:off x="2433126" y="1176023"/>
+            <a:ext cx="7325747" cy="4505954"/>
           </a:xfrm>
           <a:prstGeom prst="rect">
             <a:avLst/>
@@ -4034,7 +4143,7 @@
     </p:spTree>
     <p:extLst>
       <p:ext uri="{BB962C8B-B14F-4D97-AF65-F5344CB8AC3E}">
-        <p14:creationId xmlns:p14="http://schemas.microsoft.com/office/powerpoint/2010/main" val="1031129762"/>
+        <p14:creationId xmlns:p14="http://schemas.microsoft.com/office/powerpoint/2010/main" val="123587919"/>
       </p:ext>
     </p:extLst>
   </p:cSld>
@@ -4063,10 +4172,10 @@
       </p:grpSpPr>
       <p:pic>
         <p:nvPicPr>
-          <p:cNvPr id="4" name="Imagem 3">
-            <a:extLst>
-              <a:ext uri="{FF2B5EF4-FFF2-40B4-BE49-F238E27FC236}">
-                <a16:creationId xmlns:a16="http://schemas.microsoft.com/office/drawing/2014/main" id="{9CF03ACE-0213-4ECE-8093-9F1AC0368B2A}"/>
+          <p:cNvPr id="3" name="Imagem 2">
+            <a:extLst>
+              <a:ext uri="{FF2B5EF4-FFF2-40B4-BE49-F238E27FC236}">
+                <a16:creationId xmlns:a16="http://schemas.microsoft.com/office/drawing/2014/main" id="{1A629BCE-7E90-4D59-921A-68536EE12728}"/>
               </a:ext>
             </a:extLst>
           </p:cNvPr>
@@ -4083,8 +4192,8 @@
         </p:blipFill>
         <p:spPr>
           <a:xfrm>
-            <a:off x="2666521" y="1114102"/>
-            <a:ext cx="6858957" cy="4629796"/>
+            <a:off x="2375968" y="1123628"/>
+            <a:ext cx="7440063" cy="4610743"/>
           </a:xfrm>
           <a:prstGeom prst="rect">
             <a:avLst/>
@@ -4094,7 +4203,7 @@
     </p:spTree>
     <p:extLst>
       <p:ext uri="{BB962C8B-B14F-4D97-AF65-F5344CB8AC3E}">
-        <p14:creationId xmlns:p14="http://schemas.microsoft.com/office/powerpoint/2010/main" val="336339482"/>
+        <p14:creationId xmlns:p14="http://schemas.microsoft.com/office/powerpoint/2010/main" val="1869228466"/>
       </p:ext>
     </p:extLst>
   </p:cSld>
@@ -4123,10 +4232,10 @@
       </p:grpSpPr>
       <p:pic>
         <p:nvPicPr>
-          <p:cNvPr id="4" name="Imagem 3">
-            <a:extLst>
-              <a:ext uri="{FF2B5EF4-FFF2-40B4-BE49-F238E27FC236}">
-                <a16:creationId xmlns:a16="http://schemas.microsoft.com/office/drawing/2014/main" id="{2993A6E7-9562-413B-ADFB-66D28D05CB49}"/>
+          <p:cNvPr id="3" name="Imagem 2">
+            <a:extLst>
+              <a:ext uri="{FF2B5EF4-FFF2-40B4-BE49-F238E27FC236}">
+                <a16:creationId xmlns:a16="http://schemas.microsoft.com/office/drawing/2014/main" id="{73E3D0F1-8949-4374-AC7F-A8314D0751FB}"/>
               </a:ext>
             </a:extLst>
           </p:cNvPr>
@@ -4143,8 +4252,8 @@
         </p:blipFill>
         <p:spPr>
           <a:xfrm>
-            <a:off x="2552205" y="1095049"/>
-            <a:ext cx="7087589" cy="4667901"/>
+            <a:off x="2542679" y="1147444"/>
+            <a:ext cx="7106642" cy="4563112"/>
           </a:xfrm>
           <a:prstGeom prst="rect">
             <a:avLst/>
@@ -4154,7 +4263,7 @@
     </p:spTree>
     <p:extLst>
       <p:ext uri="{BB962C8B-B14F-4D97-AF65-F5344CB8AC3E}">
-        <p14:creationId xmlns:p14="http://schemas.microsoft.com/office/powerpoint/2010/main" val="477494429"/>
+        <p14:creationId xmlns:p14="http://schemas.microsoft.com/office/powerpoint/2010/main" val="1380495612"/>
       </p:ext>
     </p:extLst>
   </p:cSld>
@@ -4183,10 +4292,10 @@
       </p:grpSpPr>
       <p:pic>
         <p:nvPicPr>
-          <p:cNvPr id="4" name="Imagem 3">
-            <a:extLst>
-              <a:ext uri="{FF2B5EF4-FFF2-40B4-BE49-F238E27FC236}">
-                <a16:creationId xmlns:a16="http://schemas.microsoft.com/office/drawing/2014/main" id="{2BB5DCCF-B839-43AC-B9BB-73CF30F2C260}"/>
+          <p:cNvPr id="3" name="Imagem 2">
+            <a:extLst>
+              <a:ext uri="{FF2B5EF4-FFF2-40B4-BE49-F238E27FC236}">
+                <a16:creationId xmlns:a16="http://schemas.microsoft.com/office/drawing/2014/main" id="{5FE3B980-D2FA-4E0A-964C-D844F8D9240E}"/>
               </a:ext>
             </a:extLst>
           </p:cNvPr>
@@ -4203,8 +4312,8 @@
         </p:blipFill>
         <p:spPr>
           <a:xfrm>
-            <a:off x="2614126" y="1066470"/>
-            <a:ext cx="6963747" cy="4725059"/>
+            <a:off x="2652232" y="1180786"/>
+            <a:ext cx="6887536" cy="4496427"/>
           </a:xfrm>
           <a:prstGeom prst="rect">
             <a:avLst/>
@@ -4214,7 +4323,7 @@
     </p:spTree>
     <p:extLst>
       <p:ext uri="{BB962C8B-B14F-4D97-AF65-F5344CB8AC3E}">
-        <p14:creationId xmlns:p14="http://schemas.microsoft.com/office/powerpoint/2010/main" val="206910053"/>
+        <p14:creationId xmlns:p14="http://schemas.microsoft.com/office/powerpoint/2010/main" val="1356620411"/>
       </p:ext>
     </p:extLst>
   </p:cSld>
@@ -4243,10 +4352,10 @@
       </p:grpSpPr>
       <p:pic>
         <p:nvPicPr>
-          <p:cNvPr id="4" name="Imagem 3">
-            <a:extLst>
-              <a:ext uri="{FF2B5EF4-FFF2-40B4-BE49-F238E27FC236}">
-                <a16:creationId xmlns:a16="http://schemas.microsoft.com/office/drawing/2014/main" id="{7FA2C0D2-9247-4C3D-9E9A-876276102F13}"/>
+          <p:cNvPr id="3" name="Imagem 2">
+            <a:extLst>
+              <a:ext uri="{FF2B5EF4-FFF2-40B4-BE49-F238E27FC236}">
+                <a16:creationId xmlns:a16="http://schemas.microsoft.com/office/drawing/2014/main" id="{E3221B9E-D728-49BD-BA82-8AFD11DCC22D}"/>
               </a:ext>
             </a:extLst>
           </p:cNvPr>
@@ -4263,8 +4372,8 @@
         </p:blipFill>
         <p:spPr>
           <a:xfrm>
-            <a:off x="2628416" y="1195075"/>
-            <a:ext cx="6935168" cy="4467849"/>
+            <a:off x="2556968" y="1195075"/>
+            <a:ext cx="7078063" cy="4467849"/>
           </a:xfrm>
           <a:prstGeom prst="rect">
             <a:avLst/>
@@ -4274,7 +4383,7 @@
     </p:spTree>
     <p:extLst>
       <p:ext uri="{BB962C8B-B14F-4D97-AF65-F5344CB8AC3E}">
-        <p14:creationId xmlns:p14="http://schemas.microsoft.com/office/powerpoint/2010/main" val="516625275"/>
+        <p14:creationId xmlns:p14="http://schemas.microsoft.com/office/powerpoint/2010/main" val="3756168739"/>
       </p:ext>
     </p:extLst>
   </p:cSld>

--- a/15. Arquitetura de Negócio para cada Cenário.pptx
+++ b/15. Arquitetura de Negócio para cada Cenário.pptx
@@ -8,17 +8,15 @@
     <p:sldId id="256" r:id="rId2"/>
     <p:sldId id="258" r:id="rId3"/>
     <p:sldId id="259" r:id="rId4"/>
-    <p:sldId id="260" r:id="rId5"/>
-    <p:sldId id="261" r:id="rId6"/>
-    <p:sldId id="262" r:id="rId7"/>
-    <p:sldId id="263" r:id="rId8"/>
-    <p:sldId id="264" r:id="rId9"/>
-    <p:sldId id="265" r:id="rId10"/>
-    <p:sldId id="266" r:id="rId11"/>
-    <p:sldId id="267" r:id="rId12"/>
-    <p:sldId id="268" r:id="rId13"/>
-    <p:sldId id="269" r:id="rId14"/>
-    <p:sldId id="270" r:id="rId15"/>
+    <p:sldId id="262" r:id="rId5"/>
+    <p:sldId id="263" r:id="rId6"/>
+    <p:sldId id="264" r:id="rId7"/>
+    <p:sldId id="265" r:id="rId8"/>
+    <p:sldId id="266" r:id="rId9"/>
+    <p:sldId id="267" r:id="rId10"/>
+    <p:sldId id="268" r:id="rId11"/>
+    <p:sldId id="269" r:id="rId12"/>
+    <p:sldId id="270" r:id="rId13"/>
   </p:sldIdLst>
   <p:sldSz cx="12192000" cy="6858000"/>
   <p:notesSz cx="6858000" cy="9144000"/>
@@ -123,6 +121,14 @@
     </p:ext>
   </p:extLst>
 </p:presentation>
+</file>
+
+<file path=ppt/revisionInfo.xml><?xml version="1.0" encoding="utf-8"?>
+<p1510:revInfo xmlns:a="http://schemas.openxmlformats.org/drawingml/2006/main" xmlns:r="http://schemas.openxmlformats.org/officeDocument/2006/relationships" xmlns:p1510="http://schemas.microsoft.com/office/powerpoint/2015/10/main">
+  <p1510:revLst>
+    <p1510:client id="{E2D91821-619F-419C-8DEA-9C0CB342A5E2}" v="222" dt="2021-05-22T01:28:25.176"/>
+  </p1510:revLst>
+</p1510:revInfo>
 </file>
 
 <file path=ppt/changesInfos/changesInfo1.xml><?xml version="1.0" encoding="utf-8"?>
@@ -353,6 +359,369 @@
       </pc:sldChg>
     </pc:docChg>
   </pc:docChgLst>
+  <pc:docChgLst>
+    <pc:chgData name="Leonardo Mateini" userId="102f5cb68d9615ab" providerId="Windows Live" clId="Web-{E2D91821-619F-419C-8DEA-9C0CB342A5E2}"/>
+    <pc:docChg chg="delSld modSld">
+      <pc:chgData name="Leonardo Mateini" userId="102f5cb68d9615ab" providerId="Windows Live" clId="Web-{E2D91821-619F-419C-8DEA-9C0CB342A5E2}" dt="2021-05-22T01:28:25.176" v="201" actId="14100"/>
+      <pc:docMkLst>
+        <pc:docMk/>
+      </pc:docMkLst>
+      <pc:sldChg chg="addSp delSp modSp">
+        <pc:chgData name="Leonardo Mateini" userId="102f5cb68d9615ab" providerId="Windows Live" clId="Web-{E2D91821-619F-419C-8DEA-9C0CB342A5E2}" dt="2021-05-22T01:16:38.069" v="163" actId="1076"/>
+        <pc:sldMkLst>
+          <pc:docMk/>
+          <pc:sldMk cId="2488878171" sldId="256"/>
+        </pc:sldMkLst>
+        <pc:picChg chg="add del mod">
+          <ac:chgData name="Leonardo Mateini" userId="102f5cb68d9615ab" providerId="Windows Live" clId="Web-{E2D91821-619F-419C-8DEA-9C0CB342A5E2}" dt="2021-05-22T01:16:14.553" v="157"/>
+          <ac:picMkLst>
+            <pc:docMk/>
+            <pc:sldMk cId="2488878171" sldId="256"/>
+            <ac:picMk id="2" creationId="{292743D6-262B-494B-8BEF-29F5B2F642E0}"/>
+          </ac:picMkLst>
+        </pc:picChg>
+        <pc:picChg chg="add mod">
+          <ac:chgData name="Leonardo Mateini" userId="102f5cb68d9615ab" providerId="Windows Live" clId="Web-{E2D91821-619F-419C-8DEA-9C0CB342A5E2}" dt="2021-05-22T01:16:38.069" v="163" actId="1076"/>
+          <ac:picMkLst>
+            <pc:docMk/>
+            <pc:sldMk cId="2488878171" sldId="256"/>
+            <ac:picMk id="3" creationId="{4F6FFF1C-7D6D-43B1-9D43-58B0A35C3422}"/>
+          </ac:picMkLst>
+        </pc:picChg>
+        <pc:picChg chg="del">
+          <ac:chgData name="Leonardo Mateini" userId="102f5cb68d9615ab" providerId="Windows Live" clId="Web-{E2D91821-619F-419C-8DEA-9C0CB342A5E2}" dt="2021-05-22T00:48:50.241" v="0"/>
+          <ac:picMkLst>
+            <pc:docMk/>
+            <pc:sldMk cId="2488878171" sldId="256"/>
+            <ac:picMk id="5" creationId="{AD6F5FB4-F449-463F-84A0-732179F695E7}"/>
+          </ac:picMkLst>
+        </pc:picChg>
+      </pc:sldChg>
+      <pc:sldChg chg="addSp delSp modSp">
+        <pc:chgData name="Leonardo Mateini" userId="102f5cb68d9615ab" providerId="Windows Live" clId="Web-{E2D91821-619F-419C-8DEA-9C0CB342A5E2}" dt="2021-05-22T00:53:14.246" v="32" actId="1076"/>
+        <pc:sldMkLst>
+          <pc:docMk/>
+          <pc:sldMk cId="4168731958" sldId="258"/>
+        </pc:sldMkLst>
+        <pc:picChg chg="add mod">
+          <ac:chgData name="Leonardo Mateini" userId="102f5cb68d9615ab" providerId="Windows Live" clId="Web-{E2D91821-619F-419C-8DEA-9C0CB342A5E2}" dt="2021-05-22T00:53:14.246" v="32" actId="1076"/>
+          <ac:picMkLst>
+            <pc:docMk/>
+            <pc:sldMk cId="4168731958" sldId="258"/>
+            <ac:picMk id="2" creationId="{14104F27-C338-4EA9-8065-35ACF513BEE6}"/>
+          </ac:picMkLst>
+        </pc:picChg>
+        <pc:picChg chg="del">
+          <ac:chgData name="Leonardo Mateini" userId="102f5cb68d9615ab" providerId="Windows Live" clId="Web-{E2D91821-619F-419C-8DEA-9C0CB342A5E2}" dt="2021-05-22T00:51:08.837" v="12"/>
+          <ac:picMkLst>
+            <pc:docMk/>
+            <pc:sldMk cId="4168731958" sldId="258"/>
+            <ac:picMk id="3" creationId="{A71CD0A3-B673-4FE8-B4C3-1720787EA64E}"/>
+          </ac:picMkLst>
+        </pc:picChg>
+      </pc:sldChg>
+      <pc:sldChg chg="addSp delSp modSp">
+        <pc:chgData name="Leonardo Mateini" userId="102f5cb68d9615ab" providerId="Windows Live" clId="Web-{E2D91821-619F-419C-8DEA-9C0CB342A5E2}" dt="2021-05-22T00:53:22.668" v="34" actId="1076"/>
+        <pc:sldMkLst>
+          <pc:docMk/>
+          <pc:sldMk cId="2026504361" sldId="259"/>
+        </pc:sldMkLst>
+        <pc:picChg chg="add mod">
+          <ac:chgData name="Leonardo Mateini" userId="102f5cb68d9615ab" providerId="Windows Live" clId="Web-{E2D91821-619F-419C-8DEA-9C0CB342A5E2}" dt="2021-05-22T00:53:22.668" v="34" actId="1076"/>
+          <ac:picMkLst>
+            <pc:docMk/>
+            <pc:sldMk cId="2026504361" sldId="259"/>
+            <ac:picMk id="2" creationId="{4D9D8393-326A-4D9F-AD35-DEE96EFD78FE}"/>
+          </ac:picMkLst>
+        </pc:picChg>
+        <pc:picChg chg="del">
+          <ac:chgData name="Leonardo Mateini" userId="102f5cb68d9615ab" providerId="Windows Live" clId="Web-{E2D91821-619F-419C-8DEA-9C0CB342A5E2}" dt="2021-05-22T00:52:31.901" v="20"/>
+          <ac:picMkLst>
+            <pc:docMk/>
+            <pc:sldMk cId="2026504361" sldId="259"/>
+            <ac:picMk id="3" creationId="{0E74A3D2-3C80-4C07-90FE-7C2CE89D5943}"/>
+          </ac:picMkLst>
+        </pc:picChg>
+      </pc:sldChg>
+      <pc:sldChg chg="del">
+        <pc:chgData name="Leonardo Mateini" userId="102f5cb68d9615ab" providerId="Windows Live" clId="Web-{E2D91821-619F-419C-8DEA-9C0CB342A5E2}" dt="2021-05-22T00:53:40.324" v="35"/>
+        <pc:sldMkLst>
+          <pc:docMk/>
+          <pc:sldMk cId="671569579" sldId="260"/>
+        </pc:sldMkLst>
+      </pc:sldChg>
+      <pc:sldChg chg="del">
+        <pc:chgData name="Leonardo Mateini" userId="102f5cb68d9615ab" providerId="Windows Live" clId="Web-{E2D91821-619F-419C-8DEA-9C0CB342A5E2}" dt="2021-05-22T00:53:43.777" v="36"/>
+        <pc:sldMkLst>
+          <pc:docMk/>
+          <pc:sldMk cId="123587919" sldId="261"/>
+        </pc:sldMkLst>
+      </pc:sldChg>
+      <pc:sldChg chg="addSp delSp modSp">
+        <pc:chgData name="Leonardo Mateini" userId="102f5cb68d9615ab" providerId="Windows Live" clId="Web-{E2D91821-619F-419C-8DEA-9C0CB342A5E2}" dt="2021-05-22T00:55:05.685" v="48" actId="1076"/>
+        <pc:sldMkLst>
+          <pc:docMk/>
+          <pc:sldMk cId="1869228466" sldId="262"/>
+        </pc:sldMkLst>
+        <pc:picChg chg="add mod">
+          <ac:chgData name="Leonardo Mateini" userId="102f5cb68d9615ab" providerId="Windows Live" clId="Web-{E2D91821-619F-419C-8DEA-9C0CB342A5E2}" dt="2021-05-22T00:55:05.685" v="48" actId="1076"/>
+          <ac:picMkLst>
+            <pc:docMk/>
+            <pc:sldMk cId="1869228466" sldId="262"/>
+            <ac:picMk id="2" creationId="{014D5010-88A2-48FE-B8CB-52FAA5D352EC}"/>
+          </ac:picMkLst>
+        </pc:picChg>
+        <pc:picChg chg="del">
+          <ac:chgData name="Leonardo Mateini" userId="102f5cb68d9615ab" providerId="Windows Live" clId="Web-{E2D91821-619F-419C-8DEA-9C0CB342A5E2}" dt="2021-05-22T00:53:47.684" v="37"/>
+          <ac:picMkLst>
+            <pc:docMk/>
+            <pc:sldMk cId="1869228466" sldId="262"/>
+            <ac:picMk id="3" creationId="{1A629BCE-7E90-4D59-921A-68536EE12728}"/>
+          </ac:picMkLst>
+        </pc:picChg>
+      </pc:sldChg>
+      <pc:sldChg chg="addSp delSp modSp">
+        <pc:chgData name="Leonardo Mateini" userId="102f5cb68d9615ab" providerId="Windows Live" clId="Web-{E2D91821-619F-419C-8DEA-9C0CB342A5E2}" dt="2021-05-22T00:57:04.297" v="55" actId="14100"/>
+        <pc:sldMkLst>
+          <pc:docMk/>
+          <pc:sldMk cId="1380495612" sldId="263"/>
+        </pc:sldMkLst>
+        <pc:picChg chg="add mod">
+          <ac:chgData name="Leonardo Mateini" userId="102f5cb68d9615ab" providerId="Windows Live" clId="Web-{E2D91821-619F-419C-8DEA-9C0CB342A5E2}" dt="2021-05-22T00:57:04.297" v="55" actId="14100"/>
+          <ac:picMkLst>
+            <pc:docMk/>
+            <pc:sldMk cId="1380495612" sldId="263"/>
+            <ac:picMk id="2" creationId="{7558F0EA-2FB5-4E78-B3A4-22681A361438}"/>
+          </ac:picMkLst>
+        </pc:picChg>
+        <pc:picChg chg="del">
+          <ac:chgData name="Leonardo Mateini" userId="102f5cb68d9615ab" providerId="Windows Live" clId="Web-{E2D91821-619F-419C-8DEA-9C0CB342A5E2}" dt="2021-05-22T00:55:17.076" v="49"/>
+          <ac:picMkLst>
+            <pc:docMk/>
+            <pc:sldMk cId="1380495612" sldId="263"/>
+            <ac:picMk id="3" creationId="{73E3D0F1-8949-4374-AC7F-A8314D0751FB}"/>
+          </ac:picMkLst>
+        </pc:picChg>
+      </pc:sldChg>
+      <pc:sldChg chg="addSp delSp modSp">
+        <pc:chgData name="Leonardo Mateini" userId="102f5cb68d9615ab" providerId="Windows Live" clId="Web-{E2D91821-619F-419C-8DEA-9C0CB342A5E2}" dt="2021-05-22T00:59:28.175" v="70" actId="14100"/>
+        <pc:sldMkLst>
+          <pc:docMk/>
+          <pc:sldMk cId="1356620411" sldId="264"/>
+        </pc:sldMkLst>
+        <pc:picChg chg="add mod">
+          <ac:chgData name="Leonardo Mateini" userId="102f5cb68d9615ab" providerId="Windows Live" clId="Web-{E2D91821-619F-419C-8DEA-9C0CB342A5E2}" dt="2021-05-22T00:59:28.175" v="70" actId="14100"/>
+          <ac:picMkLst>
+            <pc:docMk/>
+            <pc:sldMk cId="1356620411" sldId="264"/>
+            <ac:picMk id="2" creationId="{31C21C89-5F7B-4C88-98EC-40E0A73ED892}"/>
+          </ac:picMkLst>
+        </pc:picChg>
+        <pc:picChg chg="del">
+          <ac:chgData name="Leonardo Mateini" userId="102f5cb68d9615ab" providerId="Windows Live" clId="Web-{E2D91821-619F-419C-8DEA-9C0CB342A5E2}" dt="2021-05-22T00:58:32.252" v="56"/>
+          <ac:picMkLst>
+            <pc:docMk/>
+            <pc:sldMk cId="1356620411" sldId="264"/>
+            <ac:picMk id="3" creationId="{5FE3B980-D2FA-4E0A-964C-D844F8D9240E}"/>
+          </ac:picMkLst>
+        </pc:picChg>
+      </pc:sldChg>
+      <pc:sldChg chg="addSp delSp modSp">
+        <pc:chgData name="Leonardo Mateini" userId="102f5cb68d9615ab" providerId="Windows Live" clId="Web-{E2D91821-619F-419C-8DEA-9C0CB342A5E2}" dt="2021-05-22T01:01:12.083" v="83" actId="1076"/>
+        <pc:sldMkLst>
+          <pc:docMk/>
+          <pc:sldMk cId="3756168739" sldId="265"/>
+        </pc:sldMkLst>
+        <pc:picChg chg="add mod">
+          <ac:chgData name="Leonardo Mateini" userId="102f5cb68d9615ab" providerId="Windows Live" clId="Web-{E2D91821-619F-419C-8DEA-9C0CB342A5E2}" dt="2021-05-22T01:01:12.083" v="83" actId="1076"/>
+          <ac:picMkLst>
+            <pc:docMk/>
+            <pc:sldMk cId="3756168739" sldId="265"/>
+            <ac:picMk id="2" creationId="{1DC7C314-521F-47E0-AFDC-DDE512D0C219}"/>
+          </ac:picMkLst>
+        </pc:picChg>
+        <pc:picChg chg="del">
+          <ac:chgData name="Leonardo Mateini" userId="102f5cb68d9615ab" providerId="Windows Live" clId="Web-{E2D91821-619F-419C-8DEA-9C0CB342A5E2}" dt="2021-05-22T01:00:10.503" v="71"/>
+          <ac:picMkLst>
+            <pc:docMk/>
+            <pc:sldMk cId="3756168739" sldId="265"/>
+            <ac:picMk id="3" creationId="{E3221B9E-D728-49BD-BA82-8AFD11DCC22D}"/>
+          </ac:picMkLst>
+        </pc:picChg>
+      </pc:sldChg>
+      <pc:sldChg chg="addSp delSp modSp">
+        <pc:chgData name="Leonardo Mateini" userId="102f5cb68d9615ab" providerId="Windows Live" clId="Web-{E2D91821-619F-419C-8DEA-9C0CB342A5E2}" dt="2021-05-22T01:03:25.382" v="94" actId="14100"/>
+        <pc:sldMkLst>
+          <pc:docMk/>
+          <pc:sldMk cId="3713336375" sldId="266"/>
+        </pc:sldMkLst>
+        <pc:picChg chg="add mod">
+          <ac:chgData name="Leonardo Mateini" userId="102f5cb68d9615ab" providerId="Windows Live" clId="Web-{E2D91821-619F-419C-8DEA-9C0CB342A5E2}" dt="2021-05-22T01:03:25.382" v="94" actId="14100"/>
+          <ac:picMkLst>
+            <pc:docMk/>
+            <pc:sldMk cId="3713336375" sldId="266"/>
+            <ac:picMk id="2" creationId="{F662104A-2103-44B6-8118-D4F0352A944E}"/>
+          </ac:picMkLst>
+        </pc:picChg>
+        <pc:picChg chg="del">
+          <ac:chgData name="Leonardo Mateini" userId="102f5cb68d9615ab" providerId="Windows Live" clId="Web-{E2D91821-619F-419C-8DEA-9C0CB342A5E2}" dt="2021-05-22T01:02:45.960" v="84"/>
+          <ac:picMkLst>
+            <pc:docMk/>
+            <pc:sldMk cId="3713336375" sldId="266"/>
+            <ac:picMk id="3" creationId="{F60A0B68-7F67-4328-A6E2-59A97D1E1C25}"/>
+          </ac:picMkLst>
+        </pc:picChg>
+      </pc:sldChg>
+      <pc:sldChg chg="addSp delSp modSp">
+        <pc:chgData name="Leonardo Mateini" userId="102f5cb68d9615ab" providerId="Windows Live" clId="Web-{E2D91821-619F-419C-8DEA-9C0CB342A5E2}" dt="2021-05-22T01:05:15.478" v="105" actId="1076"/>
+        <pc:sldMkLst>
+          <pc:docMk/>
+          <pc:sldMk cId="3552760798" sldId="267"/>
+        </pc:sldMkLst>
+        <pc:picChg chg="add mod">
+          <ac:chgData name="Leonardo Mateini" userId="102f5cb68d9615ab" providerId="Windows Live" clId="Web-{E2D91821-619F-419C-8DEA-9C0CB342A5E2}" dt="2021-05-22T01:05:15.478" v="105" actId="1076"/>
+          <ac:picMkLst>
+            <pc:docMk/>
+            <pc:sldMk cId="3552760798" sldId="267"/>
+            <ac:picMk id="2" creationId="{EA00885D-F5E2-4F99-9380-679B6417047B}"/>
+          </ac:picMkLst>
+        </pc:picChg>
+        <pc:picChg chg="del">
+          <ac:chgData name="Leonardo Mateini" userId="102f5cb68d9615ab" providerId="Windows Live" clId="Web-{E2D91821-619F-419C-8DEA-9C0CB342A5E2}" dt="2021-05-22T01:04:29.446" v="95"/>
+          <ac:picMkLst>
+            <pc:docMk/>
+            <pc:sldMk cId="3552760798" sldId="267"/>
+            <ac:picMk id="3" creationId="{07EE2292-DBD6-47FC-86C8-E5A610AB2032}"/>
+          </ac:picMkLst>
+        </pc:picChg>
+      </pc:sldChg>
+      <pc:sldChg chg="addSp delSp modSp">
+        <pc:chgData name="Leonardo Mateini" userId="102f5cb68d9615ab" providerId="Windows Live" clId="Web-{E2D91821-619F-419C-8DEA-9C0CB342A5E2}" dt="2021-05-22T01:28:25.176" v="201" actId="14100"/>
+        <pc:sldMkLst>
+          <pc:docMk/>
+          <pc:sldMk cId="1836442153" sldId="268"/>
+        </pc:sldMkLst>
+        <pc:picChg chg="add del mod">
+          <ac:chgData name="Leonardo Mateini" userId="102f5cb68d9615ab" providerId="Windows Live" clId="Web-{E2D91821-619F-419C-8DEA-9C0CB342A5E2}" dt="2021-05-22T01:15:11.567" v="150"/>
+          <ac:picMkLst>
+            <pc:docMk/>
+            <pc:sldMk cId="1836442153" sldId="268"/>
+            <ac:picMk id="2" creationId="{F1953EBF-F808-4431-8374-10D68AC36955}"/>
+          </ac:picMkLst>
+        </pc:picChg>
+        <pc:picChg chg="del">
+          <ac:chgData name="Leonardo Mateini" userId="102f5cb68d9615ab" providerId="Windows Live" clId="Web-{E2D91821-619F-419C-8DEA-9C0CB342A5E2}" dt="2021-05-22T01:06:45.339" v="106"/>
+          <ac:picMkLst>
+            <pc:docMk/>
+            <pc:sldMk cId="1836442153" sldId="268"/>
+            <ac:picMk id="3" creationId="{536C8A9C-9EFC-4DE0-9504-43EFB22AB4E6}"/>
+          </ac:picMkLst>
+        </pc:picChg>
+        <pc:picChg chg="add del mod">
+          <ac:chgData name="Leonardo Mateini" userId="102f5cb68d9615ab" providerId="Windows Live" clId="Web-{E2D91821-619F-419C-8DEA-9C0CB342A5E2}" dt="2021-05-22T01:27:52.941" v="192"/>
+          <ac:picMkLst>
+            <pc:docMk/>
+            <pc:sldMk cId="1836442153" sldId="268"/>
+            <ac:picMk id="4" creationId="{E643356C-7562-47D4-A330-2D822804310A}"/>
+          </ac:picMkLst>
+        </pc:picChg>
+        <pc:picChg chg="add mod">
+          <ac:chgData name="Leonardo Mateini" userId="102f5cb68d9615ab" providerId="Windows Live" clId="Web-{E2D91821-619F-419C-8DEA-9C0CB342A5E2}" dt="2021-05-22T01:28:25.176" v="201" actId="14100"/>
+          <ac:picMkLst>
+            <pc:docMk/>
+            <pc:sldMk cId="1836442153" sldId="268"/>
+            <ac:picMk id="5" creationId="{AF3D9253-5CEA-4B82-87FD-53213D13FC46}"/>
+          </ac:picMkLst>
+        </pc:picChg>
+      </pc:sldChg>
+      <pc:sldChg chg="addSp delSp modSp">
+        <pc:chgData name="Leonardo Mateini" userId="102f5cb68d9615ab" providerId="Windows Live" clId="Web-{E2D91821-619F-419C-8DEA-9C0CB342A5E2}" dt="2021-05-22T01:25:38.876" v="180" actId="14100"/>
+        <pc:sldMkLst>
+          <pc:docMk/>
+          <pc:sldMk cId="3138128980" sldId="269"/>
+        </pc:sldMkLst>
+        <pc:picChg chg="add del mod">
+          <ac:chgData name="Leonardo Mateini" userId="102f5cb68d9615ab" providerId="Windows Live" clId="Web-{E2D91821-619F-419C-8DEA-9C0CB342A5E2}" dt="2021-05-22T01:14:05.691" v="139"/>
+          <ac:picMkLst>
+            <pc:docMk/>
+            <pc:sldMk cId="3138128980" sldId="269"/>
+            <ac:picMk id="2" creationId="{56C06F6D-C32D-4EFE-8607-903C31409D2D}"/>
+          </ac:picMkLst>
+        </pc:picChg>
+        <pc:picChg chg="del">
+          <ac:chgData name="Leonardo Mateini" userId="102f5cb68d9615ab" providerId="Windows Live" clId="Web-{E2D91821-619F-419C-8DEA-9C0CB342A5E2}" dt="2021-05-22T01:07:53.059" v="114"/>
+          <ac:picMkLst>
+            <pc:docMk/>
+            <pc:sldMk cId="3138128980" sldId="269"/>
+            <ac:picMk id="3" creationId="{F6973707-83F0-410B-90BF-AA084DAA6797}"/>
+          </ac:picMkLst>
+        </pc:picChg>
+        <pc:picChg chg="add del mod">
+          <ac:chgData name="Leonardo Mateini" userId="102f5cb68d9615ab" providerId="Windows Live" clId="Web-{E2D91821-619F-419C-8DEA-9C0CB342A5E2}" dt="2021-05-22T01:25:09.032" v="172"/>
+          <ac:picMkLst>
+            <pc:docMk/>
+            <pc:sldMk cId="3138128980" sldId="269"/>
+            <ac:picMk id="4" creationId="{1F64FA41-B47E-46F9-A2AA-F6CA750E7EB4}"/>
+          </ac:picMkLst>
+        </pc:picChg>
+        <pc:picChg chg="add mod">
+          <ac:chgData name="Leonardo Mateini" userId="102f5cb68d9615ab" providerId="Windows Live" clId="Web-{E2D91821-619F-419C-8DEA-9C0CB342A5E2}" dt="2021-05-22T01:25:38.876" v="180" actId="14100"/>
+          <ac:picMkLst>
+            <pc:docMk/>
+            <pc:sldMk cId="3138128980" sldId="269"/>
+            <ac:picMk id="5" creationId="{D16B5446-E619-453B-8576-B7E690B5B473}"/>
+          </ac:picMkLst>
+        </pc:picChg>
+      </pc:sldChg>
+      <pc:sldChg chg="addSp delSp modSp">
+        <pc:chgData name="Leonardo Mateini" userId="102f5cb68d9615ab" providerId="Windows Live" clId="Web-{E2D91821-619F-419C-8DEA-9C0CB342A5E2}" dt="2021-05-22T01:27:18.972" v="191" actId="14100"/>
+        <pc:sldMkLst>
+          <pc:docMk/>
+          <pc:sldMk cId="1962836564" sldId="270"/>
+        </pc:sldMkLst>
+        <pc:picChg chg="add del mod">
+          <ac:chgData name="Leonardo Mateini" userId="102f5cb68d9615ab" providerId="Windows Live" clId="Web-{E2D91821-619F-419C-8DEA-9C0CB342A5E2}" dt="2021-05-22T01:13:11.753" v="132"/>
+          <ac:picMkLst>
+            <pc:docMk/>
+            <pc:sldMk cId="1962836564" sldId="270"/>
+            <ac:picMk id="2" creationId="{69BF7774-4D86-4A2A-9793-566BB821C644}"/>
+          </ac:picMkLst>
+        </pc:picChg>
+        <pc:picChg chg="del">
+          <ac:chgData name="Leonardo Mateini" userId="102f5cb68d9615ab" providerId="Windows Live" clId="Web-{E2D91821-619F-419C-8DEA-9C0CB342A5E2}" dt="2021-05-22T01:09:08.592" v="124"/>
+          <ac:picMkLst>
+            <pc:docMk/>
+            <pc:sldMk cId="1962836564" sldId="270"/>
+            <ac:picMk id="3" creationId="{3DBE0D0A-8B1A-4F95-A78D-59E1E3595AB7}"/>
+          </ac:picMkLst>
+        </pc:picChg>
+        <pc:picChg chg="add del mod">
+          <ac:chgData name="Leonardo Mateini" userId="102f5cb68d9615ab" providerId="Windows Live" clId="Web-{E2D91821-619F-419C-8DEA-9C0CB342A5E2}" dt="2021-05-22T01:20:33.589" v="164"/>
+          <ac:picMkLst>
+            <pc:docMk/>
+            <pc:sldMk cId="1962836564" sldId="270"/>
+            <ac:picMk id="4" creationId="{657C7945-5F13-4A46-B733-CE179303D7D4}"/>
+          </ac:picMkLst>
+        </pc:picChg>
+        <pc:picChg chg="add del mod">
+          <ac:chgData name="Leonardo Mateini" userId="102f5cb68d9615ab" providerId="Windows Live" clId="Web-{E2D91821-619F-419C-8DEA-9C0CB342A5E2}" dt="2021-05-22T01:26:48.065" v="181"/>
+          <ac:picMkLst>
+            <pc:docMk/>
+            <pc:sldMk cId="1962836564" sldId="270"/>
+            <ac:picMk id="5" creationId="{9BF96D43-1DC0-4157-AAF8-5CAD6A874C93}"/>
+          </ac:picMkLst>
+        </pc:picChg>
+        <pc:picChg chg="add mod">
+          <ac:chgData name="Leonardo Mateini" userId="102f5cb68d9615ab" providerId="Windows Live" clId="Web-{E2D91821-619F-419C-8DEA-9C0CB342A5E2}" dt="2021-05-22T01:27:18.972" v="191" actId="14100"/>
+          <ac:picMkLst>
+            <pc:docMk/>
+            <pc:sldMk cId="1962836564" sldId="270"/>
+            <ac:picMk id="6" creationId="{18FA7E62-1918-4D5A-A596-0A47576B27CD}"/>
+          </ac:picMkLst>
+        </pc:picChg>
+      </pc:sldChg>
+    </pc:docChg>
+  </pc:docChgLst>
 </pc:chgInfo>
 </file>
 
@@ -503,7 +872,7 @@
           <a:p>
             <a:fld id="{48AD8ADD-60C6-46E8-8A1E-D4FFAF373B58}" type="datetimeFigureOut">
               <a:rPr lang="pt-BR" smtClean="0"/>
-              <a:t>26/04/2021</a:t>
+              <a:t>21/05/2021</a:t>
             </a:fld>
             <a:endParaRPr lang="pt-BR"/>
           </a:p>
@@ -701,7 +1070,7 @@
           <a:p>
             <a:fld id="{48AD8ADD-60C6-46E8-8A1E-D4FFAF373B58}" type="datetimeFigureOut">
               <a:rPr lang="pt-BR" smtClean="0"/>
-              <a:t>26/04/2021</a:t>
+              <a:t>21/05/2021</a:t>
             </a:fld>
             <a:endParaRPr lang="pt-BR"/>
           </a:p>
@@ -909,7 +1278,7 @@
           <a:p>
             <a:fld id="{48AD8ADD-60C6-46E8-8A1E-D4FFAF373B58}" type="datetimeFigureOut">
               <a:rPr lang="pt-BR" smtClean="0"/>
-              <a:t>26/04/2021</a:t>
+              <a:t>21/05/2021</a:t>
             </a:fld>
             <a:endParaRPr lang="pt-BR"/>
           </a:p>
@@ -1107,7 +1476,7 @@
           <a:p>
             <a:fld id="{48AD8ADD-60C6-46E8-8A1E-D4FFAF373B58}" type="datetimeFigureOut">
               <a:rPr lang="pt-BR" smtClean="0"/>
-              <a:t>26/04/2021</a:t>
+              <a:t>21/05/2021</a:t>
             </a:fld>
             <a:endParaRPr lang="pt-BR"/>
           </a:p>
@@ -1382,7 +1751,7 @@
           <a:p>
             <a:fld id="{48AD8ADD-60C6-46E8-8A1E-D4FFAF373B58}" type="datetimeFigureOut">
               <a:rPr lang="pt-BR" smtClean="0"/>
-              <a:t>26/04/2021</a:t>
+              <a:t>21/05/2021</a:t>
             </a:fld>
             <a:endParaRPr lang="pt-BR"/>
           </a:p>
@@ -1647,7 +2016,7 @@
           <a:p>
             <a:fld id="{48AD8ADD-60C6-46E8-8A1E-D4FFAF373B58}" type="datetimeFigureOut">
               <a:rPr lang="pt-BR" smtClean="0"/>
-              <a:t>26/04/2021</a:t>
+              <a:t>21/05/2021</a:t>
             </a:fld>
             <a:endParaRPr lang="pt-BR"/>
           </a:p>
@@ -2059,7 +2428,7 @@
           <a:p>
             <a:fld id="{48AD8ADD-60C6-46E8-8A1E-D4FFAF373B58}" type="datetimeFigureOut">
               <a:rPr lang="pt-BR" smtClean="0"/>
-              <a:t>26/04/2021</a:t>
+              <a:t>21/05/2021</a:t>
             </a:fld>
             <a:endParaRPr lang="pt-BR"/>
           </a:p>
@@ -2200,7 +2569,7 @@
           <a:p>
             <a:fld id="{48AD8ADD-60C6-46E8-8A1E-D4FFAF373B58}" type="datetimeFigureOut">
               <a:rPr lang="pt-BR" smtClean="0"/>
-              <a:t>26/04/2021</a:t>
+              <a:t>21/05/2021</a:t>
             </a:fld>
             <a:endParaRPr lang="pt-BR"/>
           </a:p>
@@ -2313,7 +2682,7 @@
           <a:p>
             <a:fld id="{48AD8ADD-60C6-46E8-8A1E-D4FFAF373B58}" type="datetimeFigureOut">
               <a:rPr lang="pt-BR" smtClean="0"/>
-              <a:t>26/04/2021</a:t>
+              <a:t>21/05/2021</a:t>
             </a:fld>
             <a:endParaRPr lang="pt-BR"/>
           </a:p>
@@ -2624,7 +2993,7 @@
           <a:p>
             <a:fld id="{48AD8ADD-60C6-46E8-8A1E-D4FFAF373B58}" type="datetimeFigureOut">
               <a:rPr lang="pt-BR" smtClean="0"/>
-              <a:t>26/04/2021</a:t>
+              <a:t>21/05/2021</a:t>
             </a:fld>
             <a:endParaRPr lang="pt-BR"/>
           </a:p>
@@ -2912,7 +3281,7 @@
           <a:p>
             <a:fld id="{48AD8ADD-60C6-46E8-8A1E-D4FFAF373B58}" type="datetimeFigureOut">
               <a:rPr lang="pt-BR" smtClean="0"/>
-              <a:t>26/04/2021</a:t>
+              <a:t>21/05/2021</a:t>
             </a:fld>
             <a:endParaRPr lang="pt-BR"/>
           </a:p>
@@ -3153,7 +3522,7 @@
           <a:p>
             <a:fld id="{48AD8ADD-60C6-46E8-8A1E-D4FFAF373B58}" type="datetimeFigureOut">
               <a:rPr lang="pt-BR" smtClean="0"/>
-              <a:t>26/04/2021</a:t>
+              <a:t>21/05/2021</a:t>
             </a:fld>
             <a:endParaRPr lang="pt-BR"/>
           </a:p>
@@ -3572,10 +3941,10 @@
       </p:grpSpPr>
       <p:pic>
         <p:nvPicPr>
-          <p:cNvPr id="5" name="Imagem 4">
-            <a:extLst>
-              <a:ext uri="{FF2B5EF4-FFF2-40B4-BE49-F238E27FC236}">
-                <a16:creationId xmlns:a16="http://schemas.microsoft.com/office/drawing/2014/main" id="{AD6F5FB4-F449-463F-84A0-732179F695E7}"/>
+          <p:cNvPr id="3" name="Imagem 3" descr="Diagrama&#10;&#10;Descrição gerada automaticamente">
+            <a:extLst>
+              <a:ext uri="{FF2B5EF4-FFF2-40B4-BE49-F238E27FC236}">
+                <a16:creationId xmlns:a16="http://schemas.microsoft.com/office/drawing/2014/main" id="{4F6FFF1C-7D6D-43B1-9D43-58B0A35C3422}"/>
               </a:ext>
             </a:extLst>
           </p:cNvPr>
@@ -3592,8 +3961,8 @@
         </p:blipFill>
         <p:spPr>
           <a:xfrm>
-            <a:off x="1327053" y="833510"/>
-            <a:ext cx="9537894" cy="5190979"/>
+            <a:off x="1128132" y="285275"/>
+            <a:ext cx="10121589" cy="6296743"/>
           </a:xfrm>
           <a:prstGeom prst="rect">
             <a:avLst/>
@@ -3632,10 +4001,10 @@
       </p:grpSpPr>
       <p:pic>
         <p:nvPicPr>
-          <p:cNvPr id="3" name="Imagem 2">
-            <a:extLst>
-              <a:ext uri="{FF2B5EF4-FFF2-40B4-BE49-F238E27FC236}">
-                <a16:creationId xmlns:a16="http://schemas.microsoft.com/office/drawing/2014/main" id="{F60A0B68-7F67-4328-A6E2-59A97D1E1C25}"/>
+          <p:cNvPr id="5" name="Imagem 5" descr="Diagrama&#10;&#10;Descrição gerada automaticamente">
+            <a:extLst>
+              <a:ext uri="{FF2B5EF4-FFF2-40B4-BE49-F238E27FC236}">
+                <a16:creationId xmlns:a16="http://schemas.microsoft.com/office/drawing/2014/main" id="{AF3D9253-5CEA-4B82-87FD-53213D13FC46}"/>
               </a:ext>
             </a:extLst>
           </p:cNvPr>
@@ -3652,8 +4021,8 @@
         </p:blipFill>
         <p:spPr>
           <a:xfrm>
-            <a:off x="2656995" y="1233181"/>
-            <a:ext cx="6878010" cy="4391638"/>
+            <a:off x="1016620" y="1200776"/>
+            <a:ext cx="9935737" cy="4344937"/>
           </a:xfrm>
           <a:prstGeom prst="rect">
             <a:avLst/>
@@ -3663,7 +4032,7 @@
     </p:spTree>
     <p:extLst>
       <p:ext uri="{BB962C8B-B14F-4D97-AF65-F5344CB8AC3E}">
-        <p14:creationId xmlns:p14="http://schemas.microsoft.com/office/powerpoint/2010/main" val="3713336375"/>
+        <p14:creationId xmlns:p14="http://schemas.microsoft.com/office/powerpoint/2010/main" val="1836442153"/>
       </p:ext>
     </p:extLst>
   </p:cSld>
@@ -3692,10 +4061,10 @@
       </p:grpSpPr>
       <p:pic>
         <p:nvPicPr>
-          <p:cNvPr id="3" name="Imagem 2">
-            <a:extLst>
-              <a:ext uri="{FF2B5EF4-FFF2-40B4-BE49-F238E27FC236}">
-                <a16:creationId xmlns:a16="http://schemas.microsoft.com/office/drawing/2014/main" id="{07EE2292-DBD6-47FC-86C8-E5A610AB2032}"/>
+          <p:cNvPr id="5" name="Imagem 5" descr="Diagrama&#10;&#10;Descrição gerada automaticamente">
+            <a:extLst>
+              <a:ext uri="{FF2B5EF4-FFF2-40B4-BE49-F238E27FC236}">
+                <a16:creationId xmlns:a16="http://schemas.microsoft.com/office/drawing/2014/main" id="{D16B5446-E619-453B-8576-B7E690B5B473}"/>
               </a:ext>
             </a:extLst>
           </p:cNvPr>
@@ -3712,8 +4081,8 @@
         </p:blipFill>
         <p:spPr>
           <a:xfrm>
-            <a:off x="2666521" y="1185549"/>
-            <a:ext cx="6858957" cy="4486901"/>
+            <a:off x="1053791" y="1196291"/>
+            <a:ext cx="10093712" cy="4465417"/>
           </a:xfrm>
           <a:prstGeom prst="rect">
             <a:avLst/>
@@ -3723,7 +4092,7 @@
     </p:spTree>
     <p:extLst>
       <p:ext uri="{BB962C8B-B14F-4D97-AF65-F5344CB8AC3E}">
-        <p14:creationId xmlns:p14="http://schemas.microsoft.com/office/powerpoint/2010/main" val="3552760798"/>
+        <p14:creationId xmlns:p14="http://schemas.microsoft.com/office/powerpoint/2010/main" val="3138128980"/>
       </p:ext>
     </p:extLst>
   </p:cSld>
@@ -3752,10 +4121,10 @@
       </p:grpSpPr>
       <p:pic>
         <p:nvPicPr>
-          <p:cNvPr id="3" name="Imagem 2">
-            <a:extLst>
-              <a:ext uri="{FF2B5EF4-FFF2-40B4-BE49-F238E27FC236}">
-                <a16:creationId xmlns:a16="http://schemas.microsoft.com/office/drawing/2014/main" id="{536C8A9C-9EFC-4DE0-9504-43EFB22AB4E6}"/>
+          <p:cNvPr id="6" name="Imagem 6" descr="Diagrama&#10;&#10;Descrição gerada automaticamente">
+            <a:extLst>
+              <a:ext uri="{FF2B5EF4-FFF2-40B4-BE49-F238E27FC236}">
+                <a16:creationId xmlns:a16="http://schemas.microsoft.com/office/drawing/2014/main" id="{18FA7E62-1918-4D5A-A596-0A47576B27CD}"/>
               </a:ext>
             </a:extLst>
           </p:cNvPr>
@@ -3772,128 +4141,8 @@
         </p:blipFill>
         <p:spPr>
           <a:xfrm>
-            <a:off x="2518863" y="1133154"/>
-            <a:ext cx="7154273" cy="4591691"/>
-          </a:xfrm>
-          <a:prstGeom prst="rect">
-            <a:avLst/>
-          </a:prstGeom>
-        </p:spPr>
-      </p:pic>
-    </p:spTree>
-    <p:extLst>
-      <p:ext uri="{BB962C8B-B14F-4D97-AF65-F5344CB8AC3E}">
-        <p14:creationId xmlns:p14="http://schemas.microsoft.com/office/powerpoint/2010/main" val="1836442153"/>
-      </p:ext>
-    </p:extLst>
-  </p:cSld>
-  <p:clrMapOvr>
-    <a:masterClrMapping/>
-  </p:clrMapOvr>
-</p:sld>
-</file>
-
-<file path=ppt/slides/slide13.xml><?xml version="1.0" encoding="utf-8"?>
-<p:sld xmlns:a="http://schemas.openxmlformats.org/drawingml/2006/main" xmlns:r="http://schemas.openxmlformats.org/officeDocument/2006/relationships" xmlns:p="http://schemas.openxmlformats.org/presentationml/2006/main">
-  <p:cSld>
-    <p:spTree>
-      <p:nvGrpSpPr>
-        <p:cNvPr id="1" name=""/>
-        <p:cNvGrpSpPr/>
-        <p:nvPr/>
-      </p:nvGrpSpPr>
-      <p:grpSpPr>
-        <a:xfrm>
-          <a:off x="0" y="0"/>
-          <a:ext cx="0" cy="0"/>
-          <a:chOff x="0" y="0"/>
-          <a:chExt cx="0" cy="0"/>
-        </a:xfrm>
-      </p:grpSpPr>
-      <p:pic>
-        <p:nvPicPr>
-          <p:cNvPr id="3" name="Imagem 2">
-            <a:extLst>
-              <a:ext uri="{FF2B5EF4-FFF2-40B4-BE49-F238E27FC236}">
-                <a16:creationId xmlns:a16="http://schemas.microsoft.com/office/drawing/2014/main" id="{F6973707-83F0-410B-90BF-AA084DAA6797}"/>
-              </a:ext>
-            </a:extLst>
-          </p:cNvPr>
-          <p:cNvPicPr>
-            <a:picLocks noChangeAspect="1"/>
-          </p:cNvPicPr>
-          <p:nvPr/>
-        </p:nvPicPr>
-        <p:blipFill>
-          <a:blip r:embed="rId2"/>
-          <a:stretch>
-            <a:fillRect/>
-          </a:stretch>
-        </p:blipFill>
-        <p:spPr>
-          <a:xfrm>
-            <a:off x="2452179" y="1228418"/>
-            <a:ext cx="7287642" cy="4401164"/>
-          </a:xfrm>
-          <a:prstGeom prst="rect">
-            <a:avLst/>
-          </a:prstGeom>
-        </p:spPr>
-      </p:pic>
-    </p:spTree>
-    <p:extLst>
-      <p:ext uri="{BB962C8B-B14F-4D97-AF65-F5344CB8AC3E}">
-        <p14:creationId xmlns:p14="http://schemas.microsoft.com/office/powerpoint/2010/main" val="3138128980"/>
-      </p:ext>
-    </p:extLst>
-  </p:cSld>
-  <p:clrMapOvr>
-    <a:masterClrMapping/>
-  </p:clrMapOvr>
-</p:sld>
-</file>
-
-<file path=ppt/slides/slide14.xml><?xml version="1.0" encoding="utf-8"?>
-<p:sld xmlns:a="http://schemas.openxmlformats.org/drawingml/2006/main" xmlns:r="http://schemas.openxmlformats.org/officeDocument/2006/relationships" xmlns:p="http://schemas.openxmlformats.org/presentationml/2006/main">
-  <p:cSld>
-    <p:spTree>
-      <p:nvGrpSpPr>
-        <p:cNvPr id="1" name=""/>
-        <p:cNvGrpSpPr/>
-        <p:nvPr/>
-      </p:nvGrpSpPr>
-      <p:grpSpPr>
-        <a:xfrm>
-          <a:off x="0" y="0"/>
-          <a:ext cx="0" cy="0"/>
-          <a:chOff x="0" y="0"/>
-          <a:chExt cx="0" cy="0"/>
-        </a:xfrm>
-      </p:grpSpPr>
-      <p:pic>
-        <p:nvPicPr>
-          <p:cNvPr id="3" name="Imagem 2">
-            <a:extLst>
-              <a:ext uri="{FF2B5EF4-FFF2-40B4-BE49-F238E27FC236}">
-                <a16:creationId xmlns:a16="http://schemas.microsoft.com/office/drawing/2014/main" id="{3DBE0D0A-8B1A-4F95-A78D-59E1E3595AB7}"/>
-              </a:ext>
-            </a:extLst>
-          </p:cNvPr>
-          <p:cNvPicPr>
-            <a:picLocks noChangeAspect="1"/>
-          </p:cNvPicPr>
-          <p:nvPr/>
-        </p:nvPicPr>
-        <p:blipFill>
-          <a:blip r:embed="rId2"/>
-          <a:stretch>
-            <a:fillRect/>
-          </a:stretch>
-        </p:blipFill>
-        <p:spPr>
-          <a:xfrm>
-            <a:off x="2523626" y="1237944"/>
-            <a:ext cx="7144747" cy="4382112"/>
+            <a:off x="840060" y="1094892"/>
+            <a:ext cx="10186637" cy="4733269"/>
           </a:xfrm>
           <a:prstGeom prst="rect">
             <a:avLst/>
@@ -3932,10 +4181,10 @@
       </p:grpSpPr>
       <p:pic>
         <p:nvPicPr>
-          <p:cNvPr id="3" name="Imagem 2">
-            <a:extLst>
-              <a:ext uri="{FF2B5EF4-FFF2-40B4-BE49-F238E27FC236}">
-                <a16:creationId xmlns:a16="http://schemas.microsoft.com/office/drawing/2014/main" id="{A71CD0A3-B673-4FE8-B4C3-1720787EA64E}"/>
+          <p:cNvPr id="2" name="Imagem 3" descr="Diagrama&#10;&#10;Descrição gerada automaticamente">
+            <a:extLst>
+              <a:ext uri="{FF2B5EF4-FFF2-40B4-BE49-F238E27FC236}">
+                <a16:creationId xmlns:a16="http://schemas.microsoft.com/office/drawing/2014/main" id="{14104F27-C338-4EA9-8065-35ACF513BEE6}"/>
               </a:ext>
             </a:extLst>
           </p:cNvPr>
@@ -3952,8 +4201,8 @@
         </p:blipFill>
         <p:spPr>
           <a:xfrm>
-            <a:off x="2399784" y="1052181"/>
-            <a:ext cx="7392432" cy="4753638"/>
+            <a:off x="777435" y="894900"/>
+            <a:ext cx="10641979" cy="4709420"/>
           </a:xfrm>
           <a:prstGeom prst="rect">
             <a:avLst/>
@@ -3992,10 +4241,10 @@
       </p:grpSpPr>
       <p:pic>
         <p:nvPicPr>
-          <p:cNvPr id="3" name="Imagem 2">
-            <a:extLst>
-              <a:ext uri="{FF2B5EF4-FFF2-40B4-BE49-F238E27FC236}">
-                <a16:creationId xmlns:a16="http://schemas.microsoft.com/office/drawing/2014/main" id="{0E74A3D2-3C80-4C07-90FE-7C2CE89D5943}"/>
+          <p:cNvPr id="2" name="Imagem 3" descr="Diagrama&#10;&#10;Descrição gerada automaticamente">
+            <a:extLst>
+              <a:ext uri="{FF2B5EF4-FFF2-40B4-BE49-F238E27FC236}">
+                <a16:creationId xmlns:a16="http://schemas.microsoft.com/office/drawing/2014/main" id="{4D9D8393-326A-4D9F-AD35-DEE96EFD78FE}"/>
               </a:ext>
             </a:extLst>
           </p:cNvPr>
@@ -4012,8 +4261,8 @@
         </p:blipFill>
         <p:spPr>
           <a:xfrm>
-            <a:off x="2499810" y="1161733"/>
-            <a:ext cx="7192379" cy="4534533"/>
+            <a:off x="1009752" y="989295"/>
+            <a:ext cx="10179769" cy="4735375"/>
           </a:xfrm>
           <a:prstGeom prst="rect">
             <a:avLst/>
@@ -4052,10 +4301,10 @@
       </p:grpSpPr>
       <p:pic>
         <p:nvPicPr>
-          <p:cNvPr id="3" name="Imagem 2">
-            <a:extLst>
-              <a:ext uri="{FF2B5EF4-FFF2-40B4-BE49-F238E27FC236}">
-                <a16:creationId xmlns:a16="http://schemas.microsoft.com/office/drawing/2014/main" id="{7A756C40-E73E-4F5B-B2CC-417167886791}"/>
+          <p:cNvPr id="2" name="Imagem 3" descr="Diagrama&#10;&#10;Descrição gerada automaticamente">
+            <a:extLst>
+              <a:ext uri="{FF2B5EF4-FFF2-40B4-BE49-F238E27FC236}">
+                <a16:creationId xmlns:a16="http://schemas.microsoft.com/office/drawing/2014/main" id="{014D5010-88A2-48FE-B8CB-52FAA5D352EC}"/>
               </a:ext>
             </a:extLst>
           </p:cNvPr>
@@ -4072,8 +4321,8 @@
         </p:blipFill>
         <p:spPr>
           <a:xfrm>
-            <a:off x="2271178" y="1142681"/>
-            <a:ext cx="7649643" cy="4572638"/>
+            <a:off x="970156" y="1113126"/>
+            <a:ext cx="10242395" cy="4630332"/>
           </a:xfrm>
           <a:prstGeom prst="rect">
             <a:avLst/>
@@ -4083,7 +4332,7 @@
     </p:spTree>
     <p:extLst>
       <p:ext uri="{BB962C8B-B14F-4D97-AF65-F5344CB8AC3E}">
-        <p14:creationId xmlns:p14="http://schemas.microsoft.com/office/powerpoint/2010/main" val="671569579"/>
+        <p14:creationId xmlns:p14="http://schemas.microsoft.com/office/powerpoint/2010/main" val="1869228466"/>
       </p:ext>
     </p:extLst>
   </p:cSld>
@@ -4112,10 +4361,10 @@
       </p:grpSpPr>
       <p:pic>
         <p:nvPicPr>
-          <p:cNvPr id="3" name="Imagem 2">
-            <a:extLst>
-              <a:ext uri="{FF2B5EF4-FFF2-40B4-BE49-F238E27FC236}">
-                <a16:creationId xmlns:a16="http://schemas.microsoft.com/office/drawing/2014/main" id="{28C11E3F-B92B-49E2-83EB-ADD42462208A}"/>
+          <p:cNvPr id="2" name="Imagem 3" descr="Diagrama&#10;&#10;Descrição gerada automaticamente">
+            <a:extLst>
+              <a:ext uri="{FF2B5EF4-FFF2-40B4-BE49-F238E27FC236}">
+                <a16:creationId xmlns:a16="http://schemas.microsoft.com/office/drawing/2014/main" id="{7558F0EA-2FB5-4E78-B3A4-22681A361438}"/>
               </a:ext>
             </a:extLst>
           </p:cNvPr>
@@ -4132,8 +4381,8 @@
         </p:blipFill>
         <p:spPr>
           <a:xfrm>
-            <a:off x="2433126" y="1176023"/>
-            <a:ext cx="7325747" cy="4505954"/>
+            <a:off x="995409" y="1137302"/>
+            <a:ext cx="10172496" cy="4490673"/>
           </a:xfrm>
           <a:prstGeom prst="rect">
             <a:avLst/>
@@ -4143,7 +4392,7 @@
     </p:spTree>
     <p:extLst>
       <p:ext uri="{BB962C8B-B14F-4D97-AF65-F5344CB8AC3E}">
-        <p14:creationId xmlns:p14="http://schemas.microsoft.com/office/powerpoint/2010/main" val="123587919"/>
+        <p14:creationId xmlns:p14="http://schemas.microsoft.com/office/powerpoint/2010/main" val="1380495612"/>
       </p:ext>
     </p:extLst>
   </p:cSld>
@@ -4172,10 +4421,10 @@
       </p:grpSpPr>
       <p:pic>
         <p:nvPicPr>
-          <p:cNvPr id="3" name="Imagem 2">
-            <a:extLst>
-              <a:ext uri="{FF2B5EF4-FFF2-40B4-BE49-F238E27FC236}">
-                <a16:creationId xmlns:a16="http://schemas.microsoft.com/office/drawing/2014/main" id="{1A629BCE-7E90-4D59-921A-68536EE12728}"/>
+          <p:cNvPr id="2" name="Imagem 3" descr="Diagrama&#10;&#10;Descrição gerada automaticamente">
+            <a:extLst>
+              <a:ext uri="{FF2B5EF4-FFF2-40B4-BE49-F238E27FC236}">
+                <a16:creationId xmlns:a16="http://schemas.microsoft.com/office/drawing/2014/main" id="{31C21C89-5F7B-4C88-98EC-40E0A73ED892}"/>
               </a:ext>
             </a:extLst>
           </p:cNvPr>
@@ -4192,8 +4441,8 @@
         </p:blipFill>
         <p:spPr>
           <a:xfrm>
-            <a:off x="2375968" y="1123628"/>
-            <a:ext cx="7440063" cy="4610743"/>
+            <a:off x="1156009" y="1031012"/>
+            <a:ext cx="9647664" cy="4572950"/>
           </a:xfrm>
           <a:prstGeom prst="rect">
             <a:avLst/>
@@ -4203,7 +4452,7 @@
     </p:spTree>
     <p:extLst>
       <p:ext uri="{BB962C8B-B14F-4D97-AF65-F5344CB8AC3E}">
-        <p14:creationId xmlns:p14="http://schemas.microsoft.com/office/powerpoint/2010/main" val="1869228466"/>
+        <p14:creationId xmlns:p14="http://schemas.microsoft.com/office/powerpoint/2010/main" val="1356620411"/>
       </p:ext>
     </p:extLst>
   </p:cSld>
@@ -4232,10 +4481,10 @@
       </p:grpSpPr>
       <p:pic>
         <p:nvPicPr>
-          <p:cNvPr id="3" name="Imagem 2">
-            <a:extLst>
-              <a:ext uri="{FF2B5EF4-FFF2-40B4-BE49-F238E27FC236}">
-                <a16:creationId xmlns:a16="http://schemas.microsoft.com/office/drawing/2014/main" id="{73E3D0F1-8949-4374-AC7F-A8314D0751FB}"/>
+          <p:cNvPr id="2" name="Imagem 3" descr="Diagrama&#10;&#10;Descrição gerada automaticamente">
+            <a:extLst>
+              <a:ext uri="{FF2B5EF4-FFF2-40B4-BE49-F238E27FC236}">
+                <a16:creationId xmlns:a16="http://schemas.microsoft.com/office/drawing/2014/main" id="{1DC7C314-521F-47E0-AFDC-DDE512D0C219}"/>
               </a:ext>
             </a:extLst>
           </p:cNvPr>
@@ -4252,8 +4501,8 @@
         </p:blipFill>
         <p:spPr>
           <a:xfrm>
-            <a:off x="2542679" y="1147444"/>
-            <a:ext cx="7106642" cy="4563112"/>
+            <a:off x="1183888" y="1273937"/>
+            <a:ext cx="9824225" cy="4375176"/>
           </a:xfrm>
           <a:prstGeom prst="rect">
             <a:avLst/>
@@ -4263,7 +4512,7 @@
     </p:spTree>
     <p:extLst>
       <p:ext uri="{BB962C8B-B14F-4D97-AF65-F5344CB8AC3E}">
-        <p14:creationId xmlns:p14="http://schemas.microsoft.com/office/powerpoint/2010/main" val="1380495612"/>
+        <p14:creationId xmlns:p14="http://schemas.microsoft.com/office/powerpoint/2010/main" val="3756168739"/>
       </p:ext>
     </p:extLst>
   </p:cSld>
@@ -4292,10 +4541,10 @@
       </p:grpSpPr>
       <p:pic>
         <p:nvPicPr>
-          <p:cNvPr id="3" name="Imagem 2">
-            <a:extLst>
-              <a:ext uri="{FF2B5EF4-FFF2-40B4-BE49-F238E27FC236}">
-                <a16:creationId xmlns:a16="http://schemas.microsoft.com/office/drawing/2014/main" id="{5FE3B980-D2FA-4E0A-964C-D844F8D9240E}"/>
+          <p:cNvPr id="2" name="Imagem 3" descr="Diagrama&#10;&#10;Descrição gerada automaticamente">
+            <a:extLst>
+              <a:ext uri="{FF2B5EF4-FFF2-40B4-BE49-F238E27FC236}">
+                <a16:creationId xmlns:a16="http://schemas.microsoft.com/office/drawing/2014/main" id="{F662104A-2103-44B6-8118-D4F0352A944E}"/>
               </a:ext>
             </a:extLst>
           </p:cNvPr>
@@ -4312,8 +4561,8 @@
         </p:blipFill>
         <p:spPr>
           <a:xfrm>
-            <a:off x="2652232" y="1180786"/>
-            <a:ext cx="6887536" cy="4496427"/>
+            <a:off x="867937" y="1133677"/>
+            <a:ext cx="10298150" cy="4637109"/>
           </a:xfrm>
           <a:prstGeom prst="rect">
             <a:avLst/>
@@ -4323,7 +4572,7 @@
     </p:spTree>
     <p:extLst>
       <p:ext uri="{BB962C8B-B14F-4D97-AF65-F5344CB8AC3E}">
-        <p14:creationId xmlns:p14="http://schemas.microsoft.com/office/powerpoint/2010/main" val="1356620411"/>
+        <p14:creationId xmlns:p14="http://schemas.microsoft.com/office/powerpoint/2010/main" val="3713336375"/>
       </p:ext>
     </p:extLst>
   </p:cSld>
@@ -4352,10 +4601,10 @@
       </p:grpSpPr>
       <p:pic>
         <p:nvPicPr>
-          <p:cNvPr id="3" name="Imagem 2">
-            <a:extLst>
-              <a:ext uri="{FF2B5EF4-FFF2-40B4-BE49-F238E27FC236}">
-                <a16:creationId xmlns:a16="http://schemas.microsoft.com/office/drawing/2014/main" id="{E3221B9E-D728-49BD-BA82-8AFD11DCC22D}"/>
+          <p:cNvPr id="2" name="Imagem 3" descr="Diagrama&#10;&#10;Descrição gerada automaticamente">
+            <a:extLst>
+              <a:ext uri="{FF2B5EF4-FFF2-40B4-BE49-F238E27FC236}">
+                <a16:creationId xmlns:a16="http://schemas.microsoft.com/office/drawing/2014/main" id="{EA00885D-F5E2-4F99-9380-679B6417047B}"/>
               </a:ext>
             </a:extLst>
           </p:cNvPr>
@@ -4372,8 +4621,8 @@
         </p:blipFill>
         <p:spPr>
           <a:xfrm>
-            <a:off x="2556968" y="1195075"/>
-            <a:ext cx="7078063" cy="4467849"/>
+            <a:off x="942278" y="1116886"/>
+            <a:ext cx="10307444" cy="4614935"/>
           </a:xfrm>
           <a:prstGeom prst="rect">
             <a:avLst/>
@@ -4383,7 +4632,7 @@
     </p:spTree>
     <p:extLst>
       <p:ext uri="{BB962C8B-B14F-4D97-AF65-F5344CB8AC3E}">
-        <p14:creationId xmlns:p14="http://schemas.microsoft.com/office/powerpoint/2010/main" val="3756168739"/>
+        <p14:creationId xmlns:p14="http://schemas.microsoft.com/office/powerpoint/2010/main" val="3552760798"/>
       </p:ext>
     </p:extLst>
   </p:cSld>
